--- a/SWEN presentation 3.pptx
+++ b/SWEN presentation 3.pptx
@@ -1,57 +1,57 @@
 
 <file path=ppt/presentation.xml><?xml version="1.0" encoding="utf-8"?>
-<p:presentation xmlns:a="http://schemas.openxmlformats.org/drawingml/2006/main" xmlns:r="http://schemas.openxmlformats.org/officeDocument/2006/relationships" xmlns:mc="http://schemas.openxmlformats.org/markup-compatibility/2006" xmlns:mv="urn:schemas-microsoft-com:mac:vml" xmlns:p="http://schemas.openxmlformats.org/presentationml/2006/main" xmlns:c="http://schemas.openxmlformats.org/drawingml/2006/chart" xmlns:dgm="http://schemas.openxmlformats.org/drawingml/2006/diagram" xmlns:o="urn:schemas-microsoft-com:office:office" xmlns:v="urn:schemas-microsoft-com:vml" xmlns:pvml="urn:schemas-microsoft-com:office:powerpoint" xmlns:com="http://schemas.openxmlformats.org/drawingml/2006/compatibility" xmlns:p14="http://schemas.microsoft.com/office/powerpoint/2010/main" xmlns:p15="http://schemas.microsoft.com/office/powerpoint/2012/main" autoCompressPictures="0" embedTrueTypeFonts="1" strictFirstAndLastChars="0" saveSubsetFonts="1">
+<p:presentation xmlns:a="http://schemas.openxmlformats.org/drawingml/2006/main" xmlns:r="http://schemas.openxmlformats.org/officeDocument/2006/relationships" xmlns:p="http://schemas.openxmlformats.org/presentationml/2006/main" strictFirstAndLastChars="0" embedTrueTypeFonts="1" saveSubsetFonts="1" autoCompressPictures="0">
   <p:sldMasterIdLst>
-    <p:sldMasterId id="2147483662" r:id="rId3"/>
+    <p:sldMasterId id="2147483662" r:id="rId1"/>
   </p:sldMasterIdLst>
   <p:notesMasterIdLst>
-    <p:notesMasterId r:id="rId4"/>
+    <p:notesMasterId r:id="rId11"/>
   </p:notesMasterIdLst>
   <p:sldIdLst>
-    <p:sldId id="256" r:id="rId5"/>
-    <p:sldId id="257" r:id="rId6"/>
-    <p:sldId id="258" r:id="rId7"/>
-    <p:sldId id="259" r:id="rId8"/>
-    <p:sldId id="260" r:id="rId9"/>
-    <p:sldId id="261" r:id="rId10"/>
-    <p:sldId id="262" r:id="rId11"/>
-    <p:sldId id="263" r:id="rId12"/>
-    <p:sldId id="264" r:id="rId13"/>
+    <p:sldId id="256" r:id="rId2"/>
+    <p:sldId id="257" r:id="rId3"/>
+    <p:sldId id="258" r:id="rId4"/>
+    <p:sldId id="259" r:id="rId5"/>
+    <p:sldId id="260" r:id="rId6"/>
+    <p:sldId id="261" r:id="rId7"/>
+    <p:sldId id="262" r:id="rId8"/>
+    <p:sldId id="263" r:id="rId9"/>
+    <p:sldId id="264" r:id="rId10"/>
   </p:sldIdLst>
-  <p:sldSz cy="5143500" cx="9144000"/>
+  <p:sldSz cx="9144000" cy="5143500" type="screen16x9"/>
   <p:notesSz cx="6858000" cy="9144000"/>
   <p:embeddedFontLst>
     <p:embeddedFont>
-      <p:font typeface="Muli"/>
-      <p:regular r:id="rId14"/>
-      <p:bold r:id="rId15"/>
-      <p:italic r:id="rId16"/>
-      <p:boldItalic r:id="rId17"/>
+      <p:font typeface="Muli" panose="020B0604020202020204" charset="0"/>
+      <p:regular r:id="rId12"/>
+      <p:bold r:id="rId13"/>
+      <p:italic r:id="rId14"/>
+      <p:boldItalic r:id="rId15"/>
     </p:embeddedFont>
     <p:embeddedFont>
-      <p:font typeface="Poppins"/>
-      <p:regular r:id="rId18"/>
-      <p:bold r:id="rId19"/>
-      <p:italic r:id="rId20"/>
-      <p:boldItalic r:id="rId21"/>
+      <p:font typeface="Muli Light" panose="020B0604020202020204" charset="0"/>
+      <p:regular r:id="rId16"/>
+      <p:bold r:id="rId17"/>
+      <p:italic r:id="rId18"/>
+      <p:boldItalic r:id="rId19"/>
     </p:embeddedFont>
     <p:embeddedFont>
-      <p:font typeface="Poppins Light"/>
-      <p:regular r:id="rId22"/>
-      <p:bold r:id="rId23"/>
-      <p:italic r:id="rId24"/>
-      <p:boldItalic r:id="rId25"/>
+      <p:font typeface="Poppins" panose="020B0604020202020204" charset="0"/>
+      <p:regular r:id="rId20"/>
+      <p:bold r:id="rId21"/>
+      <p:italic r:id="rId22"/>
+      <p:boldItalic r:id="rId23"/>
     </p:embeddedFont>
     <p:embeddedFont>
-      <p:font typeface="Muli Light"/>
-      <p:regular r:id="rId26"/>
-      <p:bold r:id="rId27"/>
-      <p:italic r:id="rId28"/>
-      <p:boldItalic r:id="rId29"/>
+      <p:font typeface="Poppins Light" panose="020B0604020202020204" charset="0"/>
+      <p:regular r:id="rId24"/>
+      <p:bold r:id="rId25"/>
+      <p:italic r:id="rId26"/>
+      <p:boldItalic r:id="rId27"/>
     </p:embeddedFont>
   </p:embeddedFontLst>
   <p:defaultTextStyle>
-    <a:defPPr lvl="0" marR="0" rtl="0" algn="l">
+    <a:defPPr marR="0" lvl="0" algn="l" rtl="0">
       <a:lnSpc>
         <a:spcPct val="100000"/>
       </a:lnSpc>
@@ -62,7 +62,7 @@
         <a:spcPts val="0"/>
       </a:spcAft>
     </a:defPPr>
-    <a:lvl1pPr lvl="0" marR="0" rtl="0" algn="l">
+    <a:lvl1pPr marR="0" lvl="0" algn="l" rtl="0">
       <a:lnSpc>
         <a:spcPct val="100000"/>
       </a:lnSpc>
@@ -76,7 +76,7 @@
         <a:srgbClr val="000000"/>
       </a:buClr>
       <a:buFont typeface="Arial"/>
-      <a:defRPr b="0" i="0" sz="1400" u="none" cap="none" strike="noStrike">
+      <a:defRPr sz="1400" b="0" i="0" u="none" strike="noStrike" cap="none">
         <a:solidFill>
           <a:srgbClr val="000000"/>
         </a:solidFill>
@@ -86,7 +86,7 @@
         <a:sym typeface="Arial"/>
       </a:defRPr>
     </a:lvl1pPr>
-    <a:lvl2pPr lvl="1" marR="0" rtl="0" algn="l">
+    <a:lvl2pPr marR="0" lvl="1" algn="l" rtl="0">
       <a:lnSpc>
         <a:spcPct val="100000"/>
       </a:lnSpc>
@@ -100,7 +100,7 @@
         <a:srgbClr val="000000"/>
       </a:buClr>
       <a:buFont typeface="Arial"/>
-      <a:defRPr b="0" i="0" sz="1400" u="none" cap="none" strike="noStrike">
+      <a:defRPr sz="1400" b="0" i="0" u="none" strike="noStrike" cap="none">
         <a:solidFill>
           <a:srgbClr val="000000"/>
         </a:solidFill>
@@ -110,7 +110,7 @@
         <a:sym typeface="Arial"/>
       </a:defRPr>
     </a:lvl2pPr>
-    <a:lvl3pPr lvl="2" marR="0" rtl="0" algn="l">
+    <a:lvl3pPr marR="0" lvl="2" algn="l" rtl="0">
       <a:lnSpc>
         <a:spcPct val="100000"/>
       </a:lnSpc>
@@ -124,7 +124,7 @@
         <a:srgbClr val="000000"/>
       </a:buClr>
       <a:buFont typeface="Arial"/>
-      <a:defRPr b="0" i="0" sz="1400" u="none" cap="none" strike="noStrike">
+      <a:defRPr sz="1400" b="0" i="0" u="none" strike="noStrike" cap="none">
         <a:solidFill>
           <a:srgbClr val="000000"/>
         </a:solidFill>
@@ -134,7 +134,7 @@
         <a:sym typeface="Arial"/>
       </a:defRPr>
     </a:lvl3pPr>
-    <a:lvl4pPr lvl="3" marR="0" rtl="0" algn="l">
+    <a:lvl4pPr marR="0" lvl="3" algn="l" rtl="0">
       <a:lnSpc>
         <a:spcPct val="100000"/>
       </a:lnSpc>
@@ -148,7 +148,7 @@
         <a:srgbClr val="000000"/>
       </a:buClr>
       <a:buFont typeface="Arial"/>
-      <a:defRPr b="0" i="0" sz="1400" u="none" cap="none" strike="noStrike">
+      <a:defRPr sz="1400" b="0" i="0" u="none" strike="noStrike" cap="none">
         <a:solidFill>
           <a:srgbClr val="000000"/>
         </a:solidFill>
@@ -158,7 +158,7 @@
         <a:sym typeface="Arial"/>
       </a:defRPr>
     </a:lvl4pPr>
-    <a:lvl5pPr lvl="4" marR="0" rtl="0" algn="l">
+    <a:lvl5pPr marR="0" lvl="4" algn="l" rtl="0">
       <a:lnSpc>
         <a:spcPct val="100000"/>
       </a:lnSpc>
@@ -172,7 +172,7 @@
         <a:srgbClr val="000000"/>
       </a:buClr>
       <a:buFont typeface="Arial"/>
-      <a:defRPr b="0" i="0" sz="1400" u="none" cap="none" strike="noStrike">
+      <a:defRPr sz="1400" b="0" i="0" u="none" strike="noStrike" cap="none">
         <a:solidFill>
           <a:srgbClr val="000000"/>
         </a:solidFill>
@@ -182,7 +182,7 @@
         <a:sym typeface="Arial"/>
       </a:defRPr>
     </a:lvl5pPr>
-    <a:lvl6pPr lvl="5" marR="0" rtl="0" algn="l">
+    <a:lvl6pPr marR="0" lvl="5" algn="l" rtl="0">
       <a:lnSpc>
         <a:spcPct val="100000"/>
       </a:lnSpc>
@@ -196,7 +196,7 @@
         <a:srgbClr val="000000"/>
       </a:buClr>
       <a:buFont typeface="Arial"/>
-      <a:defRPr b="0" i="0" sz="1400" u="none" cap="none" strike="noStrike">
+      <a:defRPr sz="1400" b="0" i="0" u="none" strike="noStrike" cap="none">
         <a:solidFill>
           <a:srgbClr val="000000"/>
         </a:solidFill>
@@ -206,7 +206,7 @@
         <a:sym typeface="Arial"/>
       </a:defRPr>
     </a:lvl6pPr>
-    <a:lvl7pPr lvl="6" marR="0" rtl="0" algn="l">
+    <a:lvl7pPr marR="0" lvl="6" algn="l" rtl="0">
       <a:lnSpc>
         <a:spcPct val="100000"/>
       </a:lnSpc>
@@ -220,7 +220,7 @@
         <a:srgbClr val="000000"/>
       </a:buClr>
       <a:buFont typeface="Arial"/>
-      <a:defRPr b="0" i="0" sz="1400" u="none" cap="none" strike="noStrike">
+      <a:defRPr sz="1400" b="0" i="0" u="none" strike="noStrike" cap="none">
         <a:solidFill>
           <a:srgbClr val="000000"/>
         </a:solidFill>
@@ -230,7 +230,7 @@
         <a:sym typeface="Arial"/>
       </a:defRPr>
     </a:lvl7pPr>
-    <a:lvl8pPr lvl="7" marR="0" rtl="0" algn="l">
+    <a:lvl8pPr marR="0" lvl="7" algn="l" rtl="0">
       <a:lnSpc>
         <a:spcPct val="100000"/>
       </a:lnSpc>
@@ -244,7 +244,7 @@
         <a:srgbClr val="000000"/>
       </a:buClr>
       <a:buFont typeface="Arial"/>
-      <a:defRPr b="0" i="0" sz="1400" u="none" cap="none" strike="noStrike">
+      <a:defRPr sz="1400" b="0" i="0" u="none" strike="noStrike" cap="none">
         <a:solidFill>
           <a:srgbClr val="000000"/>
         </a:solidFill>
@@ -254,7 +254,7 @@
         <a:sym typeface="Arial"/>
       </a:defRPr>
     </a:lvl8pPr>
-    <a:lvl9pPr lvl="8" marR="0" rtl="0" algn="l">
+    <a:lvl9pPr marR="0" lvl="8" algn="l" rtl="0">
       <a:lnSpc>
         <a:spcPct val="100000"/>
       </a:lnSpc>
@@ -268,7 +268,7 @@
         <a:srgbClr val="000000"/>
       </a:buClr>
       <a:buFont typeface="Arial"/>
-      <a:defRPr b="0" i="0" sz="1400" u="none" cap="none" strike="noStrike">
+      <a:defRPr sz="1400" b="0" i="0" u="none" strike="noStrike" cap="none">
         <a:solidFill>
           <a:srgbClr val="000000"/>
         </a:solidFill>
@@ -283,11 +283,16 @@
 </file>
 
 <file path=ppt/notesMasters/notesMaster1.xml><?xml version="1.0" encoding="utf-8"?>
-<p:notesMaster xmlns:a="http://schemas.openxmlformats.org/drawingml/2006/main" xmlns:r="http://schemas.openxmlformats.org/officeDocument/2006/relationships" xmlns:mc="http://schemas.openxmlformats.org/markup-compatibility/2006" xmlns:mv="urn:schemas-microsoft-com:mac:vml" xmlns:p="http://schemas.openxmlformats.org/presentationml/2006/main" xmlns:c="http://schemas.openxmlformats.org/drawingml/2006/chart" xmlns:dgm="http://schemas.openxmlformats.org/drawingml/2006/diagram" xmlns:o="urn:schemas-microsoft-com:office:office" xmlns:v="urn:schemas-microsoft-com:vml" xmlns:pvml="urn:schemas-microsoft-com:office:powerpoint" xmlns:com="http://schemas.openxmlformats.org/drawingml/2006/compatibility" xmlns:p14="http://schemas.microsoft.com/office/powerpoint/2010/main" xmlns:p15="http://schemas.microsoft.com/office/powerpoint/2012/main">
+<p:notesMaster xmlns:a="http://schemas.openxmlformats.org/drawingml/2006/main" xmlns:r="http://schemas.openxmlformats.org/officeDocument/2006/relationships" xmlns:p="http://schemas.openxmlformats.org/presentationml/2006/main">
   <p:cSld>
+    <p:bg>
+      <p:bgRef idx="1001">
+        <a:schemeClr val="bg1"/>
+      </p:bgRef>
+    </p:bg>
     <p:spTree>
       <p:nvGrpSpPr>
-        <p:cNvPr id="2" name="Shape 2"/>
+        <p:cNvPr id="1" name="Shape 2"/>
         <p:cNvGrpSpPr/>
         <p:nvPr/>
       </p:nvGrpSpPr>
@@ -302,9 +307,11 @@
       <p:sp>
         <p:nvSpPr>
           <p:cNvPr id="3" name="Google Shape;3;n"/>
-          <p:cNvSpPr/>
+          <p:cNvSpPr>
+            <a:spLocks noGrp="1" noRot="1" noChangeAspect="1"/>
+          </p:cNvSpPr>
           <p:nvPr>
-            <p:ph idx="2" type="sldImg"/>
+            <p:ph type="sldImg" idx="2"/>
           </p:nvPr>
         </p:nvSpPr>
         <p:spPr>
@@ -313,9 +320,13 @@
             <a:ext cx="6096075" cy="3429000"/>
           </a:xfrm>
           <a:custGeom>
-            <a:rect b="b" l="l" r="r" t="t"/>
+            <a:avLst/>
+            <a:gdLst/>
+            <a:ahLst/>
+            <a:cxnLst/>
+            <a:rect l="l" t="t" r="r" b="b"/>
             <a:pathLst>
-              <a:path extrusionOk="0" h="120000" w="120000">
+              <a:path w="120000" h="120000" extrusionOk="0">
                 <a:moveTo>
                   <a:pt x="0" y="0"/>
                 </a:moveTo>
@@ -333,23 +344,25 @@
             </a:pathLst>
           </a:custGeom>
           <a:noFill/>
-          <a:ln cap="flat" cmpd="sng" w="9525">
+          <a:ln w="9525" cap="flat" cmpd="sng">
             <a:solidFill>
               <a:srgbClr val="000000"/>
             </a:solidFill>
             <a:prstDash val="solid"/>
             <a:round/>
-            <a:headEnd len="sm" w="sm" type="none"/>
-            <a:tailEnd len="sm" w="sm" type="none"/>
+            <a:headEnd type="none" w="sm" len="sm"/>
+            <a:tailEnd type="none" w="sm" len="sm"/>
           </a:ln>
         </p:spPr>
       </p:sp>
       <p:sp>
         <p:nvSpPr>
           <p:cNvPr id="4" name="Google Shape;4;n"/>
-          <p:cNvSpPr txBox="1"/>
+          <p:cNvSpPr txBox="1">
+            <a:spLocks noGrp="1"/>
+          </p:cNvSpPr>
           <p:nvPr>
-            <p:ph idx="1" type="body"/>
+            <p:ph type="body" idx="1"/>
           </p:nvPr>
         </p:nvSpPr>
         <p:spPr>
@@ -366,9 +379,9 @@
           </a:ln>
         </p:spPr>
         <p:txBody>
-          <a:bodyPr anchorCtr="0" anchor="t" bIns="91425" lIns="91425" spcFirstLastPara="1" rIns="91425" wrap="square" tIns="91425"/>
+          <a:bodyPr spcFirstLastPara="1" wrap="square" lIns="91425" tIns="91425" rIns="91425" bIns="91425" anchor="t" anchorCtr="0"/>
           <a:lstStyle>
-            <a:lvl1pPr indent="-298450" lvl="0" marL="457200">
+            <a:lvl1pPr marL="457200" lvl="0" indent="-298450">
               <a:spcBef>
                 <a:spcPts val="0"/>
               </a:spcBef>
@@ -379,7 +392,7 @@
               <a:buChar char="●"/>
               <a:defRPr sz="1100"/>
             </a:lvl1pPr>
-            <a:lvl2pPr indent="-298450" lvl="1" marL="914400">
+            <a:lvl2pPr marL="914400" lvl="1" indent="-298450">
               <a:spcBef>
                 <a:spcPts val="0"/>
               </a:spcBef>
@@ -390,7 +403,7 @@
               <a:buChar char="○"/>
               <a:defRPr sz="1100"/>
             </a:lvl2pPr>
-            <a:lvl3pPr indent="-298450" lvl="2" marL="1371600">
+            <a:lvl3pPr marL="1371600" lvl="2" indent="-298450">
               <a:spcBef>
                 <a:spcPts val="0"/>
               </a:spcBef>
@@ -401,7 +414,7 @@
               <a:buChar char="■"/>
               <a:defRPr sz="1100"/>
             </a:lvl3pPr>
-            <a:lvl4pPr indent="-298450" lvl="3" marL="1828800">
+            <a:lvl4pPr marL="1828800" lvl="3" indent="-298450">
               <a:spcBef>
                 <a:spcPts val="0"/>
               </a:spcBef>
@@ -412,7 +425,7 @@
               <a:buChar char="●"/>
               <a:defRPr sz="1100"/>
             </a:lvl4pPr>
-            <a:lvl5pPr indent="-298450" lvl="4" marL="2286000">
+            <a:lvl5pPr marL="2286000" lvl="4" indent="-298450">
               <a:spcBef>
                 <a:spcPts val="0"/>
               </a:spcBef>
@@ -423,7 +436,7 @@
               <a:buChar char="○"/>
               <a:defRPr sz="1100"/>
             </a:lvl5pPr>
-            <a:lvl6pPr indent="-298450" lvl="5" marL="2743200">
+            <a:lvl6pPr marL="2743200" lvl="5" indent="-298450">
               <a:spcBef>
                 <a:spcPts val="0"/>
               </a:spcBef>
@@ -434,7 +447,7 @@
               <a:buChar char="■"/>
               <a:defRPr sz="1100"/>
             </a:lvl6pPr>
-            <a:lvl7pPr indent="-298450" lvl="6" marL="3200400">
+            <a:lvl7pPr marL="3200400" lvl="6" indent="-298450">
               <a:spcBef>
                 <a:spcPts val="0"/>
               </a:spcBef>
@@ -445,7 +458,7 @@
               <a:buChar char="●"/>
               <a:defRPr sz="1100"/>
             </a:lvl7pPr>
-            <a:lvl8pPr indent="-298450" lvl="7" marL="3657600">
+            <a:lvl8pPr marL="3657600" lvl="7" indent="-298450">
               <a:spcBef>
                 <a:spcPts val="0"/>
               </a:spcBef>
@@ -456,7 +469,7 @@
               <a:buChar char="○"/>
               <a:defRPr sz="1100"/>
             </a:lvl8pPr>
-            <a:lvl9pPr indent="-298450" lvl="8" marL="4114800">
+            <a:lvl9pPr marL="4114800" lvl="8" indent="-298450">
               <a:spcBef>
                 <a:spcPts val="0"/>
               </a:spcBef>
@@ -468,14 +481,16 @@
               <a:defRPr sz="1100"/>
             </a:lvl9pPr>
           </a:lstStyle>
-          <a:p/>
+          <a:p>
+            <a:endParaRPr/>
+          </a:p>
         </p:txBody>
       </p:sp>
     </p:spTree>
   </p:cSld>
-  <p:clrMap accent1="accent1" accent2="accent2" accent3="accent3" accent4="accent4" accent5="accent5" accent6="accent6" bg1="lt1" bg2="dk2" tx1="dk1" tx2="lt2" folHlink="folHlink" hlink="hlink"/>
+  <p:clrMap bg1="lt1" tx1="dk1" bg2="dk2" tx2="lt2" accent1="accent1" accent2="accent2" accent3="accent3" accent4="accent4" accent5="accent5" accent6="accent6" hlink="hlink" folHlink="folHlink"/>
   <p:notesStyle>
-    <a:defPPr lvl="0" marR="0" rtl="0" algn="l">
+    <a:defPPr marR="0" lvl="0" algn="l" rtl="0">
       <a:lnSpc>
         <a:spcPct val="100000"/>
       </a:lnSpc>
@@ -486,7 +501,7 @@
         <a:spcPts val="0"/>
       </a:spcAft>
     </a:defPPr>
-    <a:lvl1pPr lvl="0" marR="0" rtl="0" algn="l">
+    <a:lvl1pPr marR="0" lvl="0" algn="l" rtl="0">
       <a:lnSpc>
         <a:spcPct val="100000"/>
       </a:lnSpc>
@@ -500,7 +515,7 @@
         <a:srgbClr val="000000"/>
       </a:buClr>
       <a:buFont typeface="Arial"/>
-      <a:defRPr b="0" i="0" sz="1400" u="none" cap="none" strike="noStrike">
+      <a:defRPr sz="1400" b="0" i="0" u="none" strike="noStrike" cap="none">
         <a:solidFill>
           <a:srgbClr val="000000"/>
         </a:solidFill>
@@ -510,7 +525,7 @@
         <a:sym typeface="Arial"/>
       </a:defRPr>
     </a:lvl1pPr>
-    <a:lvl2pPr lvl="1" marR="0" rtl="0" algn="l">
+    <a:lvl2pPr marR="0" lvl="1" algn="l" rtl="0">
       <a:lnSpc>
         <a:spcPct val="100000"/>
       </a:lnSpc>
@@ -524,7 +539,7 @@
         <a:srgbClr val="000000"/>
       </a:buClr>
       <a:buFont typeface="Arial"/>
-      <a:defRPr b="0" i="0" sz="1400" u="none" cap="none" strike="noStrike">
+      <a:defRPr sz="1400" b="0" i="0" u="none" strike="noStrike" cap="none">
         <a:solidFill>
           <a:srgbClr val="000000"/>
         </a:solidFill>
@@ -534,7 +549,7 @@
         <a:sym typeface="Arial"/>
       </a:defRPr>
     </a:lvl2pPr>
-    <a:lvl3pPr lvl="2" marR="0" rtl="0" algn="l">
+    <a:lvl3pPr marR="0" lvl="2" algn="l" rtl="0">
       <a:lnSpc>
         <a:spcPct val="100000"/>
       </a:lnSpc>
@@ -548,7 +563,7 @@
         <a:srgbClr val="000000"/>
       </a:buClr>
       <a:buFont typeface="Arial"/>
-      <a:defRPr b="0" i="0" sz="1400" u="none" cap="none" strike="noStrike">
+      <a:defRPr sz="1400" b="0" i="0" u="none" strike="noStrike" cap="none">
         <a:solidFill>
           <a:srgbClr val="000000"/>
         </a:solidFill>
@@ -558,7 +573,7 @@
         <a:sym typeface="Arial"/>
       </a:defRPr>
     </a:lvl3pPr>
-    <a:lvl4pPr lvl="3" marR="0" rtl="0" algn="l">
+    <a:lvl4pPr marR="0" lvl="3" algn="l" rtl="0">
       <a:lnSpc>
         <a:spcPct val="100000"/>
       </a:lnSpc>
@@ -572,7 +587,7 @@
         <a:srgbClr val="000000"/>
       </a:buClr>
       <a:buFont typeface="Arial"/>
-      <a:defRPr b="0" i="0" sz="1400" u="none" cap="none" strike="noStrike">
+      <a:defRPr sz="1400" b="0" i="0" u="none" strike="noStrike" cap="none">
         <a:solidFill>
           <a:srgbClr val="000000"/>
         </a:solidFill>
@@ -582,7 +597,7 @@
         <a:sym typeface="Arial"/>
       </a:defRPr>
     </a:lvl4pPr>
-    <a:lvl5pPr lvl="4" marR="0" rtl="0" algn="l">
+    <a:lvl5pPr marR="0" lvl="4" algn="l" rtl="0">
       <a:lnSpc>
         <a:spcPct val="100000"/>
       </a:lnSpc>
@@ -596,7 +611,7 @@
         <a:srgbClr val="000000"/>
       </a:buClr>
       <a:buFont typeface="Arial"/>
-      <a:defRPr b="0" i="0" sz="1400" u="none" cap="none" strike="noStrike">
+      <a:defRPr sz="1400" b="0" i="0" u="none" strike="noStrike" cap="none">
         <a:solidFill>
           <a:srgbClr val="000000"/>
         </a:solidFill>
@@ -606,7 +621,7 @@
         <a:sym typeface="Arial"/>
       </a:defRPr>
     </a:lvl5pPr>
-    <a:lvl6pPr lvl="5" marR="0" rtl="0" algn="l">
+    <a:lvl6pPr marR="0" lvl="5" algn="l" rtl="0">
       <a:lnSpc>
         <a:spcPct val="100000"/>
       </a:lnSpc>
@@ -620,7 +635,7 @@
         <a:srgbClr val="000000"/>
       </a:buClr>
       <a:buFont typeface="Arial"/>
-      <a:defRPr b="0" i="0" sz="1400" u="none" cap="none" strike="noStrike">
+      <a:defRPr sz="1400" b="0" i="0" u="none" strike="noStrike" cap="none">
         <a:solidFill>
           <a:srgbClr val="000000"/>
         </a:solidFill>
@@ -630,7 +645,7 @@
         <a:sym typeface="Arial"/>
       </a:defRPr>
     </a:lvl6pPr>
-    <a:lvl7pPr lvl="6" marR="0" rtl="0" algn="l">
+    <a:lvl7pPr marR="0" lvl="6" algn="l" rtl="0">
       <a:lnSpc>
         <a:spcPct val="100000"/>
       </a:lnSpc>
@@ -644,7 +659,7 @@
         <a:srgbClr val="000000"/>
       </a:buClr>
       <a:buFont typeface="Arial"/>
-      <a:defRPr b="0" i="0" sz="1400" u="none" cap="none" strike="noStrike">
+      <a:defRPr sz="1400" b="0" i="0" u="none" strike="noStrike" cap="none">
         <a:solidFill>
           <a:srgbClr val="000000"/>
         </a:solidFill>
@@ -654,7 +669,7 @@
         <a:sym typeface="Arial"/>
       </a:defRPr>
     </a:lvl7pPr>
-    <a:lvl8pPr lvl="7" marR="0" rtl="0" algn="l">
+    <a:lvl8pPr marR="0" lvl="7" algn="l" rtl="0">
       <a:lnSpc>
         <a:spcPct val="100000"/>
       </a:lnSpc>
@@ -668,7 +683,7 @@
         <a:srgbClr val="000000"/>
       </a:buClr>
       <a:buFont typeface="Arial"/>
-      <a:defRPr b="0" i="0" sz="1400" u="none" cap="none" strike="noStrike">
+      <a:defRPr sz="1400" b="0" i="0" u="none" strike="noStrike" cap="none">
         <a:solidFill>
           <a:srgbClr val="000000"/>
         </a:solidFill>
@@ -678,7 +693,7 @@
         <a:sym typeface="Arial"/>
       </a:defRPr>
     </a:lvl8pPr>
-    <a:lvl9pPr lvl="8" marR="0" rtl="0" algn="l">
+    <a:lvl9pPr marR="0" lvl="8" algn="l" rtl="0">
       <a:lnSpc>
         <a:spcPct val="100000"/>
       </a:lnSpc>
@@ -692,7 +707,7 @@
         <a:srgbClr val="000000"/>
       </a:buClr>
       <a:buFont typeface="Arial"/>
-      <a:defRPr b="0" i="0" sz="1400" u="none" cap="none" strike="noStrike">
+      <a:defRPr sz="1400" b="0" i="0" u="none" strike="noStrike" cap="none">
         <a:solidFill>
           <a:srgbClr val="000000"/>
         </a:solidFill>
@@ -707,11 +722,11 @@
 </file>
 
 <file path=ppt/notesSlides/notesSlide1.xml><?xml version="1.0" encoding="utf-8"?>
-<p:notes xmlns:a="http://schemas.openxmlformats.org/drawingml/2006/main" xmlns:r="http://schemas.openxmlformats.org/officeDocument/2006/relationships" xmlns:mc="http://schemas.openxmlformats.org/markup-compatibility/2006" xmlns:mv="urn:schemas-microsoft-com:mac:vml" xmlns:p="http://schemas.openxmlformats.org/presentationml/2006/main" xmlns:c="http://schemas.openxmlformats.org/drawingml/2006/chart" xmlns:dgm="http://schemas.openxmlformats.org/drawingml/2006/diagram" xmlns:o="urn:schemas-microsoft-com:office:office" xmlns:v="urn:schemas-microsoft-com:vml" xmlns:pvml="urn:schemas-microsoft-com:office:powerpoint" xmlns:com="http://schemas.openxmlformats.org/drawingml/2006/compatibility" xmlns:p14="http://schemas.microsoft.com/office/powerpoint/2010/main" xmlns:p15="http://schemas.microsoft.com/office/powerpoint/2012/main" showMasterPhAnim="0" showMasterSp="0">
+<p:notes xmlns:a="http://schemas.openxmlformats.org/drawingml/2006/main" xmlns:r="http://schemas.openxmlformats.org/officeDocument/2006/relationships" xmlns:p="http://schemas.openxmlformats.org/presentationml/2006/main" showMasterSp="0" showMasterPhAnim="0">
   <p:cSld>
     <p:spTree>
       <p:nvGrpSpPr>
-        <p:cNvPr id="75" name="Shape 75"/>
+        <p:cNvPr id="1" name="Shape 75"/>
         <p:cNvGrpSpPr/>
         <p:nvPr/>
       </p:nvGrpSpPr>
@@ -726,9 +741,11 @@
       <p:sp>
         <p:nvSpPr>
           <p:cNvPr id="76" name="Google Shape;76;p:notes"/>
-          <p:cNvSpPr/>
+          <p:cNvSpPr>
+            <a:spLocks noGrp="1" noRot="1" noChangeAspect="1"/>
+          </p:cNvSpPr>
           <p:nvPr>
-            <p:ph idx="2" type="sldImg"/>
+            <p:ph type="sldImg" idx="2"/>
           </p:nvPr>
         </p:nvSpPr>
         <p:spPr>
@@ -737,9 +754,13 @@
             <a:ext cx="6096075" cy="3429000"/>
           </a:xfrm>
           <a:custGeom>
-            <a:rect b="b" l="l" r="r" t="t"/>
+            <a:avLst/>
+            <a:gdLst/>
+            <a:ahLst/>
+            <a:cxnLst/>
+            <a:rect l="l" t="t" r="r" b="b"/>
             <a:pathLst>
-              <a:path extrusionOk="0" h="120000" w="120000">
+              <a:path w="120000" h="120000" extrusionOk="0">
                 <a:moveTo>
                   <a:pt x="0" y="0"/>
                 </a:moveTo>
@@ -761,9 +782,11 @@
       <p:sp>
         <p:nvSpPr>
           <p:cNvPr id="77" name="Google Shape;77;p:notes"/>
-          <p:cNvSpPr txBox="1"/>
+          <p:cNvSpPr txBox="1">
+            <a:spLocks noGrp="1"/>
+          </p:cNvSpPr>
           <p:nvPr>
-            <p:ph idx="1" type="body"/>
+            <p:ph type="body" idx="1"/>
           </p:nvPr>
         </p:nvSpPr>
         <p:spPr>
@@ -776,12 +799,12 @@
           </a:prstGeom>
         </p:spPr>
         <p:txBody>
-          <a:bodyPr anchorCtr="0" anchor="t" bIns="91425" lIns="91425" spcFirstLastPara="1" rIns="91425" wrap="square" tIns="91425">
+          <a:bodyPr spcFirstLastPara="1" wrap="square" lIns="91425" tIns="91425" rIns="91425" bIns="91425" anchor="t" anchorCtr="0">
             <a:noAutofit/>
           </a:bodyPr>
           <a:lstStyle/>
           <a:p>
-            <a:pPr indent="0" lvl="0" marL="0" rtl="0" algn="l">
+            <a:pPr marL="0" lvl="0" indent="0" algn="l" rtl="0">
               <a:spcBef>
                 <a:spcPts val="0"/>
               </a:spcBef>
@@ -790,9 +813,6 @@
               </a:spcAft>
               <a:buNone/>
             </a:pPr>
-            <a:r>
-              <a:t/>
-            </a:r>
             <a:endParaRPr/>
           </a:p>
         </p:txBody>
@@ -806,11 +826,11 @@
 </file>
 
 <file path=ppt/notesSlides/notesSlide2.xml><?xml version="1.0" encoding="utf-8"?>
-<p:notes xmlns:a="http://schemas.openxmlformats.org/drawingml/2006/main" xmlns:r="http://schemas.openxmlformats.org/officeDocument/2006/relationships" xmlns:mc="http://schemas.openxmlformats.org/markup-compatibility/2006" xmlns:mv="urn:schemas-microsoft-com:mac:vml" xmlns:p="http://schemas.openxmlformats.org/presentationml/2006/main" xmlns:c="http://schemas.openxmlformats.org/drawingml/2006/chart" xmlns:dgm="http://schemas.openxmlformats.org/drawingml/2006/diagram" xmlns:o="urn:schemas-microsoft-com:office:office" xmlns:v="urn:schemas-microsoft-com:vml" xmlns:pvml="urn:schemas-microsoft-com:office:powerpoint" xmlns:com="http://schemas.openxmlformats.org/drawingml/2006/compatibility" xmlns:p14="http://schemas.microsoft.com/office/powerpoint/2010/main" xmlns:p15="http://schemas.microsoft.com/office/powerpoint/2012/main" showMasterPhAnim="0" showMasterSp="0">
+<p:notes xmlns:a="http://schemas.openxmlformats.org/drawingml/2006/main" xmlns:r="http://schemas.openxmlformats.org/officeDocument/2006/relationships" xmlns:p="http://schemas.openxmlformats.org/presentationml/2006/main" showMasterSp="0" showMasterPhAnim="0">
   <p:cSld>
     <p:spTree>
       <p:nvGrpSpPr>
-        <p:cNvPr id="80" name="Shape 80"/>
+        <p:cNvPr id="1" name="Shape 80"/>
         <p:cNvGrpSpPr/>
         <p:nvPr/>
       </p:nvGrpSpPr>
@@ -825,20 +845,26 @@
       <p:sp>
         <p:nvSpPr>
           <p:cNvPr id="81" name="Google Shape;81;g4f727b8975_0_0:notes"/>
-          <p:cNvSpPr/>
+          <p:cNvSpPr>
+            <a:spLocks noGrp="1" noRot="1" noChangeAspect="1"/>
+          </p:cNvSpPr>
           <p:nvPr>
-            <p:ph idx="2" type="sldImg"/>
+            <p:ph type="sldImg" idx="2"/>
           </p:nvPr>
         </p:nvSpPr>
         <p:spPr>
           <a:xfrm>
-            <a:off x="381300" y="685800"/>
+            <a:off x="381000" y="685800"/>
             <a:ext cx="6096000" cy="3429000"/>
           </a:xfrm>
           <a:custGeom>
-            <a:rect b="b" l="l" r="r" t="t"/>
+            <a:avLst/>
+            <a:gdLst/>
+            <a:ahLst/>
+            <a:cxnLst/>
+            <a:rect l="l" t="t" r="r" b="b"/>
             <a:pathLst>
-              <a:path extrusionOk="0" h="120000" w="120000">
+              <a:path w="120000" h="120000" extrusionOk="0">
                 <a:moveTo>
                   <a:pt x="0" y="0"/>
                 </a:moveTo>
@@ -860,9 +886,11 @@
       <p:sp>
         <p:nvSpPr>
           <p:cNvPr id="82" name="Google Shape;82;g4f727b8975_0_0:notes"/>
-          <p:cNvSpPr txBox="1"/>
+          <p:cNvSpPr txBox="1">
+            <a:spLocks noGrp="1"/>
+          </p:cNvSpPr>
           <p:nvPr>
-            <p:ph idx="1" type="body"/>
+            <p:ph type="body" idx="1"/>
           </p:nvPr>
         </p:nvSpPr>
         <p:spPr>
@@ -875,12 +903,12 @@
           </a:prstGeom>
         </p:spPr>
         <p:txBody>
-          <a:bodyPr anchorCtr="0" anchor="t" bIns="91425" lIns="91425" spcFirstLastPara="1" rIns="91425" wrap="square" tIns="91425">
+          <a:bodyPr spcFirstLastPara="1" wrap="square" lIns="91425" tIns="91425" rIns="91425" bIns="91425" anchor="t" anchorCtr="0">
             <a:noAutofit/>
           </a:bodyPr>
           <a:lstStyle/>
           <a:p>
-            <a:pPr indent="0" lvl="0" marL="0" rtl="0" algn="l">
+            <a:pPr marL="0" lvl="0" indent="0" algn="l" rtl="0">
               <a:spcBef>
                 <a:spcPts val="0"/>
               </a:spcBef>
@@ -889,9 +917,6 @@
               </a:spcAft>
               <a:buNone/>
             </a:pPr>
-            <a:r>
-              <a:t/>
-            </a:r>
             <a:endParaRPr/>
           </a:p>
         </p:txBody>
@@ -905,11 +930,11 @@
 </file>
 
 <file path=ppt/notesSlides/notesSlide3.xml><?xml version="1.0" encoding="utf-8"?>
-<p:notes xmlns:a="http://schemas.openxmlformats.org/drawingml/2006/main" xmlns:r="http://schemas.openxmlformats.org/officeDocument/2006/relationships" xmlns:mc="http://schemas.openxmlformats.org/markup-compatibility/2006" xmlns:mv="urn:schemas-microsoft-com:mac:vml" xmlns:p="http://schemas.openxmlformats.org/presentationml/2006/main" xmlns:c="http://schemas.openxmlformats.org/drawingml/2006/chart" xmlns:dgm="http://schemas.openxmlformats.org/drawingml/2006/diagram" xmlns:o="urn:schemas-microsoft-com:office:office" xmlns:v="urn:schemas-microsoft-com:vml" xmlns:pvml="urn:schemas-microsoft-com:office:powerpoint" xmlns:com="http://schemas.openxmlformats.org/drawingml/2006/compatibility" xmlns:p14="http://schemas.microsoft.com/office/powerpoint/2010/main" xmlns:p15="http://schemas.microsoft.com/office/powerpoint/2012/main" showMasterPhAnim="0" showMasterSp="0">
+<p:notes xmlns:a="http://schemas.openxmlformats.org/drawingml/2006/main" xmlns:r="http://schemas.openxmlformats.org/officeDocument/2006/relationships" xmlns:p="http://schemas.openxmlformats.org/presentationml/2006/main" showMasterSp="0" showMasterPhAnim="0">
   <p:cSld>
     <p:spTree>
       <p:nvGrpSpPr>
-        <p:cNvPr id="89" name="Shape 89"/>
+        <p:cNvPr id="1" name="Shape 89"/>
         <p:cNvGrpSpPr/>
         <p:nvPr/>
       </p:nvGrpSpPr>
@@ -924,20 +949,26 @@
       <p:sp>
         <p:nvSpPr>
           <p:cNvPr id="90" name="Google Shape;90;g4f727b8975_0_5:notes"/>
-          <p:cNvSpPr/>
+          <p:cNvSpPr>
+            <a:spLocks noGrp="1" noRot="1" noChangeAspect="1"/>
+          </p:cNvSpPr>
           <p:nvPr>
-            <p:ph idx="2" type="sldImg"/>
+            <p:ph type="sldImg" idx="2"/>
           </p:nvPr>
         </p:nvSpPr>
         <p:spPr>
           <a:xfrm>
-            <a:off x="381300" y="685800"/>
+            <a:off x="381000" y="685800"/>
             <a:ext cx="6096000" cy="3429000"/>
           </a:xfrm>
           <a:custGeom>
-            <a:rect b="b" l="l" r="r" t="t"/>
+            <a:avLst/>
+            <a:gdLst/>
+            <a:ahLst/>
+            <a:cxnLst/>
+            <a:rect l="l" t="t" r="r" b="b"/>
             <a:pathLst>
-              <a:path extrusionOk="0" h="120000" w="120000">
+              <a:path w="120000" h="120000" extrusionOk="0">
                 <a:moveTo>
                   <a:pt x="0" y="0"/>
                 </a:moveTo>
@@ -959,9 +990,11 @@
       <p:sp>
         <p:nvSpPr>
           <p:cNvPr id="91" name="Google Shape;91;g4f727b8975_0_5:notes"/>
-          <p:cNvSpPr txBox="1"/>
+          <p:cNvSpPr txBox="1">
+            <a:spLocks noGrp="1"/>
+          </p:cNvSpPr>
           <p:nvPr>
-            <p:ph idx="1" type="body"/>
+            <p:ph type="body" idx="1"/>
           </p:nvPr>
         </p:nvSpPr>
         <p:spPr>
@@ -974,12 +1007,12 @@
           </a:prstGeom>
         </p:spPr>
         <p:txBody>
-          <a:bodyPr anchorCtr="0" anchor="t" bIns="91425" lIns="91425" spcFirstLastPara="1" rIns="91425" wrap="square" tIns="91425">
+          <a:bodyPr spcFirstLastPara="1" wrap="square" lIns="91425" tIns="91425" rIns="91425" bIns="91425" anchor="t" anchorCtr="0">
             <a:noAutofit/>
           </a:bodyPr>
           <a:lstStyle/>
           <a:p>
-            <a:pPr indent="0" lvl="0" marL="0" rtl="0" algn="l">
+            <a:pPr marL="0" lvl="0" indent="0" algn="l" rtl="0">
               <a:spcBef>
                 <a:spcPts val="0"/>
               </a:spcBef>
@@ -988,9 +1021,6 @@
               </a:spcAft>
               <a:buNone/>
             </a:pPr>
-            <a:r>
-              <a:t/>
-            </a:r>
             <a:endParaRPr/>
           </a:p>
         </p:txBody>
@@ -1004,11 +1034,11 @@
 </file>
 
 <file path=ppt/notesSlides/notesSlide4.xml><?xml version="1.0" encoding="utf-8"?>
-<p:notes xmlns:a="http://schemas.openxmlformats.org/drawingml/2006/main" xmlns:r="http://schemas.openxmlformats.org/officeDocument/2006/relationships" xmlns:mc="http://schemas.openxmlformats.org/markup-compatibility/2006" xmlns:mv="urn:schemas-microsoft-com:mac:vml" xmlns:p="http://schemas.openxmlformats.org/presentationml/2006/main" xmlns:c="http://schemas.openxmlformats.org/drawingml/2006/chart" xmlns:dgm="http://schemas.openxmlformats.org/drawingml/2006/diagram" xmlns:o="urn:schemas-microsoft-com:office:office" xmlns:v="urn:schemas-microsoft-com:vml" xmlns:pvml="urn:schemas-microsoft-com:office:powerpoint" xmlns:com="http://schemas.openxmlformats.org/drawingml/2006/compatibility" xmlns:p14="http://schemas.microsoft.com/office/powerpoint/2010/main" xmlns:p15="http://schemas.microsoft.com/office/powerpoint/2012/main" showMasterPhAnim="0" showMasterSp="0">
+<p:notes xmlns:a="http://schemas.openxmlformats.org/drawingml/2006/main" xmlns:r="http://schemas.openxmlformats.org/officeDocument/2006/relationships" xmlns:p="http://schemas.openxmlformats.org/presentationml/2006/main" showMasterSp="0" showMasterPhAnim="0">
   <p:cSld>
     <p:spTree>
       <p:nvGrpSpPr>
-        <p:cNvPr id="98" name="Shape 98"/>
+        <p:cNvPr id="1" name="Shape 98"/>
         <p:cNvGrpSpPr/>
         <p:nvPr/>
       </p:nvGrpSpPr>
@@ -1023,20 +1053,26 @@
       <p:sp>
         <p:nvSpPr>
           <p:cNvPr id="99" name="Google Shape;99;g4cbf0c82db_1_3:notes"/>
-          <p:cNvSpPr/>
+          <p:cNvSpPr>
+            <a:spLocks noGrp="1" noRot="1" noChangeAspect="1"/>
+          </p:cNvSpPr>
           <p:nvPr>
-            <p:ph idx="2" type="sldImg"/>
+            <p:ph type="sldImg" idx="2"/>
           </p:nvPr>
         </p:nvSpPr>
         <p:spPr>
           <a:xfrm>
-            <a:off x="381300" y="685800"/>
+            <a:off x="381000" y="685800"/>
             <a:ext cx="6096000" cy="3429000"/>
           </a:xfrm>
           <a:custGeom>
-            <a:rect b="b" l="l" r="r" t="t"/>
+            <a:avLst/>
+            <a:gdLst/>
+            <a:ahLst/>
+            <a:cxnLst/>
+            <a:rect l="l" t="t" r="r" b="b"/>
             <a:pathLst>
-              <a:path extrusionOk="0" h="120000" w="120000">
+              <a:path w="120000" h="120000" extrusionOk="0">
                 <a:moveTo>
                   <a:pt x="0" y="0"/>
                 </a:moveTo>
@@ -1058,9 +1094,11 @@
       <p:sp>
         <p:nvSpPr>
           <p:cNvPr id="100" name="Google Shape;100;g4cbf0c82db_1_3:notes"/>
-          <p:cNvSpPr txBox="1"/>
+          <p:cNvSpPr txBox="1">
+            <a:spLocks noGrp="1"/>
+          </p:cNvSpPr>
           <p:nvPr>
-            <p:ph idx="1" type="body"/>
+            <p:ph type="body" idx="1"/>
           </p:nvPr>
         </p:nvSpPr>
         <p:spPr>
@@ -1073,12 +1111,12 @@
           </a:prstGeom>
         </p:spPr>
         <p:txBody>
-          <a:bodyPr anchorCtr="0" anchor="t" bIns="91425" lIns="91425" spcFirstLastPara="1" rIns="91425" wrap="square" tIns="91425">
+          <a:bodyPr spcFirstLastPara="1" wrap="square" lIns="91425" tIns="91425" rIns="91425" bIns="91425" anchor="t" anchorCtr="0">
             <a:noAutofit/>
           </a:bodyPr>
           <a:lstStyle/>
           <a:p>
-            <a:pPr indent="0" lvl="0" marL="0" rtl="0" algn="l">
+            <a:pPr marL="0" lvl="0" indent="0" algn="l" rtl="0">
               <a:spcBef>
                 <a:spcPts val="0"/>
               </a:spcBef>
@@ -1087,9 +1125,6 @@
               </a:spcAft>
               <a:buNone/>
             </a:pPr>
-            <a:r>
-              <a:t/>
-            </a:r>
             <a:endParaRPr/>
           </a:p>
         </p:txBody>
@@ -1103,11 +1138,11 @@
 </file>
 
 <file path=ppt/notesSlides/notesSlide5.xml><?xml version="1.0" encoding="utf-8"?>
-<p:notes xmlns:a="http://schemas.openxmlformats.org/drawingml/2006/main" xmlns:r="http://schemas.openxmlformats.org/officeDocument/2006/relationships" xmlns:mc="http://schemas.openxmlformats.org/markup-compatibility/2006" xmlns:mv="urn:schemas-microsoft-com:mac:vml" xmlns:p="http://schemas.openxmlformats.org/presentationml/2006/main" xmlns:c="http://schemas.openxmlformats.org/drawingml/2006/chart" xmlns:dgm="http://schemas.openxmlformats.org/drawingml/2006/diagram" xmlns:o="urn:schemas-microsoft-com:office:office" xmlns:v="urn:schemas-microsoft-com:vml" xmlns:pvml="urn:schemas-microsoft-com:office:powerpoint" xmlns:com="http://schemas.openxmlformats.org/drawingml/2006/compatibility" xmlns:p14="http://schemas.microsoft.com/office/powerpoint/2010/main" xmlns:p15="http://schemas.microsoft.com/office/powerpoint/2012/main" showMasterPhAnim="0" showMasterSp="0">
+<p:notes xmlns:a="http://schemas.openxmlformats.org/drawingml/2006/main" xmlns:r="http://schemas.openxmlformats.org/officeDocument/2006/relationships" xmlns:p="http://schemas.openxmlformats.org/presentationml/2006/main" showMasterSp="0" showMasterPhAnim="0">
   <p:cSld>
     <p:spTree>
       <p:nvGrpSpPr>
-        <p:cNvPr id="107" name="Shape 107"/>
+        <p:cNvPr id="1" name="Shape 107"/>
         <p:cNvGrpSpPr/>
         <p:nvPr/>
       </p:nvGrpSpPr>
@@ -1122,20 +1157,26 @@
       <p:sp>
         <p:nvSpPr>
           <p:cNvPr id="108" name="Google Shape;108;g4cbf0c82db_7_66:notes"/>
-          <p:cNvSpPr/>
+          <p:cNvSpPr>
+            <a:spLocks noGrp="1" noRot="1" noChangeAspect="1"/>
+          </p:cNvSpPr>
           <p:nvPr>
-            <p:ph idx="2" type="sldImg"/>
+            <p:ph type="sldImg" idx="2"/>
           </p:nvPr>
         </p:nvSpPr>
         <p:spPr>
           <a:xfrm>
-            <a:off x="381300" y="685800"/>
+            <a:off x="381000" y="685800"/>
             <a:ext cx="6096000" cy="3429000"/>
           </a:xfrm>
           <a:custGeom>
-            <a:rect b="b" l="l" r="r" t="t"/>
+            <a:avLst/>
+            <a:gdLst/>
+            <a:ahLst/>
+            <a:cxnLst/>
+            <a:rect l="l" t="t" r="r" b="b"/>
             <a:pathLst>
-              <a:path extrusionOk="0" h="120000" w="120000">
+              <a:path w="120000" h="120000" extrusionOk="0">
                 <a:moveTo>
                   <a:pt x="0" y="0"/>
                 </a:moveTo>
@@ -1157,9 +1198,11 @@
       <p:sp>
         <p:nvSpPr>
           <p:cNvPr id="109" name="Google Shape;109;g4cbf0c82db_7_66:notes"/>
-          <p:cNvSpPr txBox="1"/>
+          <p:cNvSpPr txBox="1">
+            <a:spLocks noGrp="1"/>
+          </p:cNvSpPr>
           <p:nvPr>
-            <p:ph idx="1" type="body"/>
+            <p:ph type="body" idx="1"/>
           </p:nvPr>
         </p:nvSpPr>
         <p:spPr>
@@ -1172,12 +1215,12 @@
           </a:prstGeom>
         </p:spPr>
         <p:txBody>
-          <a:bodyPr anchorCtr="0" anchor="t" bIns="91425" lIns="91425" spcFirstLastPara="1" rIns="91425" wrap="square" tIns="91425">
+          <a:bodyPr spcFirstLastPara="1" wrap="square" lIns="91425" tIns="91425" rIns="91425" bIns="91425" anchor="t" anchorCtr="0">
             <a:noAutofit/>
           </a:bodyPr>
           <a:lstStyle/>
           <a:p>
-            <a:pPr indent="0" lvl="0" marL="0" rtl="0" algn="l">
+            <a:pPr marL="0" lvl="0" indent="0" algn="l" rtl="0">
               <a:spcBef>
                 <a:spcPts val="0"/>
               </a:spcBef>
@@ -1186,9 +1229,6 @@
               </a:spcAft>
               <a:buNone/>
             </a:pPr>
-            <a:r>
-              <a:t/>
-            </a:r>
             <a:endParaRPr/>
           </a:p>
         </p:txBody>
@@ -1202,11 +1242,11 @@
 </file>
 
 <file path=ppt/notesSlides/notesSlide6.xml><?xml version="1.0" encoding="utf-8"?>
-<p:notes xmlns:a="http://schemas.openxmlformats.org/drawingml/2006/main" xmlns:r="http://schemas.openxmlformats.org/officeDocument/2006/relationships" xmlns:mc="http://schemas.openxmlformats.org/markup-compatibility/2006" xmlns:mv="urn:schemas-microsoft-com:mac:vml" xmlns:p="http://schemas.openxmlformats.org/presentationml/2006/main" xmlns:c="http://schemas.openxmlformats.org/drawingml/2006/chart" xmlns:dgm="http://schemas.openxmlformats.org/drawingml/2006/diagram" xmlns:o="urn:schemas-microsoft-com:office:office" xmlns:v="urn:schemas-microsoft-com:vml" xmlns:pvml="urn:schemas-microsoft-com:office:powerpoint" xmlns:com="http://schemas.openxmlformats.org/drawingml/2006/compatibility" xmlns:p14="http://schemas.microsoft.com/office/powerpoint/2010/main" xmlns:p15="http://schemas.microsoft.com/office/powerpoint/2012/main" showMasterPhAnim="0" showMasterSp="0">
+<p:notes xmlns:a="http://schemas.openxmlformats.org/drawingml/2006/main" xmlns:r="http://schemas.openxmlformats.org/officeDocument/2006/relationships" xmlns:p="http://schemas.openxmlformats.org/presentationml/2006/main" showMasterSp="0" showMasterPhAnim="0">
   <p:cSld>
     <p:spTree>
       <p:nvGrpSpPr>
-        <p:cNvPr id="112" name="Shape 112"/>
+        <p:cNvPr id="1" name="Shape 112"/>
         <p:cNvGrpSpPr/>
         <p:nvPr/>
       </p:nvGrpSpPr>
@@ -1221,20 +1261,26 @@
       <p:sp>
         <p:nvSpPr>
           <p:cNvPr id="113" name="Google Shape;113;g4f727b8975_0_15:notes"/>
-          <p:cNvSpPr/>
+          <p:cNvSpPr>
+            <a:spLocks noGrp="1" noRot="1" noChangeAspect="1"/>
+          </p:cNvSpPr>
           <p:nvPr>
-            <p:ph idx="2" type="sldImg"/>
+            <p:ph type="sldImg" idx="2"/>
           </p:nvPr>
         </p:nvSpPr>
         <p:spPr>
           <a:xfrm>
-            <a:off x="381300" y="685800"/>
+            <a:off x="381000" y="685800"/>
             <a:ext cx="6096000" cy="3429000"/>
           </a:xfrm>
           <a:custGeom>
-            <a:rect b="b" l="l" r="r" t="t"/>
+            <a:avLst/>
+            <a:gdLst/>
+            <a:ahLst/>
+            <a:cxnLst/>
+            <a:rect l="l" t="t" r="r" b="b"/>
             <a:pathLst>
-              <a:path extrusionOk="0" h="120000" w="120000">
+              <a:path w="120000" h="120000" extrusionOk="0">
                 <a:moveTo>
                   <a:pt x="0" y="0"/>
                 </a:moveTo>
@@ -1256,9 +1302,11 @@
       <p:sp>
         <p:nvSpPr>
           <p:cNvPr id="114" name="Google Shape;114;g4f727b8975_0_15:notes"/>
-          <p:cNvSpPr txBox="1"/>
+          <p:cNvSpPr txBox="1">
+            <a:spLocks noGrp="1"/>
+          </p:cNvSpPr>
           <p:nvPr>
-            <p:ph idx="1" type="body"/>
+            <p:ph type="body" idx="1"/>
           </p:nvPr>
         </p:nvSpPr>
         <p:spPr>
@@ -1271,12 +1319,12 @@
           </a:prstGeom>
         </p:spPr>
         <p:txBody>
-          <a:bodyPr anchorCtr="0" anchor="t" bIns="91425" lIns="91425" spcFirstLastPara="1" rIns="91425" wrap="square" tIns="91425">
+          <a:bodyPr spcFirstLastPara="1" wrap="square" lIns="91425" tIns="91425" rIns="91425" bIns="91425" anchor="t" anchorCtr="0">
             <a:noAutofit/>
           </a:bodyPr>
           <a:lstStyle/>
           <a:p>
-            <a:pPr indent="0" lvl="0" marL="0" rtl="0" algn="l">
+            <a:pPr marL="0" lvl="0" indent="0" algn="l" rtl="0">
               <a:spcBef>
                 <a:spcPts val="0"/>
               </a:spcBef>
@@ -1285,9 +1333,6 @@
               </a:spcAft>
               <a:buNone/>
             </a:pPr>
-            <a:r>
-              <a:t/>
-            </a:r>
             <a:endParaRPr/>
           </a:p>
         </p:txBody>
@@ -1301,11 +1346,11 @@
 </file>
 
 <file path=ppt/notesSlides/notesSlide7.xml><?xml version="1.0" encoding="utf-8"?>
-<p:notes xmlns:a="http://schemas.openxmlformats.org/drawingml/2006/main" xmlns:r="http://schemas.openxmlformats.org/officeDocument/2006/relationships" xmlns:mc="http://schemas.openxmlformats.org/markup-compatibility/2006" xmlns:mv="urn:schemas-microsoft-com:mac:vml" xmlns:p="http://schemas.openxmlformats.org/presentationml/2006/main" xmlns:c="http://schemas.openxmlformats.org/drawingml/2006/chart" xmlns:dgm="http://schemas.openxmlformats.org/drawingml/2006/diagram" xmlns:o="urn:schemas-microsoft-com:office:office" xmlns:v="urn:schemas-microsoft-com:vml" xmlns:pvml="urn:schemas-microsoft-com:office:powerpoint" xmlns:com="http://schemas.openxmlformats.org/drawingml/2006/compatibility" xmlns:p14="http://schemas.microsoft.com/office/powerpoint/2010/main" xmlns:p15="http://schemas.microsoft.com/office/powerpoint/2012/main" showMasterPhAnim="0" showMasterSp="0">
+<p:notes xmlns:a="http://schemas.openxmlformats.org/drawingml/2006/main" xmlns:r="http://schemas.openxmlformats.org/officeDocument/2006/relationships" xmlns:p="http://schemas.openxmlformats.org/presentationml/2006/main" showMasterSp="0" showMasterPhAnim="0">
   <p:cSld>
     <p:spTree>
       <p:nvGrpSpPr>
-        <p:cNvPr id="120" name="Shape 120"/>
+        <p:cNvPr id="1" name="Shape 120"/>
         <p:cNvGrpSpPr/>
         <p:nvPr/>
       </p:nvGrpSpPr>
@@ -1320,20 +1365,26 @@
       <p:sp>
         <p:nvSpPr>
           <p:cNvPr id="121" name="Google Shape;121;g4ed5f2b3c3_0_0:notes"/>
-          <p:cNvSpPr/>
+          <p:cNvSpPr>
+            <a:spLocks noGrp="1" noRot="1" noChangeAspect="1"/>
+          </p:cNvSpPr>
           <p:nvPr>
-            <p:ph idx="2" type="sldImg"/>
+            <p:ph type="sldImg" idx="2"/>
           </p:nvPr>
         </p:nvSpPr>
         <p:spPr>
           <a:xfrm>
-            <a:off x="381300" y="685800"/>
+            <a:off x="381000" y="685800"/>
             <a:ext cx="6096000" cy="3429000"/>
           </a:xfrm>
           <a:custGeom>
-            <a:rect b="b" l="l" r="r" t="t"/>
+            <a:avLst/>
+            <a:gdLst/>
+            <a:ahLst/>
+            <a:cxnLst/>
+            <a:rect l="l" t="t" r="r" b="b"/>
             <a:pathLst>
-              <a:path extrusionOk="0" h="120000" w="120000">
+              <a:path w="120000" h="120000" extrusionOk="0">
                 <a:moveTo>
                   <a:pt x="0" y="0"/>
                 </a:moveTo>
@@ -1355,9 +1406,11 @@
       <p:sp>
         <p:nvSpPr>
           <p:cNvPr id="122" name="Google Shape;122;g4ed5f2b3c3_0_0:notes"/>
-          <p:cNvSpPr txBox="1"/>
+          <p:cNvSpPr txBox="1">
+            <a:spLocks noGrp="1"/>
+          </p:cNvSpPr>
           <p:nvPr>
-            <p:ph idx="1" type="body"/>
+            <p:ph type="body" idx="1"/>
           </p:nvPr>
         </p:nvSpPr>
         <p:spPr>
@@ -1370,12 +1423,12 @@
           </a:prstGeom>
         </p:spPr>
         <p:txBody>
-          <a:bodyPr anchorCtr="0" anchor="t" bIns="91425" lIns="91425" spcFirstLastPara="1" rIns="91425" wrap="square" tIns="91425">
+          <a:bodyPr spcFirstLastPara="1" wrap="square" lIns="91425" tIns="91425" rIns="91425" bIns="91425" anchor="t" anchorCtr="0">
             <a:noAutofit/>
           </a:bodyPr>
           <a:lstStyle/>
           <a:p>
-            <a:pPr indent="0" lvl="0" marL="0" rtl="0" algn="l">
+            <a:pPr marL="0" lvl="0" indent="0" algn="l" rtl="0">
               <a:spcBef>
                 <a:spcPts val="0"/>
               </a:spcBef>
@@ -1384,9 +1437,6 @@
               </a:spcAft>
               <a:buNone/>
             </a:pPr>
-            <a:r>
-              <a:t/>
-            </a:r>
             <a:endParaRPr/>
           </a:p>
         </p:txBody>
@@ -1400,11 +1450,11 @@
 </file>
 
 <file path=ppt/notesSlides/notesSlide8.xml><?xml version="1.0" encoding="utf-8"?>
-<p:notes xmlns:a="http://schemas.openxmlformats.org/drawingml/2006/main" xmlns:r="http://schemas.openxmlformats.org/officeDocument/2006/relationships" xmlns:mc="http://schemas.openxmlformats.org/markup-compatibility/2006" xmlns:mv="urn:schemas-microsoft-com:mac:vml" xmlns:p="http://schemas.openxmlformats.org/presentationml/2006/main" xmlns:c="http://schemas.openxmlformats.org/drawingml/2006/chart" xmlns:dgm="http://schemas.openxmlformats.org/drawingml/2006/diagram" xmlns:o="urn:schemas-microsoft-com:office:office" xmlns:v="urn:schemas-microsoft-com:vml" xmlns:pvml="urn:schemas-microsoft-com:office:powerpoint" xmlns:com="http://schemas.openxmlformats.org/drawingml/2006/compatibility" xmlns:p14="http://schemas.microsoft.com/office/powerpoint/2010/main" xmlns:p15="http://schemas.microsoft.com/office/powerpoint/2012/main" showMasterPhAnim="0" showMasterSp="0">
+<p:notes xmlns:a="http://schemas.openxmlformats.org/drawingml/2006/main" xmlns:r="http://schemas.openxmlformats.org/officeDocument/2006/relationships" xmlns:p="http://schemas.openxmlformats.org/presentationml/2006/main" showMasterSp="0" showMasterPhAnim="0">
   <p:cSld>
     <p:spTree>
       <p:nvGrpSpPr>
-        <p:cNvPr id="129" name="Shape 129"/>
+        <p:cNvPr id="1" name="Shape 129"/>
         <p:cNvGrpSpPr/>
         <p:nvPr/>
       </p:nvGrpSpPr>
@@ -1419,9 +1469,11 @@
       <p:sp>
         <p:nvSpPr>
           <p:cNvPr id="130" name="Google Shape;130;g4f727b8975_0_25:notes"/>
-          <p:cNvSpPr/>
+          <p:cNvSpPr>
+            <a:spLocks noGrp="1" noRot="1" noChangeAspect="1"/>
+          </p:cNvSpPr>
           <p:nvPr>
-            <p:ph idx="2" type="sldImg"/>
+            <p:ph type="sldImg" idx="2"/>
           </p:nvPr>
         </p:nvSpPr>
         <p:spPr>
@@ -1430,9 +1482,13 @@
             <a:ext cx="6096000" cy="3429000"/>
           </a:xfrm>
           <a:custGeom>
-            <a:rect b="b" l="l" r="r" t="t"/>
+            <a:avLst/>
+            <a:gdLst/>
+            <a:ahLst/>
+            <a:cxnLst/>
+            <a:rect l="l" t="t" r="r" b="b"/>
             <a:pathLst>
-              <a:path extrusionOk="0" h="120000" w="120000">
+              <a:path w="120000" h="120000" extrusionOk="0">
                 <a:moveTo>
                   <a:pt x="0" y="0"/>
                 </a:moveTo>
@@ -1454,9 +1510,11 @@
       <p:sp>
         <p:nvSpPr>
           <p:cNvPr id="131" name="Google Shape;131;g4f727b8975_0_25:notes"/>
-          <p:cNvSpPr txBox="1"/>
+          <p:cNvSpPr txBox="1">
+            <a:spLocks noGrp="1"/>
+          </p:cNvSpPr>
           <p:nvPr>
-            <p:ph idx="1" type="body"/>
+            <p:ph type="body" idx="1"/>
           </p:nvPr>
         </p:nvSpPr>
         <p:spPr>
@@ -1469,12 +1527,12 @@
           </a:prstGeom>
         </p:spPr>
         <p:txBody>
-          <a:bodyPr anchorCtr="0" anchor="t" bIns="91425" lIns="91425" spcFirstLastPara="1" rIns="91425" wrap="square" tIns="91425">
+          <a:bodyPr spcFirstLastPara="1" wrap="square" lIns="91425" tIns="91425" rIns="91425" bIns="91425" anchor="t" anchorCtr="0">
             <a:noAutofit/>
           </a:bodyPr>
           <a:lstStyle/>
           <a:p>
-            <a:pPr indent="0" lvl="0" marL="0" rtl="0" algn="l">
+            <a:pPr marL="0" lvl="0" indent="0" algn="l" rtl="0">
               <a:spcBef>
                 <a:spcPts val="0"/>
               </a:spcBef>
@@ -1483,9 +1541,6 @@
               </a:spcAft>
               <a:buNone/>
             </a:pPr>
-            <a:r>
-              <a:t/>
-            </a:r>
             <a:endParaRPr/>
           </a:p>
         </p:txBody>
@@ -1499,11 +1554,11 @@
 </file>
 
 <file path=ppt/notesSlides/notesSlide9.xml><?xml version="1.0" encoding="utf-8"?>
-<p:notes xmlns:a="http://schemas.openxmlformats.org/drawingml/2006/main" xmlns:r="http://schemas.openxmlformats.org/officeDocument/2006/relationships" xmlns:mc="http://schemas.openxmlformats.org/markup-compatibility/2006" xmlns:mv="urn:schemas-microsoft-com:mac:vml" xmlns:p="http://schemas.openxmlformats.org/presentationml/2006/main" xmlns:c="http://schemas.openxmlformats.org/drawingml/2006/chart" xmlns:dgm="http://schemas.openxmlformats.org/drawingml/2006/diagram" xmlns:o="urn:schemas-microsoft-com:office:office" xmlns:v="urn:schemas-microsoft-com:vml" xmlns:pvml="urn:schemas-microsoft-com:office:powerpoint" xmlns:com="http://schemas.openxmlformats.org/drawingml/2006/compatibility" xmlns:p14="http://schemas.microsoft.com/office/powerpoint/2010/main" xmlns:p15="http://schemas.microsoft.com/office/powerpoint/2012/main" showMasterPhAnim="0" showMasterSp="0">
+<p:notes xmlns:a="http://schemas.openxmlformats.org/drawingml/2006/main" xmlns:r="http://schemas.openxmlformats.org/officeDocument/2006/relationships" xmlns:p="http://schemas.openxmlformats.org/presentationml/2006/main" showMasterSp="0" showMasterPhAnim="0">
   <p:cSld>
     <p:spTree>
       <p:nvGrpSpPr>
-        <p:cNvPr id="140" name="Shape 140"/>
+        <p:cNvPr id="1" name="Shape 140"/>
         <p:cNvGrpSpPr/>
         <p:nvPr/>
       </p:nvGrpSpPr>
@@ -1518,20 +1573,26 @@
       <p:sp>
         <p:nvSpPr>
           <p:cNvPr id="141" name="Google Shape;141;g4f727b8975_0_30:notes"/>
-          <p:cNvSpPr/>
+          <p:cNvSpPr>
+            <a:spLocks noGrp="1" noRot="1" noChangeAspect="1"/>
+          </p:cNvSpPr>
           <p:nvPr>
-            <p:ph idx="2" type="sldImg"/>
+            <p:ph type="sldImg" idx="2"/>
           </p:nvPr>
         </p:nvSpPr>
         <p:spPr>
           <a:xfrm>
-            <a:off x="381300" y="685800"/>
+            <a:off x="381000" y="685800"/>
             <a:ext cx="6096000" cy="3429000"/>
           </a:xfrm>
           <a:custGeom>
-            <a:rect b="b" l="l" r="r" t="t"/>
+            <a:avLst/>
+            <a:gdLst/>
+            <a:ahLst/>
+            <a:cxnLst/>
+            <a:rect l="l" t="t" r="r" b="b"/>
             <a:pathLst>
-              <a:path extrusionOk="0" h="120000" w="120000">
+              <a:path w="120000" h="120000" extrusionOk="0">
                 <a:moveTo>
                   <a:pt x="0" y="0"/>
                 </a:moveTo>
@@ -1553,9 +1614,11 @@
       <p:sp>
         <p:nvSpPr>
           <p:cNvPr id="142" name="Google Shape;142;g4f727b8975_0_30:notes"/>
-          <p:cNvSpPr txBox="1"/>
+          <p:cNvSpPr txBox="1">
+            <a:spLocks noGrp="1"/>
+          </p:cNvSpPr>
           <p:nvPr>
-            <p:ph idx="1" type="body"/>
+            <p:ph type="body" idx="1"/>
           </p:nvPr>
         </p:nvSpPr>
         <p:spPr>
@@ -1568,12 +1631,12 @@
           </a:prstGeom>
         </p:spPr>
         <p:txBody>
-          <a:bodyPr anchorCtr="0" anchor="t" bIns="91425" lIns="91425" spcFirstLastPara="1" rIns="91425" wrap="square" tIns="91425">
+          <a:bodyPr spcFirstLastPara="1" wrap="square" lIns="91425" tIns="91425" rIns="91425" bIns="91425" anchor="t" anchorCtr="0">
             <a:noAutofit/>
           </a:bodyPr>
           <a:lstStyle/>
           <a:p>
-            <a:pPr indent="0" lvl="0" marL="0" rtl="0" algn="l">
+            <a:pPr marL="0" lvl="0" indent="0" algn="l" rtl="0">
               <a:spcBef>
                 <a:spcPts val="0"/>
               </a:spcBef>
@@ -1582,9 +1645,6 @@
               </a:spcAft>
               <a:buNone/>
             </a:pPr>
-            <a:r>
-              <a:t/>
-            </a:r>
             <a:endParaRPr/>
           </a:p>
         </p:txBody>
@@ -1598,11 +1658,11 @@
 </file>
 
 <file path=ppt/slideLayouts/slideLayout1.xml><?xml version="1.0" encoding="utf-8"?>
-<p:sldLayout xmlns:a="http://schemas.openxmlformats.org/drawingml/2006/main" xmlns:r="http://schemas.openxmlformats.org/officeDocument/2006/relationships" xmlns:mc="http://schemas.openxmlformats.org/markup-compatibility/2006" xmlns:mv="urn:schemas-microsoft-com:mac:vml" xmlns:p="http://schemas.openxmlformats.org/presentationml/2006/main" xmlns:c="http://schemas.openxmlformats.org/drawingml/2006/chart" xmlns:dgm="http://schemas.openxmlformats.org/drawingml/2006/diagram" xmlns:o="urn:schemas-microsoft-com:office:office" xmlns:v="urn:schemas-microsoft-com:vml" xmlns:pvml="urn:schemas-microsoft-com:office:powerpoint" xmlns:com="http://schemas.openxmlformats.org/drawingml/2006/compatibility" xmlns:p14="http://schemas.microsoft.com/office/powerpoint/2010/main" xmlns:p15="http://schemas.microsoft.com/office/powerpoint/2012/main" matchingName="Title" type="title">
+<p:sldLayout xmlns:a="http://schemas.openxmlformats.org/drawingml/2006/main" xmlns:r="http://schemas.openxmlformats.org/officeDocument/2006/relationships" xmlns:p="http://schemas.openxmlformats.org/presentationml/2006/main" matchingName="Title" type="title">
   <p:cSld name="TITLE">
     <p:spTree>
       <p:nvGrpSpPr>
-        <p:cNvPr id="9" name="Shape 9"/>
+        <p:cNvPr id="1" name="Shape 9"/>
         <p:cNvGrpSpPr/>
         <p:nvPr/>
       </p:nvGrpSpPr>
@@ -1645,7 +1705,9 @@
       <p:sp>
         <p:nvSpPr>
           <p:cNvPr id="11" name="Google Shape;11;p2"/>
-          <p:cNvSpPr txBox="1"/>
+          <p:cNvSpPr txBox="1">
+            <a:spLocks noGrp="1"/>
+          </p:cNvSpPr>
           <p:nvPr>
             <p:ph type="ctrTitle"/>
           </p:nvPr>
@@ -1660,7 +1722,7 @@
           </a:prstGeom>
         </p:spPr>
         <p:txBody>
-          <a:bodyPr anchorCtr="0" anchor="t" bIns="0" lIns="0" spcFirstLastPara="1" rIns="0" wrap="square" tIns="0"/>
+          <a:bodyPr spcFirstLastPara="1" wrap="square" lIns="0" tIns="0" rIns="0" bIns="0" anchor="t" anchorCtr="0"/>
           <a:lstStyle>
             <a:lvl1pPr lvl="0">
               <a:spcBef>
@@ -1762,7 +1824,9 @@
               <a:defRPr sz="6000"/>
             </a:lvl9pPr>
           </a:lstStyle>
-          <a:p/>
+          <a:p>
+            <a:endParaRPr/>
+          </a:p>
         </p:txBody>
       </p:sp>
     </p:spTree>
@@ -1774,11 +1838,11 @@
 </file>
 
 <file path=ppt/slideLayouts/slideLayout10.xml><?xml version="1.0" encoding="utf-8"?>
-<p:sldLayout xmlns:a="http://schemas.openxmlformats.org/drawingml/2006/main" xmlns:r="http://schemas.openxmlformats.org/officeDocument/2006/relationships" xmlns:mc="http://schemas.openxmlformats.org/markup-compatibility/2006" xmlns:mv="urn:schemas-microsoft-com:mac:vml" xmlns:p="http://schemas.openxmlformats.org/presentationml/2006/main" xmlns:c="http://schemas.openxmlformats.org/drawingml/2006/chart" xmlns:dgm="http://schemas.openxmlformats.org/drawingml/2006/diagram" xmlns:o="urn:schemas-microsoft-com:office:office" xmlns:v="urn:schemas-microsoft-com:vml" xmlns:pvml="urn:schemas-microsoft-com:office:powerpoint" xmlns:com="http://schemas.openxmlformats.org/drawingml/2006/compatibility" xmlns:p14="http://schemas.microsoft.com/office/powerpoint/2010/main" xmlns:p15="http://schemas.microsoft.com/office/powerpoint/2012/main" matchingName="Caption">
+<p:sldLayout xmlns:a="http://schemas.openxmlformats.org/drawingml/2006/main" xmlns:r="http://schemas.openxmlformats.org/officeDocument/2006/relationships" xmlns:p="http://schemas.openxmlformats.org/presentationml/2006/main" matchingName="Caption">
   <p:cSld name="CAPTION_ONLY">
     <p:spTree>
       <p:nvGrpSpPr>
-        <p:cNvPr id="52" name="Shape 52"/>
+        <p:cNvPr id="1" name="Shape 52"/>
         <p:cNvGrpSpPr/>
         <p:nvPr/>
       </p:nvGrpSpPr>
@@ -1793,9 +1857,11 @@
       <p:sp>
         <p:nvSpPr>
           <p:cNvPr id="53" name="Google Shape;53;p11"/>
-          <p:cNvSpPr txBox="1"/>
+          <p:cNvSpPr txBox="1">
+            <a:spLocks noGrp="1"/>
+          </p:cNvSpPr>
           <p:nvPr>
-            <p:ph idx="1" type="body"/>
+            <p:ph type="body" idx="1"/>
           </p:nvPr>
         </p:nvSpPr>
         <p:spPr>
@@ -1808,9 +1874,9 @@
           </a:prstGeom>
         </p:spPr>
         <p:txBody>
-          <a:bodyPr anchorCtr="0" anchor="t" bIns="0" lIns="0" spcFirstLastPara="1" rIns="0" wrap="square" tIns="0"/>
+          <a:bodyPr spcFirstLastPara="1" wrap="square" lIns="0" tIns="0" rIns="0" bIns="0" anchor="t" anchorCtr="0"/>
           <a:lstStyle>
-            <a:lvl1pPr indent="-228600" lvl="0" marL="457200">
+            <a:lvl1pPr marL="457200" lvl="0" indent="-228600">
               <a:spcBef>
                 <a:spcPts val="360"/>
               </a:spcBef>
@@ -1822,15 +1888,19 @@
               <a:defRPr sz="1600"/>
             </a:lvl1pPr>
           </a:lstStyle>
-          <a:p/>
+          <a:p>
+            <a:endParaRPr/>
+          </a:p>
         </p:txBody>
       </p:sp>
       <p:sp>
         <p:nvSpPr>
           <p:cNvPr id="54" name="Google Shape;54;p11"/>
-          <p:cNvSpPr txBox="1"/>
+          <p:cNvSpPr txBox="1">
+            <a:spLocks noGrp="1"/>
+          </p:cNvSpPr>
           <p:nvPr>
-            <p:ph idx="12" type="sldNum"/>
+            <p:ph type="sldNum" idx="12"/>
           </p:nvPr>
         </p:nvSpPr>
         <p:spPr>
@@ -1843,7 +1913,7 @@
           </a:prstGeom>
         </p:spPr>
         <p:txBody>
-          <a:bodyPr anchorCtr="0" anchor="ctr" bIns="0" lIns="0" spcFirstLastPara="1" rIns="0" wrap="square" tIns="0">
+          <a:bodyPr spcFirstLastPara="1" wrap="square" lIns="0" tIns="0" rIns="0" bIns="0" anchor="ctr" anchorCtr="0">
             <a:noAutofit/>
           </a:bodyPr>
           <a:lstStyle>
@@ -1885,7 +1955,7 @@
             </a:lvl9pPr>
           </a:lstStyle>
           <a:p>
-            <a:pPr indent="0" lvl="0" marL="0" rtl="0" algn="r">
+            <a:pPr marL="0" lvl="0" indent="0" algn="r" rtl="0">
               <a:spcBef>
                 <a:spcPts val="0"/>
               </a:spcBef>
@@ -1939,11 +2009,11 @@
 </file>
 
 <file path=ppt/slideLayouts/slideLayout11.xml><?xml version="1.0" encoding="utf-8"?>
-<p:sldLayout xmlns:a="http://schemas.openxmlformats.org/drawingml/2006/main" xmlns:r="http://schemas.openxmlformats.org/officeDocument/2006/relationships" xmlns:mc="http://schemas.openxmlformats.org/markup-compatibility/2006" xmlns:mv="urn:schemas-microsoft-com:mac:vml" xmlns:p="http://schemas.openxmlformats.org/presentationml/2006/main" xmlns:c="http://schemas.openxmlformats.org/drawingml/2006/chart" xmlns:dgm="http://schemas.openxmlformats.org/drawingml/2006/diagram" xmlns:o="urn:schemas-microsoft-com:office:office" xmlns:v="urn:schemas-microsoft-com:vml" xmlns:pvml="urn:schemas-microsoft-com:office:powerpoint" xmlns:com="http://schemas.openxmlformats.org/drawingml/2006/compatibility" xmlns:p14="http://schemas.microsoft.com/office/powerpoint/2010/main" xmlns:p15="http://schemas.microsoft.com/office/powerpoint/2012/main" matchingName="Blank" type="blank">
+<p:sldLayout xmlns:a="http://schemas.openxmlformats.org/drawingml/2006/main" xmlns:r="http://schemas.openxmlformats.org/officeDocument/2006/relationships" xmlns:p="http://schemas.openxmlformats.org/presentationml/2006/main" matchingName="Blank" type="blank">
   <p:cSld name="BLANK">
     <p:spTree>
       <p:nvGrpSpPr>
-        <p:cNvPr id="56" name="Shape 56"/>
+        <p:cNvPr id="1" name="Shape 56"/>
         <p:cNvGrpSpPr/>
         <p:nvPr/>
       </p:nvGrpSpPr>
@@ -1986,9 +2056,11 @@
       <p:sp>
         <p:nvSpPr>
           <p:cNvPr id="58" name="Google Shape;58;p12"/>
-          <p:cNvSpPr txBox="1"/>
+          <p:cNvSpPr txBox="1">
+            <a:spLocks noGrp="1"/>
+          </p:cNvSpPr>
           <p:nvPr>
-            <p:ph idx="12" type="sldNum"/>
+            <p:ph type="sldNum" idx="12"/>
           </p:nvPr>
         </p:nvSpPr>
         <p:spPr>
@@ -2001,7 +2073,7 @@
           </a:prstGeom>
         </p:spPr>
         <p:txBody>
-          <a:bodyPr anchorCtr="0" anchor="ctr" bIns="0" lIns="0" spcFirstLastPara="1" rIns="0" wrap="square" tIns="0">
+          <a:bodyPr spcFirstLastPara="1" wrap="square" lIns="0" tIns="0" rIns="0" bIns="0" anchor="ctr" anchorCtr="0">
             <a:noAutofit/>
           </a:bodyPr>
           <a:lstStyle>
@@ -2043,7 +2115,7 @@
             </a:lvl9pPr>
           </a:lstStyle>
           <a:p>
-            <a:pPr indent="0" lvl="0" marL="0" rtl="0" algn="r">
+            <a:pPr marL="0" lvl="0" indent="0" algn="r" rtl="0">
               <a:spcBef>
                 <a:spcPts val="0"/>
               </a:spcBef>
@@ -2069,11 +2141,11 @@
 </file>
 
 <file path=ppt/slideLayouts/slideLayout12.xml><?xml version="1.0" encoding="utf-8"?>
-<p:sldLayout xmlns:a="http://schemas.openxmlformats.org/drawingml/2006/main" xmlns:r="http://schemas.openxmlformats.org/officeDocument/2006/relationships" xmlns:mc="http://schemas.openxmlformats.org/markup-compatibility/2006" xmlns:mv="urn:schemas-microsoft-com:mac:vml" xmlns:p="http://schemas.openxmlformats.org/presentationml/2006/main" xmlns:c="http://schemas.openxmlformats.org/drawingml/2006/chart" xmlns:dgm="http://schemas.openxmlformats.org/drawingml/2006/diagram" xmlns:o="urn:schemas-microsoft-com:office:office" xmlns:v="urn:schemas-microsoft-com:vml" xmlns:pvml="urn:schemas-microsoft-com:office:powerpoint" xmlns:com="http://schemas.openxmlformats.org/drawingml/2006/compatibility" xmlns:p14="http://schemas.microsoft.com/office/powerpoint/2010/main" xmlns:p15="http://schemas.microsoft.com/office/powerpoint/2012/main" matchingName="Blank no illustration">
+<p:sldLayout xmlns:a="http://schemas.openxmlformats.org/drawingml/2006/main" xmlns:r="http://schemas.openxmlformats.org/officeDocument/2006/relationships" xmlns:p="http://schemas.openxmlformats.org/presentationml/2006/main" matchingName="Blank no illustration">
   <p:cSld name="BLANK_1">
     <p:spTree>
       <p:nvGrpSpPr>
-        <p:cNvPr id="59" name="Shape 59"/>
+        <p:cNvPr id="1" name="Shape 59"/>
         <p:cNvGrpSpPr/>
         <p:nvPr/>
       </p:nvGrpSpPr>
@@ -2088,9 +2160,11 @@
       <p:sp>
         <p:nvSpPr>
           <p:cNvPr id="60" name="Google Shape;60;p13"/>
-          <p:cNvSpPr txBox="1"/>
+          <p:cNvSpPr txBox="1">
+            <a:spLocks noGrp="1"/>
+          </p:cNvSpPr>
           <p:nvPr>
-            <p:ph idx="12" type="sldNum"/>
+            <p:ph type="sldNum" idx="12"/>
           </p:nvPr>
         </p:nvSpPr>
         <p:spPr>
@@ -2103,7 +2177,7 @@
           </a:prstGeom>
         </p:spPr>
         <p:txBody>
-          <a:bodyPr anchorCtr="0" anchor="ctr" bIns="0" lIns="0" spcFirstLastPara="1" rIns="0" wrap="square" tIns="0">
+          <a:bodyPr spcFirstLastPara="1" wrap="square" lIns="0" tIns="0" rIns="0" bIns="0" anchor="ctr" anchorCtr="0">
             <a:noAutofit/>
           </a:bodyPr>
           <a:lstStyle>
@@ -2145,7 +2219,7 @@
             </a:lvl9pPr>
           </a:lstStyle>
           <a:p>
-            <a:pPr indent="0" lvl="0" marL="0" rtl="0" algn="r">
+            <a:pPr marL="0" lvl="0" indent="0" algn="r" rtl="0">
               <a:spcBef>
                 <a:spcPts val="0"/>
               </a:spcBef>
@@ -2171,11 +2245,11 @@
 </file>
 
 <file path=ppt/slideLayouts/slideLayout13.xml><?xml version="1.0" encoding="utf-8"?>
-<p:sldLayout xmlns:a="http://schemas.openxmlformats.org/drawingml/2006/main" xmlns:r="http://schemas.openxmlformats.org/officeDocument/2006/relationships" xmlns:mc="http://schemas.openxmlformats.org/markup-compatibility/2006" xmlns:mv="urn:schemas-microsoft-com:mac:vml" xmlns:p="http://schemas.openxmlformats.org/presentationml/2006/main" xmlns:c="http://schemas.openxmlformats.org/drawingml/2006/chart" xmlns:dgm="http://schemas.openxmlformats.org/drawingml/2006/diagram" xmlns:o="urn:schemas-microsoft-com:office:office" xmlns:v="urn:schemas-microsoft-com:vml" xmlns:pvml="urn:schemas-microsoft-com:office:powerpoint" xmlns:com="http://schemas.openxmlformats.org/drawingml/2006/compatibility" xmlns:p14="http://schemas.microsoft.com/office/powerpoint/2010/main" xmlns:p15="http://schemas.microsoft.com/office/powerpoint/2012/main" matchingName="TITLE_2">
+<p:sldLayout xmlns:a="http://schemas.openxmlformats.org/drawingml/2006/main" xmlns:r="http://schemas.openxmlformats.org/officeDocument/2006/relationships" xmlns:p="http://schemas.openxmlformats.org/presentationml/2006/main" matchingName="TITLE_2">
   <p:cSld name="TITLE_2">
     <p:spTree>
       <p:nvGrpSpPr>
-        <p:cNvPr id="61" name="Shape 61"/>
+        <p:cNvPr id="1" name="Shape 61"/>
         <p:cNvGrpSpPr/>
         <p:nvPr/>
       </p:nvGrpSpPr>
@@ -2200,7 +2274,7 @@
           </a:xfrm>
           <a:prstGeom prst="diagStripe">
             <a:avLst>
-              <a:gd fmla="val 0" name="adj"/>
+              <a:gd name="adj" fmla="val 0"/>
             </a:avLst>
           </a:prstGeom>
           <a:solidFill>
@@ -2213,12 +2287,12 @@
           </a:ln>
         </p:spPr>
         <p:txBody>
-          <a:bodyPr anchorCtr="0" anchor="ctr" bIns="91425" lIns="91425" spcFirstLastPara="1" rIns="91425" wrap="square" tIns="91425">
+          <a:bodyPr spcFirstLastPara="1" wrap="square" lIns="91425" tIns="91425" rIns="91425" bIns="91425" anchor="ctr" anchorCtr="0">
             <a:noAutofit/>
           </a:bodyPr>
           <a:lstStyle/>
           <a:p>
-            <a:pPr indent="0" lvl="0" marL="0" rtl="0" algn="l">
+            <a:pPr marL="0" lvl="0" indent="0" algn="l" rtl="0">
               <a:spcBef>
                 <a:spcPts val="0"/>
               </a:spcBef>
@@ -2227,9 +2301,6 @@
               </a:spcAft>
               <a:buNone/>
             </a:pPr>
-            <a:r>
-              <a:t/>
-            </a:r>
             <a:endParaRPr/>
           </a:p>
         </p:txBody>
@@ -2261,7 +2332,7 @@
             </a:xfrm>
             <a:prstGeom prst="diagStripe">
               <a:avLst>
-                <a:gd fmla="val 50000" name="adj"/>
+                <a:gd name="adj" fmla="val 50000"/>
               </a:avLst>
             </a:prstGeom>
             <a:solidFill>
@@ -2274,12 +2345,12 @@
             </a:ln>
           </p:spPr>
           <p:txBody>
-            <a:bodyPr anchorCtr="0" anchor="ctr" bIns="91425" lIns="91425" spcFirstLastPara="1" rIns="91425" wrap="square" tIns="91425">
+            <a:bodyPr spcFirstLastPara="1" wrap="square" lIns="91425" tIns="91425" rIns="91425" bIns="91425" anchor="ctr" anchorCtr="0">
               <a:noAutofit/>
             </a:bodyPr>
             <a:lstStyle/>
             <a:p>
-              <a:pPr indent="0" lvl="0" marL="0" rtl="0" algn="l">
+              <a:pPr marL="0" lvl="0" indent="0" algn="l" rtl="0">
                 <a:spcBef>
                   <a:spcPts val="0"/>
                 </a:spcBef>
@@ -2288,9 +2359,6 @@
                 </a:spcAft>
                 <a:buNone/>
               </a:pPr>
-              <a:r>
-                <a:t/>
-              </a:r>
               <a:endParaRPr/>
             </a:p>
           </p:txBody>
@@ -2308,7 +2376,7 @@
             </a:xfrm>
             <a:prstGeom prst="diagStripe">
               <a:avLst>
-                <a:gd fmla="val 58774" name="adj"/>
+                <a:gd name="adj" fmla="val 58774"/>
               </a:avLst>
             </a:prstGeom>
             <a:solidFill>
@@ -2321,12 +2389,12 @@
             </a:ln>
           </p:spPr>
           <p:txBody>
-            <a:bodyPr anchorCtr="0" anchor="ctr" bIns="91425" lIns="91425" spcFirstLastPara="1" rIns="91425" wrap="square" tIns="91425">
+            <a:bodyPr spcFirstLastPara="1" wrap="square" lIns="91425" tIns="91425" rIns="91425" bIns="91425" anchor="ctr" anchorCtr="0">
               <a:noAutofit/>
             </a:bodyPr>
             <a:lstStyle/>
             <a:p>
-              <a:pPr indent="0" lvl="0" marL="0" rtl="0" algn="l">
+              <a:pPr marL="0" lvl="0" indent="0" algn="l" rtl="0">
                 <a:spcBef>
                   <a:spcPts val="0"/>
                 </a:spcBef>
@@ -2335,9 +2403,6 @@
                 </a:spcAft>
                 <a:buNone/>
               </a:pPr>
-              <a:r>
-                <a:t/>
-              </a:r>
               <a:endParaRPr/>
             </a:p>
           </p:txBody>
@@ -2355,7 +2420,7 @@
             </a:xfrm>
             <a:prstGeom prst="diagStripe">
               <a:avLst>
-                <a:gd fmla="val 50000" name="adj"/>
+                <a:gd name="adj" fmla="val 50000"/>
               </a:avLst>
             </a:prstGeom>
             <a:solidFill>
@@ -2366,12 +2431,12 @@
             </a:ln>
           </p:spPr>
           <p:txBody>
-            <a:bodyPr anchorCtr="0" anchor="ctr" bIns="91425" lIns="91425" spcFirstLastPara="1" rIns="91425" wrap="square" tIns="91425">
+            <a:bodyPr spcFirstLastPara="1" wrap="square" lIns="91425" tIns="91425" rIns="91425" bIns="91425" anchor="ctr" anchorCtr="0">
               <a:noAutofit/>
             </a:bodyPr>
             <a:lstStyle/>
             <a:p>
-              <a:pPr indent="0" lvl="0" marL="0" rtl="0" algn="l">
+              <a:pPr marL="0" lvl="0" indent="0" algn="l" rtl="0">
                 <a:spcBef>
                   <a:spcPts val="0"/>
                 </a:spcBef>
@@ -2380,9 +2445,6 @@
                 </a:spcAft>
                 <a:buNone/>
               </a:pPr>
-              <a:r>
-                <a:t/>
-              </a:r>
               <a:endParaRPr/>
             </a:p>
           </p:txBody>
@@ -2400,7 +2462,7 @@
             </a:xfrm>
             <a:prstGeom prst="diagStripe">
               <a:avLst>
-                <a:gd fmla="val 50000" name="adj"/>
+                <a:gd name="adj" fmla="val 50000"/>
               </a:avLst>
             </a:prstGeom>
             <a:solidFill>
@@ -2411,12 +2473,12 @@
             </a:ln>
           </p:spPr>
           <p:txBody>
-            <a:bodyPr anchorCtr="0" anchor="ctr" bIns="91425" lIns="91425" spcFirstLastPara="1" rIns="91425" wrap="square" tIns="91425">
+            <a:bodyPr spcFirstLastPara="1" wrap="square" lIns="91425" tIns="91425" rIns="91425" bIns="91425" anchor="ctr" anchorCtr="0">
               <a:noAutofit/>
             </a:bodyPr>
             <a:lstStyle/>
             <a:p>
-              <a:pPr indent="0" lvl="0" marL="0" rtl="0" algn="l">
+              <a:pPr marL="0" lvl="0" indent="0" algn="l" rtl="0">
                 <a:spcBef>
                   <a:spcPts val="0"/>
                 </a:spcBef>
@@ -2425,9 +2487,6 @@
                 </a:spcAft>
                 <a:buNone/>
               </a:pPr>
-              <a:r>
-                <a:t/>
-              </a:r>
               <a:endParaRPr/>
             </a:p>
           </p:txBody>
@@ -2436,7 +2495,9 @@
       <p:sp>
         <p:nvSpPr>
           <p:cNvPr id="68" name="Google Shape;68;p14"/>
-          <p:cNvSpPr txBox="1"/>
+          <p:cNvSpPr txBox="1">
+            <a:spLocks noGrp="1"/>
+          </p:cNvSpPr>
           <p:nvPr>
             <p:ph type="ctrTitle"/>
           </p:nvPr>
@@ -2451,7 +2512,7 @@
           </a:prstGeom>
         </p:spPr>
         <p:txBody>
-          <a:bodyPr anchorCtr="0" anchor="b" bIns="0" lIns="0" spcFirstLastPara="1" rIns="0" wrap="square" tIns="0"/>
+          <a:bodyPr spcFirstLastPara="1" wrap="square" lIns="0" tIns="0" rIns="0" bIns="0" anchor="b" anchorCtr="0"/>
           <a:lstStyle>
             <a:lvl1pPr lvl="0" rtl="0">
               <a:spcBef>
@@ -2553,15 +2614,19 @@
               <a:defRPr sz="4000"/>
             </a:lvl9pPr>
           </a:lstStyle>
-          <a:p/>
+          <a:p>
+            <a:endParaRPr/>
+          </a:p>
         </p:txBody>
       </p:sp>
       <p:sp>
         <p:nvSpPr>
           <p:cNvPr id="69" name="Google Shape;69;p14"/>
-          <p:cNvSpPr txBox="1"/>
+          <p:cNvSpPr txBox="1">
+            <a:spLocks noGrp="1"/>
+          </p:cNvSpPr>
           <p:nvPr>
-            <p:ph idx="1" type="subTitle"/>
+            <p:ph type="subTitle" idx="1"/>
           </p:nvPr>
         </p:nvSpPr>
         <p:spPr>
@@ -2574,7 +2639,7 @@
           </a:prstGeom>
         </p:spPr>
         <p:txBody>
-          <a:bodyPr anchorCtr="0" anchor="t" bIns="0" lIns="0" spcFirstLastPara="1" rIns="0" wrap="square" tIns="0"/>
+          <a:bodyPr spcFirstLastPara="1" wrap="square" lIns="0" tIns="0" rIns="0" bIns="0" anchor="t" anchorCtr="0"/>
           <a:lstStyle>
             <a:lvl1pPr lvl="0" rtl="0">
               <a:lnSpc>
@@ -2703,15 +2768,19 @@
               <a:defRPr sz="1300"/>
             </a:lvl9pPr>
           </a:lstStyle>
-          <a:p/>
+          <a:p>
+            <a:endParaRPr/>
+          </a:p>
         </p:txBody>
       </p:sp>
       <p:sp>
         <p:nvSpPr>
           <p:cNvPr id="70" name="Google Shape;70;p14"/>
-          <p:cNvSpPr txBox="1"/>
+          <p:cNvSpPr txBox="1">
+            <a:spLocks noGrp="1"/>
+          </p:cNvSpPr>
           <p:nvPr>
-            <p:ph idx="12" type="sldNum"/>
+            <p:ph type="sldNum" idx="12"/>
           </p:nvPr>
         </p:nvSpPr>
         <p:spPr>
@@ -2724,7 +2793,7 @@
           </a:prstGeom>
         </p:spPr>
         <p:txBody>
-          <a:bodyPr anchorCtr="0" anchor="ctr" bIns="0" lIns="0" spcFirstLastPara="1" rIns="0" wrap="square" tIns="0">
+          <a:bodyPr spcFirstLastPara="1" wrap="square" lIns="0" tIns="0" rIns="0" bIns="0" anchor="ctr" anchorCtr="0">
             <a:noAutofit/>
           </a:bodyPr>
           <a:lstStyle>
@@ -2766,7 +2835,7 @@
             </a:lvl9pPr>
           </a:lstStyle>
           <a:p>
-            <a:pPr indent="0" lvl="0" marL="0" rtl="0" algn="r">
+            <a:pPr marL="0" lvl="0" indent="0" algn="r" rtl="0">
               <a:spcBef>
                 <a:spcPts val="0"/>
               </a:spcBef>
@@ -2792,11 +2861,11 @@
 </file>
 
 <file path=ppt/slideLayouts/slideLayout14.xml><?xml version="1.0" encoding="utf-8"?>
-<p:sldLayout xmlns:a="http://schemas.openxmlformats.org/drawingml/2006/main" xmlns:r="http://schemas.openxmlformats.org/officeDocument/2006/relationships" xmlns:mc="http://schemas.openxmlformats.org/markup-compatibility/2006" xmlns:mv="urn:schemas-microsoft-com:mac:vml" xmlns:p="http://schemas.openxmlformats.org/presentationml/2006/main" xmlns:c="http://schemas.openxmlformats.org/drawingml/2006/chart" xmlns:dgm="http://schemas.openxmlformats.org/drawingml/2006/diagram" xmlns:o="urn:schemas-microsoft-com:office:office" xmlns:v="urn:schemas-microsoft-com:vml" xmlns:pvml="urn:schemas-microsoft-com:office:powerpoint" xmlns:com="http://schemas.openxmlformats.org/drawingml/2006/compatibility" xmlns:p14="http://schemas.microsoft.com/office/powerpoint/2010/main" xmlns:p15="http://schemas.microsoft.com/office/powerpoint/2012/main" matchingName="TITLE_4">
+<p:sldLayout xmlns:a="http://schemas.openxmlformats.org/drawingml/2006/main" xmlns:r="http://schemas.openxmlformats.org/officeDocument/2006/relationships" xmlns:p="http://schemas.openxmlformats.org/presentationml/2006/main" matchingName="TITLE_4">
   <p:cSld name="TITLE_4">
     <p:spTree>
       <p:nvGrpSpPr>
-        <p:cNvPr id="71" name="Shape 71"/>
+        <p:cNvPr id="1" name="Shape 71"/>
         <p:cNvGrpSpPr/>
         <p:nvPr/>
       </p:nvGrpSpPr>
@@ -2811,7 +2880,9 @@
       <p:sp>
         <p:nvSpPr>
           <p:cNvPr id="72" name="Google Shape;72;p15"/>
-          <p:cNvSpPr txBox="1"/>
+          <p:cNvSpPr txBox="1">
+            <a:spLocks noGrp="1"/>
+          </p:cNvSpPr>
           <p:nvPr>
             <p:ph type="ctrTitle"/>
           </p:nvPr>
@@ -2826,9 +2897,9 @@
           </a:prstGeom>
         </p:spPr>
         <p:txBody>
-          <a:bodyPr anchorCtr="0" anchor="b" bIns="0" lIns="0" spcFirstLastPara="1" rIns="0" wrap="square" tIns="0"/>
+          <a:bodyPr spcFirstLastPara="1" wrap="square" lIns="0" tIns="0" rIns="0" bIns="0" anchor="b" anchorCtr="0"/>
           <a:lstStyle>
-            <a:lvl1pPr lvl="0" rtl="0" algn="ctr">
+            <a:lvl1pPr lvl="0" algn="ctr" rtl="0">
               <a:spcBef>
                 <a:spcPts val="0"/>
               </a:spcBef>
@@ -2839,7 +2910,7 @@
               <a:buNone/>
               <a:defRPr sz="5200"/>
             </a:lvl1pPr>
-            <a:lvl2pPr lvl="1" rtl="0" algn="ctr">
+            <a:lvl2pPr lvl="1" algn="ctr" rtl="0">
               <a:spcBef>
                 <a:spcPts val="0"/>
               </a:spcBef>
@@ -2850,7 +2921,7 @@
               <a:buNone/>
               <a:defRPr sz="5200"/>
             </a:lvl2pPr>
-            <a:lvl3pPr lvl="2" rtl="0" algn="ctr">
+            <a:lvl3pPr lvl="2" algn="ctr" rtl="0">
               <a:spcBef>
                 <a:spcPts val="0"/>
               </a:spcBef>
@@ -2861,7 +2932,7 @@
               <a:buNone/>
               <a:defRPr sz="5200"/>
             </a:lvl3pPr>
-            <a:lvl4pPr lvl="3" rtl="0" algn="ctr">
+            <a:lvl4pPr lvl="3" algn="ctr" rtl="0">
               <a:spcBef>
                 <a:spcPts val="0"/>
               </a:spcBef>
@@ -2872,7 +2943,7 @@
               <a:buNone/>
               <a:defRPr sz="5200"/>
             </a:lvl4pPr>
-            <a:lvl5pPr lvl="4" rtl="0" algn="ctr">
+            <a:lvl5pPr lvl="4" algn="ctr" rtl="0">
               <a:spcBef>
                 <a:spcPts val="0"/>
               </a:spcBef>
@@ -2883,7 +2954,7 @@
               <a:buNone/>
               <a:defRPr sz="5200"/>
             </a:lvl5pPr>
-            <a:lvl6pPr lvl="5" rtl="0" algn="ctr">
+            <a:lvl6pPr lvl="5" algn="ctr" rtl="0">
               <a:spcBef>
                 <a:spcPts val="0"/>
               </a:spcBef>
@@ -2894,7 +2965,7 @@
               <a:buNone/>
               <a:defRPr sz="5200"/>
             </a:lvl6pPr>
-            <a:lvl7pPr lvl="6" rtl="0" algn="ctr">
+            <a:lvl7pPr lvl="6" algn="ctr" rtl="0">
               <a:spcBef>
                 <a:spcPts val="0"/>
               </a:spcBef>
@@ -2905,7 +2976,7 @@
               <a:buNone/>
               <a:defRPr sz="5200"/>
             </a:lvl7pPr>
-            <a:lvl8pPr lvl="7" rtl="0" algn="ctr">
+            <a:lvl8pPr lvl="7" algn="ctr" rtl="0">
               <a:spcBef>
                 <a:spcPts val="0"/>
               </a:spcBef>
@@ -2916,7 +2987,7 @@
               <a:buNone/>
               <a:defRPr sz="5200"/>
             </a:lvl8pPr>
-            <a:lvl9pPr lvl="8" rtl="0" algn="ctr">
+            <a:lvl9pPr lvl="8" algn="ctr" rtl="0">
               <a:spcBef>
                 <a:spcPts val="0"/>
               </a:spcBef>
@@ -2928,15 +2999,19 @@
               <a:defRPr sz="5200"/>
             </a:lvl9pPr>
           </a:lstStyle>
-          <a:p/>
+          <a:p>
+            <a:endParaRPr/>
+          </a:p>
         </p:txBody>
       </p:sp>
       <p:sp>
         <p:nvSpPr>
           <p:cNvPr id="73" name="Google Shape;73;p15"/>
-          <p:cNvSpPr txBox="1"/>
+          <p:cNvSpPr txBox="1">
+            <a:spLocks noGrp="1"/>
+          </p:cNvSpPr>
           <p:nvPr>
-            <p:ph idx="1" type="subTitle"/>
+            <p:ph type="subTitle" idx="1"/>
           </p:nvPr>
         </p:nvSpPr>
         <p:spPr>
@@ -2949,9 +3024,9 @@
           </a:prstGeom>
         </p:spPr>
         <p:txBody>
-          <a:bodyPr anchorCtr="0" anchor="t" bIns="0" lIns="0" spcFirstLastPara="1" rIns="0" wrap="square" tIns="0"/>
+          <a:bodyPr spcFirstLastPara="1" wrap="square" lIns="0" tIns="0" rIns="0" bIns="0" anchor="t" anchorCtr="0"/>
           <a:lstStyle>
-            <a:lvl1pPr lvl="0" rtl="0" algn="ctr">
+            <a:lvl1pPr lvl="0" algn="ctr" rtl="0">
               <a:lnSpc>
                 <a:spcPct val="100000"/>
               </a:lnSpc>
@@ -2965,7 +3040,7 @@
               <a:buNone/>
               <a:defRPr sz="2800"/>
             </a:lvl1pPr>
-            <a:lvl2pPr lvl="1" rtl="0" algn="ctr">
+            <a:lvl2pPr lvl="1" algn="ctr" rtl="0">
               <a:lnSpc>
                 <a:spcPct val="100000"/>
               </a:lnSpc>
@@ -2979,7 +3054,7 @@
               <a:buNone/>
               <a:defRPr sz="2800"/>
             </a:lvl2pPr>
-            <a:lvl3pPr lvl="2" rtl="0" algn="ctr">
+            <a:lvl3pPr lvl="2" algn="ctr" rtl="0">
               <a:lnSpc>
                 <a:spcPct val="100000"/>
               </a:lnSpc>
@@ -2993,7 +3068,7 @@
               <a:buNone/>
               <a:defRPr sz="2800"/>
             </a:lvl3pPr>
-            <a:lvl4pPr lvl="3" rtl="0" algn="ctr">
+            <a:lvl4pPr lvl="3" algn="ctr" rtl="0">
               <a:lnSpc>
                 <a:spcPct val="100000"/>
               </a:lnSpc>
@@ -3007,7 +3082,7 @@
               <a:buNone/>
               <a:defRPr sz="2800"/>
             </a:lvl4pPr>
-            <a:lvl5pPr lvl="4" rtl="0" algn="ctr">
+            <a:lvl5pPr lvl="4" algn="ctr" rtl="0">
               <a:lnSpc>
                 <a:spcPct val="100000"/>
               </a:lnSpc>
@@ -3021,7 +3096,7 @@
               <a:buNone/>
               <a:defRPr sz="2800"/>
             </a:lvl5pPr>
-            <a:lvl6pPr lvl="5" rtl="0" algn="ctr">
+            <a:lvl6pPr lvl="5" algn="ctr" rtl="0">
               <a:lnSpc>
                 <a:spcPct val="100000"/>
               </a:lnSpc>
@@ -3035,7 +3110,7 @@
               <a:buNone/>
               <a:defRPr sz="2800"/>
             </a:lvl6pPr>
-            <a:lvl7pPr lvl="6" rtl="0" algn="ctr">
+            <a:lvl7pPr lvl="6" algn="ctr" rtl="0">
               <a:lnSpc>
                 <a:spcPct val="100000"/>
               </a:lnSpc>
@@ -3049,7 +3124,7 @@
               <a:buNone/>
               <a:defRPr sz="2800"/>
             </a:lvl7pPr>
-            <a:lvl8pPr lvl="7" rtl="0" algn="ctr">
+            <a:lvl8pPr lvl="7" algn="ctr" rtl="0">
               <a:lnSpc>
                 <a:spcPct val="100000"/>
               </a:lnSpc>
@@ -3063,7 +3138,7 @@
               <a:buNone/>
               <a:defRPr sz="2800"/>
             </a:lvl8pPr>
-            <a:lvl9pPr lvl="8" rtl="0" algn="ctr">
+            <a:lvl9pPr lvl="8" algn="ctr" rtl="0">
               <a:lnSpc>
                 <a:spcPct val="100000"/>
               </a:lnSpc>
@@ -3078,15 +3153,19 @@
               <a:defRPr sz="2800"/>
             </a:lvl9pPr>
           </a:lstStyle>
-          <a:p/>
+          <a:p>
+            <a:endParaRPr/>
+          </a:p>
         </p:txBody>
       </p:sp>
       <p:sp>
         <p:nvSpPr>
           <p:cNvPr id="74" name="Google Shape;74;p15"/>
-          <p:cNvSpPr txBox="1"/>
+          <p:cNvSpPr txBox="1">
+            <a:spLocks noGrp="1"/>
+          </p:cNvSpPr>
           <p:nvPr>
-            <p:ph idx="12" type="sldNum"/>
+            <p:ph type="sldNum" idx="12"/>
           </p:nvPr>
         </p:nvSpPr>
         <p:spPr>
@@ -3099,7 +3178,7 @@
           </a:prstGeom>
         </p:spPr>
         <p:txBody>
-          <a:bodyPr anchorCtr="0" anchor="ctr" bIns="0" lIns="0" spcFirstLastPara="1" rIns="0" wrap="square" tIns="0">
+          <a:bodyPr spcFirstLastPara="1" wrap="square" lIns="0" tIns="0" rIns="0" bIns="0" anchor="ctr" anchorCtr="0">
             <a:noAutofit/>
           </a:bodyPr>
           <a:lstStyle>
@@ -3141,7 +3220,7 @@
             </a:lvl9pPr>
           </a:lstStyle>
           <a:p>
-            <a:pPr indent="0" lvl="0" marL="0" rtl="0" algn="r">
+            <a:pPr marL="0" lvl="0" indent="0" algn="r" rtl="0">
               <a:spcBef>
                 <a:spcPts val="0"/>
               </a:spcBef>
@@ -3167,11 +3246,11 @@
 </file>
 
 <file path=ppt/slideLayouts/slideLayout2.xml><?xml version="1.0" encoding="utf-8"?>
-<p:sldLayout xmlns:a="http://schemas.openxmlformats.org/drawingml/2006/main" xmlns:r="http://schemas.openxmlformats.org/officeDocument/2006/relationships" xmlns:mc="http://schemas.openxmlformats.org/markup-compatibility/2006" xmlns:mv="urn:schemas-microsoft-com:mac:vml" xmlns:p="http://schemas.openxmlformats.org/presentationml/2006/main" xmlns:c="http://schemas.openxmlformats.org/drawingml/2006/chart" xmlns:dgm="http://schemas.openxmlformats.org/drawingml/2006/diagram" xmlns:o="urn:schemas-microsoft-com:office:office" xmlns:v="urn:schemas-microsoft-com:vml" xmlns:pvml="urn:schemas-microsoft-com:office:powerpoint" xmlns:com="http://schemas.openxmlformats.org/drawingml/2006/compatibility" xmlns:p14="http://schemas.microsoft.com/office/powerpoint/2010/main" xmlns:p15="http://schemas.microsoft.com/office/powerpoint/2012/main" matchingName="Subtitle">
+<p:sldLayout xmlns:a="http://schemas.openxmlformats.org/drawingml/2006/main" xmlns:r="http://schemas.openxmlformats.org/officeDocument/2006/relationships" xmlns:p="http://schemas.openxmlformats.org/presentationml/2006/main" matchingName="Subtitle">
   <p:cSld name="TITLE_1">
     <p:spTree>
       <p:nvGrpSpPr>
-        <p:cNvPr id="12" name="Shape 12"/>
+        <p:cNvPr id="1" name="Shape 12"/>
         <p:cNvGrpSpPr/>
         <p:nvPr/>
       </p:nvGrpSpPr>
@@ -3214,7 +3293,9 @@
       <p:sp>
         <p:nvSpPr>
           <p:cNvPr id="14" name="Google Shape;14;p3"/>
-          <p:cNvSpPr txBox="1"/>
+          <p:cNvSpPr txBox="1">
+            <a:spLocks noGrp="1"/>
+          </p:cNvSpPr>
           <p:nvPr>
             <p:ph type="ctrTitle"/>
           </p:nvPr>
@@ -3229,7 +3310,7 @@
           </a:prstGeom>
         </p:spPr>
         <p:txBody>
-          <a:bodyPr anchorCtr="0" anchor="b" bIns="0" lIns="0" spcFirstLastPara="1" rIns="0" wrap="square" tIns="0"/>
+          <a:bodyPr spcFirstLastPara="1" wrap="square" lIns="0" tIns="0" rIns="0" bIns="0" anchor="b" anchorCtr="0"/>
           <a:lstStyle>
             <a:lvl1pPr lvl="0" rtl="0">
               <a:spcBef>
@@ -3331,15 +3412,19 @@
               <a:defRPr sz="4800"/>
             </a:lvl9pPr>
           </a:lstStyle>
-          <a:p/>
+          <a:p>
+            <a:endParaRPr/>
+          </a:p>
         </p:txBody>
       </p:sp>
       <p:sp>
         <p:nvSpPr>
           <p:cNvPr id="15" name="Google Shape;15;p3"/>
-          <p:cNvSpPr txBox="1"/>
+          <p:cNvSpPr txBox="1">
+            <a:spLocks noGrp="1"/>
+          </p:cNvSpPr>
           <p:nvPr>
-            <p:ph idx="1" type="subTitle"/>
+            <p:ph type="subTitle" idx="1"/>
           </p:nvPr>
         </p:nvSpPr>
         <p:spPr>
@@ -3352,7 +3437,7 @@
           </a:prstGeom>
         </p:spPr>
         <p:txBody>
-          <a:bodyPr anchorCtr="0" anchor="t" bIns="0" lIns="0" spcFirstLastPara="1" rIns="0" wrap="square" tIns="0"/>
+          <a:bodyPr spcFirstLastPara="1" wrap="square" lIns="0" tIns="0" rIns="0" bIns="0" anchor="t" anchorCtr="0"/>
           <a:lstStyle>
             <a:lvl1pPr lvl="0" rtl="0">
               <a:spcBef>
@@ -3517,7 +3602,9 @@
               </a:defRPr>
             </a:lvl9pPr>
           </a:lstStyle>
-          <a:p/>
+          <a:p>
+            <a:endParaRPr/>
+          </a:p>
         </p:txBody>
       </p:sp>
     </p:spTree>
@@ -3529,11 +3616,11 @@
 </file>
 
 <file path=ppt/slideLayouts/slideLayout3.xml><?xml version="1.0" encoding="utf-8"?>
-<p:sldLayout xmlns:a="http://schemas.openxmlformats.org/drawingml/2006/main" xmlns:r="http://schemas.openxmlformats.org/officeDocument/2006/relationships" xmlns:mc="http://schemas.openxmlformats.org/markup-compatibility/2006" xmlns:mv="urn:schemas-microsoft-com:mac:vml" xmlns:p="http://schemas.openxmlformats.org/presentationml/2006/main" xmlns:c="http://schemas.openxmlformats.org/drawingml/2006/chart" xmlns:dgm="http://schemas.openxmlformats.org/drawingml/2006/diagram" xmlns:o="urn:schemas-microsoft-com:office:office" xmlns:v="urn:schemas-microsoft-com:vml" xmlns:pvml="urn:schemas-microsoft-com:office:powerpoint" xmlns:com="http://schemas.openxmlformats.org/drawingml/2006/compatibility" xmlns:p14="http://schemas.microsoft.com/office/powerpoint/2010/main" xmlns:p15="http://schemas.microsoft.com/office/powerpoint/2012/main" matchingName="Quote">
+<p:sldLayout xmlns:a="http://schemas.openxmlformats.org/drawingml/2006/main" xmlns:r="http://schemas.openxmlformats.org/officeDocument/2006/relationships" xmlns:p="http://schemas.openxmlformats.org/presentationml/2006/main" matchingName="Quote">
   <p:cSld name="TITLE_1_1">
     <p:spTree>
       <p:nvGrpSpPr>
-        <p:cNvPr id="16" name="Shape 16"/>
+        <p:cNvPr id="1" name="Shape 16"/>
         <p:cNvGrpSpPr/>
         <p:nvPr/>
       </p:nvGrpSpPr>
@@ -3576,9 +3663,11 @@
       <p:sp>
         <p:nvSpPr>
           <p:cNvPr id="18" name="Google Shape;18;p4"/>
-          <p:cNvSpPr txBox="1"/>
+          <p:cNvSpPr txBox="1">
+            <a:spLocks noGrp="1"/>
+          </p:cNvSpPr>
           <p:nvPr>
-            <p:ph idx="1" type="body"/>
+            <p:ph type="body" idx="1"/>
           </p:nvPr>
         </p:nvSpPr>
         <p:spPr>
@@ -3591,9 +3680,9 @@
           </a:prstGeom>
         </p:spPr>
         <p:txBody>
-          <a:bodyPr anchorCtr="0" anchor="t" bIns="0" lIns="0" spcFirstLastPara="1" rIns="0" wrap="square" tIns="0"/>
+          <a:bodyPr spcFirstLastPara="1" wrap="square" lIns="0" tIns="0" rIns="0" bIns="0" anchor="t" anchorCtr="0"/>
           <a:lstStyle>
-            <a:lvl1pPr indent="-431800" lvl="0" marL="457200" rtl="0">
+            <a:lvl1pPr marL="457200" lvl="0" indent="-431800" rtl="0">
               <a:lnSpc>
                 <a:spcPct val="115000"/>
               </a:lnSpc>
@@ -3614,7 +3703,7 @@
                 </a:solidFill>
               </a:defRPr>
             </a:lvl1pPr>
-            <a:lvl2pPr indent="-431800" lvl="1" marL="914400" rtl="0">
+            <a:lvl2pPr marL="914400" lvl="1" indent="-431800" rtl="0">
               <a:lnSpc>
                 <a:spcPct val="115000"/>
               </a:lnSpc>
@@ -3632,7 +3721,7 @@
                 </a:solidFill>
               </a:defRPr>
             </a:lvl2pPr>
-            <a:lvl3pPr indent="-431800" lvl="2" marL="1371600" rtl="0">
+            <a:lvl3pPr marL="1371600" lvl="2" indent="-431800" rtl="0">
               <a:lnSpc>
                 <a:spcPct val="115000"/>
               </a:lnSpc>
@@ -3650,7 +3739,7 @@
                 </a:solidFill>
               </a:defRPr>
             </a:lvl3pPr>
-            <a:lvl4pPr indent="-431800" lvl="3" marL="1828800" rtl="0">
+            <a:lvl4pPr marL="1828800" lvl="3" indent="-431800" rtl="0">
               <a:lnSpc>
                 <a:spcPct val="115000"/>
               </a:lnSpc>
@@ -3668,7 +3757,7 @@
                 </a:solidFill>
               </a:defRPr>
             </a:lvl4pPr>
-            <a:lvl5pPr indent="-431800" lvl="4" marL="2286000" rtl="0">
+            <a:lvl5pPr marL="2286000" lvl="4" indent="-431800" rtl="0">
               <a:lnSpc>
                 <a:spcPct val="115000"/>
               </a:lnSpc>
@@ -3686,7 +3775,7 @@
                 </a:solidFill>
               </a:defRPr>
             </a:lvl5pPr>
-            <a:lvl6pPr indent="-431800" lvl="5" marL="2743200" rtl="0">
+            <a:lvl6pPr marL="2743200" lvl="5" indent="-431800" rtl="0">
               <a:lnSpc>
                 <a:spcPct val="115000"/>
               </a:lnSpc>
@@ -3704,7 +3793,7 @@
                 </a:solidFill>
               </a:defRPr>
             </a:lvl6pPr>
-            <a:lvl7pPr indent="-431800" lvl="6" marL="3200400" rtl="0">
+            <a:lvl7pPr marL="3200400" lvl="6" indent="-431800" rtl="0">
               <a:lnSpc>
                 <a:spcPct val="115000"/>
               </a:lnSpc>
@@ -3722,7 +3811,7 @@
                 </a:solidFill>
               </a:defRPr>
             </a:lvl7pPr>
-            <a:lvl8pPr indent="-431800" lvl="7" marL="3657600" rtl="0">
+            <a:lvl8pPr marL="3657600" lvl="7" indent="-431800" rtl="0">
               <a:lnSpc>
                 <a:spcPct val="115000"/>
               </a:lnSpc>
@@ -3740,7 +3829,7 @@
                 </a:solidFill>
               </a:defRPr>
             </a:lvl8pPr>
-            <a:lvl9pPr indent="-431800" lvl="8" marL="4114800">
+            <a:lvl9pPr marL="4114800" lvl="8" indent="-431800">
               <a:lnSpc>
                 <a:spcPct val="115000"/>
               </a:lnSpc>
@@ -3759,7 +3848,9 @@
               </a:defRPr>
             </a:lvl9pPr>
           </a:lstStyle>
-          <a:p/>
+          <a:p>
+            <a:endParaRPr/>
+          </a:p>
         </p:txBody>
       </p:sp>
       <p:sp>
@@ -3782,12 +3873,12 @@
           </a:ln>
         </p:spPr>
         <p:txBody>
-          <a:bodyPr anchorCtr="0" anchor="t" bIns="0" lIns="0" spcFirstLastPara="1" rIns="0" wrap="square" tIns="0">
+          <a:bodyPr spcFirstLastPara="1" wrap="square" lIns="0" tIns="0" rIns="0" bIns="0" anchor="t" anchorCtr="0">
             <a:noAutofit/>
           </a:bodyPr>
           <a:lstStyle/>
           <a:p>
-            <a:pPr indent="0" lvl="0" marL="0" rtl="0" algn="l">
+            <a:pPr marL="0" lvl="0" indent="0" algn="l" rtl="0">
               <a:spcBef>
                 <a:spcPts val="0"/>
               </a:spcBef>
@@ -3797,7 +3888,7 @@
               <a:buNone/>
             </a:pPr>
             <a:r>
-              <a:rPr b="1" lang="en" sz="9600">
+              <a:rPr lang="en" sz="9600" b="1">
                 <a:solidFill>
                   <a:srgbClr val="A7D86D"/>
                 </a:solidFill>
@@ -3808,7 +3899,7 @@
               </a:rPr>
               <a:t>“</a:t>
             </a:r>
-            <a:endParaRPr b="1" sz="9600">
+            <a:endParaRPr sz="9600" b="1">
               <a:solidFill>
                 <a:srgbClr val="A7D86D"/>
               </a:solidFill>
@@ -3823,9 +3914,11 @@
       <p:sp>
         <p:nvSpPr>
           <p:cNvPr id="20" name="Google Shape;20;p4"/>
-          <p:cNvSpPr txBox="1"/>
+          <p:cNvSpPr txBox="1">
+            <a:spLocks noGrp="1"/>
+          </p:cNvSpPr>
           <p:nvPr>
-            <p:ph idx="12" type="sldNum"/>
+            <p:ph type="sldNum" idx="12"/>
           </p:nvPr>
         </p:nvSpPr>
         <p:spPr>
@@ -3838,7 +3931,7 @@
           </a:prstGeom>
         </p:spPr>
         <p:txBody>
-          <a:bodyPr anchorCtr="0" anchor="ctr" bIns="0" lIns="0" spcFirstLastPara="1" rIns="0" wrap="square" tIns="0">
+          <a:bodyPr spcFirstLastPara="1" wrap="square" lIns="0" tIns="0" rIns="0" bIns="0" anchor="ctr" anchorCtr="0">
             <a:noAutofit/>
           </a:bodyPr>
           <a:lstStyle>
@@ -3880,7 +3973,7 @@
             </a:lvl9pPr>
           </a:lstStyle>
           <a:p>
-            <a:pPr indent="0" lvl="0" marL="0" rtl="0" algn="r">
+            <a:pPr marL="0" lvl="0" indent="0" algn="r" rtl="0">
               <a:spcBef>
                 <a:spcPts val="0"/>
               </a:spcBef>
@@ -3906,11 +3999,11 @@
 </file>
 
 <file path=ppt/slideLayouts/slideLayout4.xml><?xml version="1.0" encoding="utf-8"?>
-<p:sldLayout xmlns:a="http://schemas.openxmlformats.org/drawingml/2006/main" xmlns:r="http://schemas.openxmlformats.org/officeDocument/2006/relationships" xmlns:mc="http://schemas.openxmlformats.org/markup-compatibility/2006" xmlns:mv="urn:schemas-microsoft-com:mac:vml" xmlns:p="http://schemas.openxmlformats.org/presentationml/2006/main" xmlns:c="http://schemas.openxmlformats.org/drawingml/2006/chart" xmlns:dgm="http://schemas.openxmlformats.org/drawingml/2006/diagram" xmlns:o="urn:schemas-microsoft-com:office:office" xmlns:v="urn:schemas-microsoft-com:vml" xmlns:pvml="urn:schemas-microsoft-com:office:powerpoint" xmlns:com="http://schemas.openxmlformats.org/drawingml/2006/compatibility" xmlns:p14="http://schemas.microsoft.com/office/powerpoint/2010/main" xmlns:p15="http://schemas.microsoft.com/office/powerpoint/2012/main" matchingName="Title + 1 column" type="tx">
+<p:sldLayout xmlns:a="http://schemas.openxmlformats.org/drawingml/2006/main" xmlns:r="http://schemas.openxmlformats.org/officeDocument/2006/relationships" xmlns:p="http://schemas.openxmlformats.org/presentationml/2006/main" matchingName="Title + 1 column" type="tx">
   <p:cSld name="TITLE_AND_BODY">
     <p:spTree>
       <p:nvGrpSpPr>
-        <p:cNvPr id="21" name="Shape 21"/>
+        <p:cNvPr id="1" name="Shape 21"/>
         <p:cNvGrpSpPr/>
         <p:nvPr/>
       </p:nvGrpSpPr>
@@ -3953,7 +4046,9 @@
       <p:sp>
         <p:nvSpPr>
           <p:cNvPr id="23" name="Google Shape;23;p5"/>
-          <p:cNvSpPr txBox="1"/>
+          <p:cNvSpPr txBox="1">
+            <a:spLocks noGrp="1"/>
+          </p:cNvSpPr>
           <p:nvPr>
             <p:ph type="title"/>
           </p:nvPr>
@@ -3968,7 +4063,7 @@
           </a:prstGeom>
         </p:spPr>
         <p:txBody>
-          <a:bodyPr anchorCtr="0" anchor="b" bIns="0" lIns="0" spcFirstLastPara="1" rIns="0" wrap="square" tIns="0"/>
+          <a:bodyPr spcFirstLastPara="1" wrap="square" lIns="0" tIns="0" rIns="0" bIns="0" anchor="b" anchorCtr="0"/>
           <a:lstStyle>
             <a:lvl1pPr lvl="0">
               <a:spcBef>
@@ -4070,15 +4165,19 @@
               <a:defRPr/>
             </a:lvl9pPr>
           </a:lstStyle>
-          <a:p/>
+          <a:p>
+            <a:endParaRPr/>
+          </a:p>
         </p:txBody>
       </p:sp>
       <p:sp>
         <p:nvSpPr>
           <p:cNvPr id="24" name="Google Shape;24;p5"/>
-          <p:cNvSpPr txBox="1"/>
+          <p:cNvSpPr txBox="1">
+            <a:spLocks noGrp="1"/>
+          </p:cNvSpPr>
           <p:nvPr>
-            <p:ph idx="1" type="body"/>
+            <p:ph type="body" idx="1"/>
           </p:nvPr>
         </p:nvSpPr>
         <p:spPr>
@@ -4091,9 +4190,9 @@
           </a:prstGeom>
         </p:spPr>
         <p:txBody>
-          <a:bodyPr anchorCtr="0" anchor="t" bIns="0" lIns="0" spcFirstLastPara="1" rIns="0" wrap="square" tIns="0"/>
+          <a:bodyPr spcFirstLastPara="1" wrap="square" lIns="0" tIns="0" rIns="0" bIns="0" anchor="t" anchorCtr="0"/>
           <a:lstStyle>
-            <a:lvl1pPr indent="-368300" lvl="0" marL="457200">
+            <a:lvl1pPr marL="457200" lvl="0" indent="-368300">
               <a:spcBef>
                 <a:spcPts val="600"/>
               </a:spcBef>
@@ -4104,7 +4203,7 @@
               <a:buChar char="●"/>
               <a:defRPr/>
             </a:lvl1pPr>
-            <a:lvl2pPr indent="-368300" lvl="1" marL="914400">
+            <a:lvl2pPr marL="914400" lvl="1" indent="-368300">
               <a:spcBef>
                 <a:spcPts val="0"/>
               </a:spcBef>
@@ -4115,7 +4214,7 @@
               <a:buChar char="○"/>
               <a:defRPr/>
             </a:lvl2pPr>
-            <a:lvl3pPr indent="-368300" lvl="2" marL="1371600">
+            <a:lvl3pPr marL="1371600" lvl="2" indent="-368300">
               <a:spcBef>
                 <a:spcPts val="0"/>
               </a:spcBef>
@@ -4126,7 +4225,7 @@
               <a:buChar char="■"/>
               <a:defRPr/>
             </a:lvl3pPr>
-            <a:lvl4pPr indent="-368300" lvl="3" marL="1828800">
+            <a:lvl4pPr marL="1828800" lvl="3" indent="-368300">
               <a:spcBef>
                 <a:spcPts val="0"/>
               </a:spcBef>
@@ -4137,7 +4236,7 @@
               <a:buChar char="●"/>
               <a:defRPr/>
             </a:lvl4pPr>
-            <a:lvl5pPr indent="-368300" lvl="4" marL="2286000">
+            <a:lvl5pPr marL="2286000" lvl="4" indent="-368300">
               <a:spcBef>
                 <a:spcPts val="0"/>
               </a:spcBef>
@@ -4148,7 +4247,7 @@
               <a:buChar char="○"/>
               <a:defRPr/>
             </a:lvl5pPr>
-            <a:lvl6pPr indent="-368300" lvl="5" marL="2743200">
+            <a:lvl6pPr marL="2743200" lvl="5" indent="-368300">
               <a:spcBef>
                 <a:spcPts val="0"/>
               </a:spcBef>
@@ -4159,7 +4258,7 @@
               <a:buChar char="■"/>
               <a:defRPr/>
             </a:lvl6pPr>
-            <a:lvl7pPr indent="-368300" lvl="6" marL="3200400">
+            <a:lvl7pPr marL="3200400" lvl="6" indent="-368300">
               <a:spcBef>
                 <a:spcPts val="0"/>
               </a:spcBef>
@@ -4170,7 +4269,7 @@
               <a:buChar char="●"/>
               <a:defRPr/>
             </a:lvl7pPr>
-            <a:lvl8pPr indent="-368300" lvl="7" marL="3657600">
+            <a:lvl8pPr marL="3657600" lvl="7" indent="-368300">
               <a:spcBef>
                 <a:spcPts val="0"/>
               </a:spcBef>
@@ -4181,7 +4280,7 @@
               <a:buChar char="○"/>
               <a:defRPr/>
             </a:lvl8pPr>
-            <a:lvl9pPr indent="-368300" lvl="8" marL="4114800">
+            <a:lvl9pPr marL="4114800" lvl="8" indent="-368300">
               <a:spcBef>
                 <a:spcPts val="0"/>
               </a:spcBef>
@@ -4193,15 +4292,19 @@
               <a:defRPr/>
             </a:lvl9pPr>
           </a:lstStyle>
-          <a:p/>
+          <a:p>
+            <a:endParaRPr/>
+          </a:p>
         </p:txBody>
       </p:sp>
       <p:sp>
         <p:nvSpPr>
           <p:cNvPr id="25" name="Google Shape;25;p5"/>
-          <p:cNvSpPr txBox="1"/>
+          <p:cNvSpPr txBox="1">
+            <a:spLocks noGrp="1"/>
+          </p:cNvSpPr>
           <p:nvPr>
-            <p:ph idx="12" type="sldNum"/>
+            <p:ph type="sldNum" idx="12"/>
           </p:nvPr>
         </p:nvSpPr>
         <p:spPr>
@@ -4214,7 +4317,7 @@
           </a:prstGeom>
         </p:spPr>
         <p:txBody>
-          <a:bodyPr anchorCtr="0" anchor="ctr" bIns="0" lIns="0" spcFirstLastPara="1" rIns="0" wrap="square" tIns="0">
+          <a:bodyPr spcFirstLastPara="1" wrap="square" lIns="0" tIns="0" rIns="0" bIns="0" anchor="ctr" anchorCtr="0">
             <a:noAutofit/>
           </a:bodyPr>
           <a:lstStyle>
@@ -4256,7 +4359,7 @@
             </a:lvl9pPr>
           </a:lstStyle>
           <a:p>
-            <a:pPr indent="0" lvl="0" marL="0" rtl="0" algn="r">
+            <a:pPr marL="0" lvl="0" indent="0" algn="r" rtl="0">
               <a:spcBef>
                 <a:spcPts val="0"/>
               </a:spcBef>
@@ -4282,18 +4385,19 @@
 </file>
 
 <file path=ppt/slideLayouts/slideLayout5.xml><?xml version="1.0" encoding="utf-8"?>
-<p:sldLayout xmlns:a="http://schemas.openxmlformats.org/drawingml/2006/main" xmlns:r="http://schemas.openxmlformats.org/officeDocument/2006/relationships" xmlns:mc="http://schemas.openxmlformats.org/markup-compatibility/2006" xmlns:mv="urn:schemas-microsoft-com:mac:vml" xmlns:p="http://schemas.openxmlformats.org/presentationml/2006/main" xmlns:c="http://schemas.openxmlformats.org/drawingml/2006/chart" xmlns:dgm="http://schemas.openxmlformats.org/drawingml/2006/diagram" xmlns:o="urn:schemas-microsoft-com:office:office" xmlns:v="urn:schemas-microsoft-com:vml" xmlns:pvml="urn:schemas-microsoft-com:office:powerpoint" xmlns:com="http://schemas.openxmlformats.org/drawingml/2006/compatibility" xmlns:p14="http://schemas.microsoft.com/office/powerpoint/2010/main" xmlns:p15="http://schemas.microsoft.com/office/powerpoint/2012/main" matchingName="Title + 1 column + image mask">
+<p:sldLayout xmlns:a="http://schemas.openxmlformats.org/drawingml/2006/main" xmlns:r="http://schemas.openxmlformats.org/officeDocument/2006/relationships" xmlns:p="http://schemas.openxmlformats.org/presentationml/2006/main" matchingName="Title + 1 column + image mask">
   <p:cSld name="TITLE_AND_BODY_1">
     <p:bg>
       <p:bgPr>
         <a:solidFill>
           <a:srgbClr val="A7D86D"/>
         </a:solidFill>
+        <a:effectLst/>
       </p:bgPr>
     </p:bg>
     <p:spTree>
       <p:nvGrpSpPr>
-        <p:cNvPr id="26" name="Shape 26"/>
+        <p:cNvPr id="1" name="Shape 26"/>
         <p:cNvGrpSpPr/>
         <p:nvPr/>
       </p:nvGrpSpPr>
@@ -4331,9 +4435,13 @@
               <a:ext cx="7143750" cy="4018350"/>
             </a:xfrm>
             <a:custGeom>
-              <a:rect b="b" l="l" r="r" t="t"/>
+              <a:avLst/>
+              <a:gdLst/>
+              <a:ahLst/>
+              <a:cxnLst/>
+              <a:rect l="l" t="t" r="r" b="b"/>
               <a:pathLst>
-                <a:path extrusionOk="0" h="160734" w="285750">
+                <a:path w="285750" h="160734" extrusionOk="0">
                   <a:moveTo>
                     <a:pt x="206722" y="15292"/>
                   </a:moveTo>
@@ -6123,12 +6231,12 @@
             </a:ln>
           </p:spPr>
           <p:txBody>
-            <a:bodyPr anchorCtr="0" anchor="ctr" bIns="91425" lIns="91425" spcFirstLastPara="1" rIns="91425" wrap="square" tIns="91425">
+            <a:bodyPr spcFirstLastPara="1" wrap="square" lIns="91425" tIns="91425" rIns="91425" bIns="91425" anchor="ctr" anchorCtr="0">
               <a:noAutofit/>
             </a:bodyPr>
             <a:lstStyle/>
             <a:p>
-              <a:pPr indent="0" lvl="0" marL="0" rtl="0" algn="l">
+              <a:pPr marL="0" lvl="0" indent="0" algn="l" rtl="0">
                 <a:spcBef>
                   <a:spcPts val="0"/>
                 </a:spcBef>
@@ -6137,9 +6245,6 @@
                 </a:spcAft>
                 <a:buNone/>
               </a:pPr>
-              <a:r>
-                <a:t/>
-              </a:r>
               <a:endParaRPr/>
             </a:p>
           </p:txBody>
@@ -6156,9 +6261,13 @@
               <a:ext cx="7143750" cy="4018350"/>
             </a:xfrm>
             <a:custGeom>
-              <a:rect b="b" l="l" r="r" t="t"/>
+              <a:avLst/>
+              <a:gdLst/>
+              <a:ahLst/>
+              <a:cxnLst/>
+              <a:rect l="l" t="t" r="r" b="b"/>
               <a:pathLst>
-                <a:path extrusionOk="0" h="160734" w="285750">
+                <a:path w="285750" h="160734" extrusionOk="0">
                   <a:moveTo>
                     <a:pt x="206722" y="15292"/>
                   </a:moveTo>
@@ -7948,12 +8057,12 @@
             </a:ln>
           </p:spPr>
           <p:txBody>
-            <a:bodyPr anchorCtr="0" anchor="ctr" bIns="91425" lIns="91425" spcFirstLastPara="1" rIns="91425" wrap="square" tIns="91425">
+            <a:bodyPr spcFirstLastPara="1" wrap="square" lIns="91425" tIns="91425" rIns="91425" bIns="91425" anchor="ctr" anchorCtr="0">
               <a:noAutofit/>
             </a:bodyPr>
             <a:lstStyle/>
             <a:p>
-              <a:pPr indent="0" lvl="0" marL="0" rtl="0" algn="l">
+              <a:pPr marL="0" lvl="0" indent="0" algn="l" rtl="0">
                 <a:spcBef>
                   <a:spcPts val="0"/>
                 </a:spcBef>
@@ -7962,9 +8071,6 @@
                 </a:spcAft>
                 <a:buNone/>
               </a:pPr>
-              <a:r>
-                <a:t/>
-              </a:r>
               <a:endParaRPr/>
             </a:p>
           </p:txBody>
@@ -7973,7 +8079,9 @@
       <p:sp>
         <p:nvSpPr>
           <p:cNvPr id="30" name="Google Shape;30;p6"/>
-          <p:cNvSpPr txBox="1"/>
+          <p:cNvSpPr txBox="1">
+            <a:spLocks noGrp="1"/>
+          </p:cNvSpPr>
           <p:nvPr>
             <p:ph type="title"/>
           </p:nvPr>
@@ -7988,7 +8096,7 @@
           </a:prstGeom>
         </p:spPr>
         <p:txBody>
-          <a:bodyPr anchorCtr="0" anchor="b" bIns="0" lIns="0" spcFirstLastPara="1" rIns="0" wrap="square" tIns="0"/>
+          <a:bodyPr spcFirstLastPara="1" wrap="square" lIns="0" tIns="0" rIns="0" bIns="0" anchor="b" anchorCtr="0"/>
           <a:lstStyle>
             <a:lvl1pPr lvl="0" rtl="0">
               <a:spcBef>
@@ -8090,15 +8198,19 @@
               <a:defRPr sz="3600"/>
             </a:lvl9pPr>
           </a:lstStyle>
-          <a:p/>
+          <a:p>
+            <a:endParaRPr/>
+          </a:p>
         </p:txBody>
       </p:sp>
       <p:sp>
         <p:nvSpPr>
           <p:cNvPr id="31" name="Google Shape;31;p6"/>
-          <p:cNvSpPr txBox="1"/>
+          <p:cNvSpPr txBox="1">
+            <a:spLocks noGrp="1"/>
+          </p:cNvSpPr>
           <p:nvPr>
-            <p:ph idx="1" type="body"/>
+            <p:ph type="body" idx="1"/>
           </p:nvPr>
         </p:nvSpPr>
         <p:spPr>
@@ -8111,9 +8223,9 @@
           </a:prstGeom>
         </p:spPr>
         <p:txBody>
-          <a:bodyPr anchorCtr="0" anchor="t" bIns="0" lIns="0" spcFirstLastPara="1" rIns="0" wrap="square" tIns="0"/>
+          <a:bodyPr spcFirstLastPara="1" wrap="square" lIns="0" tIns="0" rIns="0" bIns="0" anchor="t" anchorCtr="0"/>
           <a:lstStyle>
-            <a:lvl1pPr indent="-355600" lvl="0" marL="457200" rtl="0">
+            <a:lvl1pPr marL="457200" lvl="0" indent="-355600" rtl="0">
               <a:spcBef>
                 <a:spcPts val="600"/>
               </a:spcBef>
@@ -8124,7 +8236,7 @@
               <a:buChar char="●"/>
               <a:defRPr sz="2000"/>
             </a:lvl1pPr>
-            <a:lvl2pPr indent="-355600" lvl="1" marL="914400" rtl="0">
+            <a:lvl2pPr marL="914400" lvl="1" indent="-355600" rtl="0">
               <a:spcBef>
                 <a:spcPts val="0"/>
               </a:spcBef>
@@ -8135,7 +8247,7 @@
               <a:buChar char="○"/>
               <a:defRPr sz="2000"/>
             </a:lvl2pPr>
-            <a:lvl3pPr indent="-355600" lvl="2" marL="1371600" rtl="0">
+            <a:lvl3pPr marL="1371600" lvl="2" indent="-355600" rtl="0">
               <a:spcBef>
                 <a:spcPts val="0"/>
               </a:spcBef>
@@ -8146,7 +8258,7 @@
               <a:buChar char="■"/>
               <a:defRPr sz="2000"/>
             </a:lvl3pPr>
-            <a:lvl4pPr indent="-355600" lvl="3" marL="1828800" rtl="0">
+            <a:lvl4pPr marL="1828800" lvl="3" indent="-355600" rtl="0">
               <a:spcBef>
                 <a:spcPts val="0"/>
               </a:spcBef>
@@ -8157,7 +8269,7 @@
               <a:buChar char="●"/>
               <a:defRPr sz="2000"/>
             </a:lvl4pPr>
-            <a:lvl5pPr indent="-355600" lvl="4" marL="2286000" rtl="0">
+            <a:lvl5pPr marL="2286000" lvl="4" indent="-355600" rtl="0">
               <a:spcBef>
                 <a:spcPts val="0"/>
               </a:spcBef>
@@ -8168,7 +8280,7 @@
               <a:buChar char="○"/>
               <a:defRPr sz="2000"/>
             </a:lvl5pPr>
-            <a:lvl6pPr indent="-355600" lvl="5" marL="2743200" rtl="0">
+            <a:lvl6pPr marL="2743200" lvl="5" indent="-355600" rtl="0">
               <a:spcBef>
                 <a:spcPts val="0"/>
               </a:spcBef>
@@ -8179,7 +8291,7 @@
               <a:buChar char="■"/>
               <a:defRPr sz="2000"/>
             </a:lvl6pPr>
-            <a:lvl7pPr indent="-355600" lvl="6" marL="3200400" rtl="0">
+            <a:lvl7pPr marL="3200400" lvl="6" indent="-355600" rtl="0">
               <a:spcBef>
                 <a:spcPts val="0"/>
               </a:spcBef>
@@ -8190,7 +8302,7 @@
               <a:buChar char="●"/>
               <a:defRPr sz="2000"/>
             </a:lvl7pPr>
-            <a:lvl8pPr indent="-355600" lvl="7" marL="3657600" rtl="0">
+            <a:lvl8pPr marL="3657600" lvl="7" indent="-355600" rtl="0">
               <a:spcBef>
                 <a:spcPts val="0"/>
               </a:spcBef>
@@ -8201,7 +8313,7 @@
               <a:buChar char="○"/>
               <a:defRPr sz="2000"/>
             </a:lvl8pPr>
-            <a:lvl9pPr indent="-355600" lvl="8" marL="4114800" rtl="0">
+            <a:lvl9pPr marL="4114800" lvl="8" indent="-355600" rtl="0">
               <a:spcBef>
                 <a:spcPts val="0"/>
               </a:spcBef>
@@ -8213,15 +8325,19 @@
               <a:defRPr sz="2000"/>
             </a:lvl9pPr>
           </a:lstStyle>
-          <a:p/>
+          <a:p>
+            <a:endParaRPr/>
+          </a:p>
         </p:txBody>
       </p:sp>
       <p:sp>
         <p:nvSpPr>
           <p:cNvPr id="32" name="Google Shape;32;p6"/>
-          <p:cNvSpPr txBox="1"/>
+          <p:cNvSpPr txBox="1">
+            <a:spLocks noGrp="1"/>
+          </p:cNvSpPr>
           <p:nvPr>
-            <p:ph idx="12" type="sldNum"/>
+            <p:ph type="sldNum" idx="12"/>
           </p:nvPr>
         </p:nvSpPr>
         <p:spPr>
@@ -8234,7 +8350,7 @@
           </a:prstGeom>
         </p:spPr>
         <p:txBody>
-          <a:bodyPr anchorCtr="0" anchor="ctr" bIns="0" lIns="0" spcFirstLastPara="1" rIns="0" wrap="square" tIns="0">
+          <a:bodyPr spcFirstLastPara="1" wrap="square" lIns="0" tIns="0" rIns="0" bIns="0" anchor="ctr" anchorCtr="0">
             <a:noAutofit/>
           </a:bodyPr>
           <a:lstStyle>
@@ -8276,7 +8392,7 @@
             </a:lvl9pPr>
           </a:lstStyle>
           <a:p>
-            <a:pPr indent="0" lvl="0" marL="0" rtl="0" algn="r">
+            <a:pPr marL="0" lvl="0" indent="0" algn="r" rtl="0">
               <a:spcBef>
                 <a:spcPts val="0"/>
               </a:spcBef>
@@ -8302,11 +8418,11 @@
 </file>
 
 <file path=ppt/slideLayouts/slideLayout6.xml><?xml version="1.0" encoding="utf-8"?>
-<p:sldLayout xmlns:a="http://schemas.openxmlformats.org/drawingml/2006/main" xmlns:r="http://schemas.openxmlformats.org/officeDocument/2006/relationships" xmlns:mc="http://schemas.openxmlformats.org/markup-compatibility/2006" xmlns:mv="urn:schemas-microsoft-com:mac:vml" xmlns:p="http://schemas.openxmlformats.org/presentationml/2006/main" xmlns:c="http://schemas.openxmlformats.org/drawingml/2006/chart" xmlns:dgm="http://schemas.openxmlformats.org/drawingml/2006/diagram" xmlns:o="urn:schemas-microsoft-com:office:office" xmlns:v="urn:schemas-microsoft-com:vml" xmlns:pvml="urn:schemas-microsoft-com:office:powerpoint" xmlns:com="http://schemas.openxmlformats.org/drawingml/2006/compatibility" xmlns:p14="http://schemas.microsoft.com/office/powerpoint/2010/main" xmlns:p15="http://schemas.microsoft.com/office/powerpoint/2012/main" matchingName="Title + 2 columns" type="twoColTx">
+<p:sldLayout xmlns:a="http://schemas.openxmlformats.org/drawingml/2006/main" xmlns:r="http://schemas.openxmlformats.org/officeDocument/2006/relationships" xmlns:p="http://schemas.openxmlformats.org/presentationml/2006/main" matchingName="Title + 2 columns" type="twoColTx">
   <p:cSld name="TITLE_AND_TWO_COLUMNS">
     <p:spTree>
       <p:nvGrpSpPr>
-        <p:cNvPr id="33" name="Shape 33"/>
+        <p:cNvPr id="1" name="Shape 33"/>
         <p:cNvGrpSpPr/>
         <p:nvPr/>
       </p:nvGrpSpPr>
@@ -8349,7 +8465,9 @@
       <p:sp>
         <p:nvSpPr>
           <p:cNvPr id="35" name="Google Shape;35;p7"/>
-          <p:cNvSpPr txBox="1"/>
+          <p:cNvSpPr txBox="1">
+            <a:spLocks noGrp="1"/>
+          </p:cNvSpPr>
           <p:nvPr>
             <p:ph type="title"/>
           </p:nvPr>
@@ -8364,7 +8482,7 @@
           </a:prstGeom>
         </p:spPr>
         <p:txBody>
-          <a:bodyPr anchorCtr="0" anchor="b" bIns="0" lIns="0" spcFirstLastPara="1" rIns="0" wrap="square" tIns="0"/>
+          <a:bodyPr spcFirstLastPara="1" wrap="square" lIns="0" tIns="0" rIns="0" bIns="0" anchor="b" anchorCtr="0"/>
           <a:lstStyle>
             <a:lvl1pPr lvl="0">
               <a:spcBef>
@@ -8466,15 +8584,19 @@
               <a:defRPr/>
             </a:lvl9pPr>
           </a:lstStyle>
-          <a:p/>
+          <a:p>
+            <a:endParaRPr/>
+          </a:p>
         </p:txBody>
       </p:sp>
       <p:sp>
         <p:nvSpPr>
           <p:cNvPr id="36" name="Google Shape;36;p7"/>
-          <p:cNvSpPr txBox="1"/>
+          <p:cNvSpPr txBox="1">
+            <a:spLocks noGrp="1"/>
+          </p:cNvSpPr>
           <p:nvPr>
-            <p:ph idx="1" type="body"/>
+            <p:ph type="body" idx="1"/>
           </p:nvPr>
         </p:nvSpPr>
         <p:spPr>
@@ -8487,9 +8609,9 @@
           </a:prstGeom>
         </p:spPr>
         <p:txBody>
-          <a:bodyPr anchorCtr="0" anchor="t" bIns="0" lIns="0" spcFirstLastPara="1" rIns="0" wrap="square" tIns="0"/>
+          <a:bodyPr spcFirstLastPara="1" wrap="square" lIns="0" tIns="0" rIns="0" bIns="0" anchor="t" anchorCtr="0"/>
           <a:lstStyle>
-            <a:lvl1pPr indent="-330200" lvl="0" marL="457200">
+            <a:lvl1pPr marL="457200" lvl="0" indent="-330200">
               <a:spcBef>
                 <a:spcPts val="600"/>
               </a:spcBef>
@@ -8500,7 +8622,7 @@
               <a:buChar char="●"/>
               <a:defRPr sz="1600"/>
             </a:lvl1pPr>
-            <a:lvl2pPr indent="-330200" lvl="1" marL="914400">
+            <a:lvl2pPr marL="914400" lvl="1" indent="-330200">
               <a:spcBef>
                 <a:spcPts val="0"/>
               </a:spcBef>
@@ -8511,7 +8633,7 @@
               <a:buChar char="○"/>
               <a:defRPr sz="1600"/>
             </a:lvl2pPr>
-            <a:lvl3pPr indent="-330200" lvl="2" marL="1371600">
+            <a:lvl3pPr marL="1371600" lvl="2" indent="-330200">
               <a:spcBef>
                 <a:spcPts val="0"/>
               </a:spcBef>
@@ -8522,7 +8644,7 @@
               <a:buChar char="■"/>
               <a:defRPr sz="1600"/>
             </a:lvl3pPr>
-            <a:lvl4pPr indent="-330200" lvl="3" marL="1828800">
+            <a:lvl4pPr marL="1828800" lvl="3" indent="-330200">
               <a:spcBef>
                 <a:spcPts val="0"/>
               </a:spcBef>
@@ -8533,7 +8655,7 @@
               <a:buChar char="●"/>
               <a:defRPr sz="1600"/>
             </a:lvl4pPr>
-            <a:lvl5pPr indent="-330200" lvl="4" marL="2286000">
+            <a:lvl5pPr marL="2286000" lvl="4" indent="-330200">
               <a:spcBef>
                 <a:spcPts val="0"/>
               </a:spcBef>
@@ -8544,7 +8666,7 @@
               <a:buChar char="○"/>
               <a:defRPr sz="1600"/>
             </a:lvl5pPr>
-            <a:lvl6pPr indent="-330200" lvl="5" marL="2743200">
+            <a:lvl6pPr marL="2743200" lvl="5" indent="-330200">
               <a:spcBef>
                 <a:spcPts val="0"/>
               </a:spcBef>
@@ -8555,7 +8677,7 @@
               <a:buChar char="■"/>
               <a:defRPr sz="1600"/>
             </a:lvl6pPr>
-            <a:lvl7pPr indent="-330200" lvl="6" marL="3200400">
+            <a:lvl7pPr marL="3200400" lvl="6" indent="-330200">
               <a:spcBef>
                 <a:spcPts val="0"/>
               </a:spcBef>
@@ -8566,7 +8688,7 @@
               <a:buChar char="●"/>
               <a:defRPr sz="1600"/>
             </a:lvl7pPr>
-            <a:lvl8pPr indent="-330200" lvl="7" marL="3657600">
+            <a:lvl8pPr marL="3657600" lvl="7" indent="-330200">
               <a:spcBef>
                 <a:spcPts val="0"/>
               </a:spcBef>
@@ -8577,7 +8699,7 @@
               <a:buChar char="○"/>
               <a:defRPr sz="1600"/>
             </a:lvl8pPr>
-            <a:lvl9pPr indent="-330200" lvl="8" marL="4114800">
+            <a:lvl9pPr marL="4114800" lvl="8" indent="-330200">
               <a:spcBef>
                 <a:spcPts val="0"/>
               </a:spcBef>
@@ -8589,15 +8711,19 @@
               <a:defRPr sz="1600"/>
             </a:lvl9pPr>
           </a:lstStyle>
-          <a:p/>
+          <a:p>
+            <a:endParaRPr/>
+          </a:p>
         </p:txBody>
       </p:sp>
       <p:sp>
         <p:nvSpPr>
           <p:cNvPr id="37" name="Google Shape;37;p7"/>
-          <p:cNvSpPr txBox="1"/>
+          <p:cNvSpPr txBox="1">
+            <a:spLocks noGrp="1"/>
+          </p:cNvSpPr>
           <p:nvPr>
-            <p:ph idx="2" type="body"/>
+            <p:ph type="body" idx="2"/>
           </p:nvPr>
         </p:nvSpPr>
         <p:spPr>
@@ -8610,9 +8736,9 @@
           </a:prstGeom>
         </p:spPr>
         <p:txBody>
-          <a:bodyPr anchorCtr="0" anchor="t" bIns="0" lIns="0" spcFirstLastPara="1" rIns="0" wrap="square" tIns="0"/>
+          <a:bodyPr spcFirstLastPara="1" wrap="square" lIns="0" tIns="0" rIns="0" bIns="0" anchor="t" anchorCtr="0"/>
           <a:lstStyle>
-            <a:lvl1pPr indent="-330200" lvl="0" marL="457200">
+            <a:lvl1pPr marL="457200" lvl="0" indent="-330200">
               <a:spcBef>
                 <a:spcPts val="600"/>
               </a:spcBef>
@@ -8623,7 +8749,7 @@
               <a:buChar char="●"/>
               <a:defRPr sz="1600"/>
             </a:lvl1pPr>
-            <a:lvl2pPr indent="-330200" lvl="1" marL="914400">
+            <a:lvl2pPr marL="914400" lvl="1" indent="-330200">
               <a:spcBef>
                 <a:spcPts val="0"/>
               </a:spcBef>
@@ -8634,7 +8760,7 @@
               <a:buChar char="○"/>
               <a:defRPr sz="1600"/>
             </a:lvl2pPr>
-            <a:lvl3pPr indent="-330200" lvl="2" marL="1371600">
+            <a:lvl3pPr marL="1371600" lvl="2" indent="-330200">
               <a:spcBef>
                 <a:spcPts val="0"/>
               </a:spcBef>
@@ -8645,7 +8771,7 @@
               <a:buChar char="■"/>
               <a:defRPr sz="1600"/>
             </a:lvl3pPr>
-            <a:lvl4pPr indent="-330200" lvl="3" marL="1828800">
+            <a:lvl4pPr marL="1828800" lvl="3" indent="-330200">
               <a:spcBef>
                 <a:spcPts val="0"/>
               </a:spcBef>
@@ -8656,7 +8782,7 @@
               <a:buChar char="●"/>
               <a:defRPr sz="1600"/>
             </a:lvl4pPr>
-            <a:lvl5pPr indent="-330200" lvl="4" marL="2286000">
+            <a:lvl5pPr marL="2286000" lvl="4" indent="-330200">
               <a:spcBef>
                 <a:spcPts val="0"/>
               </a:spcBef>
@@ -8667,7 +8793,7 @@
               <a:buChar char="○"/>
               <a:defRPr sz="1600"/>
             </a:lvl5pPr>
-            <a:lvl6pPr indent="-330200" lvl="5" marL="2743200">
+            <a:lvl6pPr marL="2743200" lvl="5" indent="-330200">
               <a:spcBef>
                 <a:spcPts val="0"/>
               </a:spcBef>
@@ -8678,7 +8804,7 @@
               <a:buChar char="■"/>
               <a:defRPr sz="1600"/>
             </a:lvl6pPr>
-            <a:lvl7pPr indent="-330200" lvl="6" marL="3200400">
+            <a:lvl7pPr marL="3200400" lvl="6" indent="-330200">
               <a:spcBef>
                 <a:spcPts val="0"/>
               </a:spcBef>
@@ -8689,7 +8815,7 @@
               <a:buChar char="●"/>
               <a:defRPr sz="1600"/>
             </a:lvl7pPr>
-            <a:lvl8pPr indent="-330200" lvl="7" marL="3657600">
+            <a:lvl8pPr marL="3657600" lvl="7" indent="-330200">
               <a:spcBef>
                 <a:spcPts val="0"/>
               </a:spcBef>
@@ -8700,7 +8826,7 @@
               <a:buChar char="○"/>
               <a:defRPr sz="1600"/>
             </a:lvl8pPr>
-            <a:lvl9pPr indent="-330200" lvl="8" marL="4114800">
+            <a:lvl9pPr marL="4114800" lvl="8" indent="-330200">
               <a:spcBef>
                 <a:spcPts val="0"/>
               </a:spcBef>
@@ -8712,15 +8838,19 @@
               <a:defRPr sz="1600"/>
             </a:lvl9pPr>
           </a:lstStyle>
-          <a:p/>
+          <a:p>
+            <a:endParaRPr/>
+          </a:p>
         </p:txBody>
       </p:sp>
       <p:sp>
         <p:nvSpPr>
           <p:cNvPr id="38" name="Google Shape;38;p7"/>
-          <p:cNvSpPr txBox="1"/>
+          <p:cNvSpPr txBox="1">
+            <a:spLocks noGrp="1"/>
+          </p:cNvSpPr>
           <p:nvPr>
-            <p:ph idx="12" type="sldNum"/>
+            <p:ph type="sldNum" idx="12"/>
           </p:nvPr>
         </p:nvSpPr>
         <p:spPr>
@@ -8733,7 +8863,7 @@
           </a:prstGeom>
         </p:spPr>
         <p:txBody>
-          <a:bodyPr anchorCtr="0" anchor="ctr" bIns="0" lIns="0" spcFirstLastPara="1" rIns="0" wrap="square" tIns="0">
+          <a:bodyPr spcFirstLastPara="1" wrap="square" lIns="0" tIns="0" rIns="0" bIns="0" anchor="ctr" anchorCtr="0">
             <a:noAutofit/>
           </a:bodyPr>
           <a:lstStyle>
@@ -8775,7 +8905,7 @@
             </a:lvl9pPr>
           </a:lstStyle>
           <a:p>
-            <a:pPr indent="0" lvl="0" marL="0" rtl="0" algn="r">
+            <a:pPr marL="0" lvl="0" indent="0" algn="r" rtl="0">
               <a:spcBef>
                 <a:spcPts val="0"/>
               </a:spcBef>
@@ -8801,11 +8931,11 @@
 </file>
 
 <file path=ppt/slideLayouts/slideLayout7.xml><?xml version="1.0" encoding="utf-8"?>
-<p:sldLayout xmlns:a="http://schemas.openxmlformats.org/drawingml/2006/main" xmlns:r="http://schemas.openxmlformats.org/officeDocument/2006/relationships" xmlns:mc="http://schemas.openxmlformats.org/markup-compatibility/2006" xmlns:mv="urn:schemas-microsoft-com:mac:vml" xmlns:p="http://schemas.openxmlformats.org/presentationml/2006/main" xmlns:c="http://schemas.openxmlformats.org/drawingml/2006/chart" xmlns:dgm="http://schemas.openxmlformats.org/drawingml/2006/diagram" xmlns:o="urn:schemas-microsoft-com:office:office" xmlns:v="urn:schemas-microsoft-com:vml" xmlns:pvml="urn:schemas-microsoft-com:office:powerpoint" xmlns:com="http://schemas.openxmlformats.org/drawingml/2006/compatibility" xmlns:p14="http://schemas.microsoft.com/office/powerpoint/2010/main" xmlns:p15="http://schemas.microsoft.com/office/powerpoint/2012/main" matchingName="Title + 3 columns">
+<p:sldLayout xmlns:a="http://schemas.openxmlformats.org/drawingml/2006/main" xmlns:r="http://schemas.openxmlformats.org/officeDocument/2006/relationships" xmlns:p="http://schemas.openxmlformats.org/presentationml/2006/main" matchingName="Title + 3 columns">
   <p:cSld name="TITLE_AND_TWO_COLUMNS_1">
     <p:spTree>
       <p:nvGrpSpPr>
-        <p:cNvPr id="39" name="Shape 39"/>
+        <p:cNvPr id="1" name="Shape 39"/>
         <p:cNvGrpSpPr/>
         <p:nvPr/>
       </p:nvGrpSpPr>
@@ -8820,7 +8950,9 @@
       <p:sp>
         <p:nvSpPr>
           <p:cNvPr id="40" name="Google Shape;40;p8"/>
-          <p:cNvSpPr txBox="1"/>
+          <p:cNvSpPr txBox="1">
+            <a:spLocks noGrp="1"/>
+          </p:cNvSpPr>
           <p:nvPr>
             <p:ph type="title"/>
           </p:nvPr>
@@ -8835,7 +8967,7 @@
           </a:prstGeom>
         </p:spPr>
         <p:txBody>
-          <a:bodyPr anchorCtr="0" anchor="b" bIns="0" lIns="0" spcFirstLastPara="1" rIns="0" wrap="square" tIns="0"/>
+          <a:bodyPr spcFirstLastPara="1" wrap="square" lIns="0" tIns="0" rIns="0" bIns="0" anchor="b" anchorCtr="0"/>
           <a:lstStyle>
             <a:lvl1pPr lvl="0" rtl="0">
               <a:spcBef>
@@ -8937,15 +9069,19 @@
               <a:defRPr/>
             </a:lvl9pPr>
           </a:lstStyle>
-          <a:p/>
+          <a:p>
+            <a:endParaRPr/>
+          </a:p>
         </p:txBody>
       </p:sp>
       <p:sp>
         <p:nvSpPr>
           <p:cNvPr id="41" name="Google Shape;41;p8"/>
-          <p:cNvSpPr txBox="1"/>
+          <p:cNvSpPr txBox="1">
+            <a:spLocks noGrp="1"/>
+          </p:cNvSpPr>
           <p:nvPr>
-            <p:ph idx="1" type="body"/>
+            <p:ph type="body" idx="1"/>
           </p:nvPr>
         </p:nvSpPr>
         <p:spPr>
@@ -8958,9 +9094,9 @@
           </a:prstGeom>
         </p:spPr>
         <p:txBody>
-          <a:bodyPr anchorCtr="0" anchor="t" bIns="0" lIns="0" spcFirstLastPara="1" rIns="0" wrap="square" tIns="0"/>
+          <a:bodyPr spcFirstLastPara="1" wrap="square" lIns="0" tIns="0" rIns="0" bIns="0" anchor="t" anchorCtr="0"/>
           <a:lstStyle>
-            <a:lvl1pPr indent="-330200" lvl="0" marL="457200" rtl="0">
+            <a:lvl1pPr marL="457200" lvl="0" indent="-330200" rtl="0">
               <a:spcBef>
                 <a:spcPts val="600"/>
               </a:spcBef>
@@ -8971,7 +9107,7 @@
               <a:buChar char="●"/>
               <a:defRPr sz="1600"/>
             </a:lvl1pPr>
-            <a:lvl2pPr indent="-330200" lvl="1" marL="914400" rtl="0">
+            <a:lvl2pPr marL="914400" lvl="1" indent="-330200" rtl="0">
               <a:spcBef>
                 <a:spcPts val="0"/>
               </a:spcBef>
@@ -8982,7 +9118,7 @@
               <a:buChar char="○"/>
               <a:defRPr sz="1600"/>
             </a:lvl2pPr>
-            <a:lvl3pPr indent="-330200" lvl="2" marL="1371600" rtl="0">
+            <a:lvl3pPr marL="1371600" lvl="2" indent="-330200" rtl="0">
               <a:spcBef>
                 <a:spcPts val="0"/>
               </a:spcBef>
@@ -8993,7 +9129,7 @@
               <a:buChar char="■"/>
               <a:defRPr sz="1600"/>
             </a:lvl3pPr>
-            <a:lvl4pPr indent="-330200" lvl="3" marL="1828800" rtl="0">
+            <a:lvl4pPr marL="1828800" lvl="3" indent="-330200" rtl="0">
               <a:spcBef>
                 <a:spcPts val="0"/>
               </a:spcBef>
@@ -9004,7 +9140,7 @@
               <a:buChar char="●"/>
               <a:defRPr sz="1600"/>
             </a:lvl4pPr>
-            <a:lvl5pPr indent="-330200" lvl="4" marL="2286000" rtl="0">
+            <a:lvl5pPr marL="2286000" lvl="4" indent="-330200" rtl="0">
               <a:spcBef>
                 <a:spcPts val="0"/>
               </a:spcBef>
@@ -9015,7 +9151,7 @@
               <a:buChar char="○"/>
               <a:defRPr sz="1600"/>
             </a:lvl5pPr>
-            <a:lvl6pPr indent="-330200" lvl="5" marL="2743200" rtl="0">
+            <a:lvl6pPr marL="2743200" lvl="5" indent="-330200" rtl="0">
               <a:spcBef>
                 <a:spcPts val="0"/>
               </a:spcBef>
@@ -9026,7 +9162,7 @@
               <a:buChar char="■"/>
               <a:defRPr sz="1600"/>
             </a:lvl6pPr>
-            <a:lvl7pPr indent="-330200" lvl="6" marL="3200400" rtl="0">
+            <a:lvl7pPr marL="3200400" lvl="6" indent="-330200" rtl="0">
               <a:spcBef>
                 <a:spcPts val="0"/>
               </a:spcBef>
@@ -9037,7 +9173,7 @@
               <a:buChar char="●"/>
               <a:defRPr sz="1600"/>
             </a:lvl7pPr>
-            <a:lvl8pPr indent="-330200" lvl="7" marL="3657600" rtl="0">
+            <a:lvl8pPr marL="3657600" lvl="7" indent="-330200" rtl="0">
               <a:spcBef>
                 <a:spcPts val="0"/>
               </a:spcBef>
@@ -9048,7 +9184,7 @@
               <a:buChar char="○"/>
               <a:defRPr sz="1600"/>
             </a:lvl8pPr>
-            <a:lvl9pPr indent="-330200" lvl="8" marL="4114800" rtl="0">
+            <a:lvl9pPr marL="4114800" lvl="8" indent="-330200" rtl="0">
               <a:spcBef>
                 <a:spcPts val="0"/>
               </a:spcBef>
@@ -9060,15 +9196,19 @@
               <a:defRPr sz="1600"/>
             </a:lvl9pPr>
           </a:lstStyle>
-          <a:p/>
+          <a:p>
+            <a:endParaRPr/>
+          </a:p>
         </p:txBody>
       </p:sp>
       <p:sp>
         <p:nvSpPr>
           <p:cNvPr id="42" name="Google Shape;42;p8"/>
-          <p:cNvSpPr txBox="1"/>
+          <p:cNvSpPr txBox="1">
+            <a:spLocks noGrp="1"/>
+          </p:cNvSpPr>
           <p:nvPr>
-            <p:ph idx="2" type="body"/>
+            <p:ph type="body" idx="2"/>
           </p:nvPr>
         </p:nvSpPr>
         <p:spPr>
@@ -9081,9 +9221,9 @@
           </a:prstGeom>
         </p:spPr>
         <p:txBody>
-          <a:bodyPr anchorCtr="0" anchor="t" bIns="0" lIns="0" spcFirstLastPara="1" rIns="0" wrap="square" tIns="0"/>
+          <a:bodyPr spcFirstLastPara="1" wrap="square" lIns="0" tIns="0" rIns="0" bIns="0" anchor="t" anchorCtr="0"/>
           <a:lstStyle>
-            <a:lvl1pPr indent="-330200" lvl="0" marL="457200" rtl="0">
+            <a:lvl1pPr marL="457200" lvl="0" indent="-330200" rtl="0">
               <a:spcBef>
                 <a:spcPts val="600"/>
               </a:spcBef>
@@ -9094,7 +9234,7 @@
               <a:buChar char="●"/>
               <a:defRPr sz="1600"/>
             </a:lvl1pPr>
-            <a:lvl2pPr indent="-330200" lvl="1" marL="914400" rtl="0">
+            <a:lvl2pPr marL="914400" lvl="1" indent="-330200" rtl="0">
               <a:spcBef>
                 <a:spcPts val="0"/>
               </a:spcBef>
@@ -9105,7 +9245,7 @@
               <a:buChar char="○"/>
               <a:defRPr sz="1600"/>
             </a:lvl2pPr>
-            <a:lvl3pPr indent="-330200" lvl="2" marL="1371600" rtl="0">
+            <a:lvl3pPr marL="1371600" lvl="2" indent="-330200" rtl="0">
               <a:spcBef>
                 <a:spcPts val="0"/>
               </a:spcBef>
@@ -9116,7 +9256,7 @@
               <a:buChar char="■"/>
               <a:defRPr sz="1600"/>
             </a:lvl3pPr>
-            <a:lvl4pPr indent="-330200" lvl="3" marL="1828800" rtl="0">
+            <a:lvl4pPr marL="1828800" lvl="3" indent="-330200" rtl="0">
               <a:spcBef>
                 <a:spcPts val="0"/>
               </a:spcBef>
@@ -9127,7 +9267,7 @@
               <a:buChar char="●"/>
               <a:defRPr sz="1600"/>
             </a:lvl4pPr>
-            <a:lvl5pPr indent="-330200" lvl="4" marL="2286000" rtl="0">
+            <a:lvl5pPr marL="2286000" lvl="4" indent="-330200" rtl="0">
               <a:spcBef>
                 <a:spcPts val="0"/>
               </a:spcBef>
@@ -9138,7 +9278,7 @@
               <a:buChar char="○"/>
               <a:defRPr sz="1600"/>
             </a:lvl5pPr>
-            <a:lvl6pPr indent="-330200" lvl="5" marL="2743200" rtl="0">
+            <a:lvl6pPr marL="2743200" lvl="5" indent="-330200" rtl="0">
               <a:spcBef>
                 <a:spcPts val="0"/>
               </a:spcBef>
@@ -9149,7 +9289,7 @@
               <a:buChar char="■"/>
               <a:defRPr sz="1600"/>
             </a:lvl6pPr>
-            <a:lvl7pPr indent="-330200" lvl="6" marL="3200400" rtl="0">
+            <a:lvl7pPr marL="3200400" lvl="6" indent="-330200" rtl="0">
               <a:spcBef>
                 <a:spcPts val="0"/>
               </a:spcBef>
@@ -9160,7 +9300,7 @@
               <a:buChar char="●"/>
               <a:defRPr sz="1600"/>
             </a:lvl7pPr>
-            <a:lvl8pPr indent="-330200" lvl="7" marL="3657600" rtl="0">
+            <a:lvl8pPr marL="3657600" lvl="7" indent="-330200" rtl="0">
               <a:spcBef>
                 <a:spcPts val="0"/>
               </a:spcBef>
@@ -9171,7 +9311,7 @@
               <a:buChar char="○"/>
               <a:defRPr sz="1600"/>
             </a:lvl8pPr>
-            <a:lvl9pPr indent="-330200" lvl="8" marL="4114800" rtl="0">
+            <a:lvl9pPr marL="4114800" lvl="8" indent="-330200" rtl="0">
               <a:spcBef>
                 <a:spcPts val="0"/>
               </a:spcBef>
@@ -9183,15 +9323,19 @@
               <a:defRPr sz="1600"/>
             </a:lvl9pPr>
           </a:lstStyle>
-          <a:p/>
+          <a:p>
+            <a:endParaRPr/>
+          </a:p>
         </p:txBody>
       </p:sp>
       <p:sp>
         <p:nvSpPr>
           <p:cNvPr id="43" name="Google Shape;43;p8"/>
-          <p:cNvSpPr txBox="1"/>
+          <p:cNvSpPr txBox="1">
+            <a:spLocks noGrp="1"/>
+          </p:cNvSpPr>
           <p:nvPr>
-            <p:ph idx="3" type="body"/>
+            <p:ph type="body" idx="3"/>
           </p:nvPr>
         </p:nvSpPr>
         <p:spPr>
@@ -9204,9 +9348,9 @@
           </a:prstGeom>
         </p:spPr>
         <p:txBody>
-          <a:bodyPr anchorCtr="0" anchor="t" bIns="0" lIns="0" spcFirstLastPara="1" rIns="0" wrap="square" tIns="0"/>
+          <a:bodyPr spcFirstLastPara="1" wrap="square" lIns="0" tIns="0" rIns="0" bIns="0" anchor="t" anchorCtr="0"/>
           <a:lstStyle>
-            <a:lvl1pPr indent="-330200" lvl="0" marL="457200" rtl="0">
+            <a:lvl1pPr marL="457200" lvl="0" indent="-330200" rtl="0">
               <a:spcBef>
                 <a:spcPts val="600"/>
               </a:spcBef>
@@ -9217,7 +9361,7 @@
               <a:buChar char="●"/>
               <a:defRPr sz="1600"/>
             </a:lvl1pPr>
-            <a:lvl2pPr indent="-330200" lvl="1" marL="914400" rtl="0">
+            <a:lvl2pPr marL="914400" lvl="1" indent="-330200" rtl="0">
               <a:spcBef>
                 <a:spcPts val="0"/>
               </a:spcBef>
@@ -9228,7 +9372,7 @@
               <a:buChar char="○"/>
               <a:defRPr sz="1600"/>
             </a:lvl2pPr>
-            <a:lvl3pPr indent="-330200" lvl="2" marL="1371600" rtl="0">
+            <a:lvl3pPr marL="1371600" lvl="2" indent="-330200" rtl="0">
               <a:spcBef>
                 <a:spcPts val="0"/>
               </a:spcBef>
@@ -9239,7 +9383,7 @@
               <a:buChar char="■"/>
               <a:defRPr sz="1600"/>
             </a:lvl3pPr>
-            <a:lvl4pPr indent="-330200" lvl="3" marL="1828800" rtl="0">
+            <a:lvl4pPr marL="1828800" lvl="3" indent="-330200" rtl="0">
               <a:spcBef>
                 <a:spcPts val="0"/>
               </a:spcBef>
@@ -9250,7 +9394,7 @@
               <a:buChar char="●"/>
               <a:defRPr sz="1600"/>
             </a:lvl4pPr>
-            <a:lvl5pPr indent="-330200" lvl="4" marL="2286000" rtl="0">
+            <a:lvl5pPr marL="2286000" lvl="4" indent="-330200" rtl="0">
               <a:spcBef>
                 <a:spcPts val="0"/>
               </a:spcBef>
@@ -9261,7 +9405,7 @@
               <a:buChar char="○"/>
               <a:defRPr sz="1600"/>
             </a:lvl5pPr>
-            <a:lvl6pPr indent="-330200" lvl="5" marL="2743200" rtl="0">
+            <a:lvl6pPr marL="2743200" lvl="5" indent="-330200" rtl="0">
               <a:spcBef>
                 <a:spcPts val="0"/>
               </a:spcBef>
@@ -9272,7 +9416,7 @@
               <a:buChar char="■"/>
               <a:defRPr sz="1600"/>
             </a:lvl6pPr>
-            <a:lvl7pPr indent="-330200" lvl="6" marL="3200400" rtl="0">
+            <a:lvl7pPr marL="3200400" lvl="6" indent="-330200" rtl="0">
               <a:spcBef>
                 <a:spcPts val="0"/>
               </a:spcBef>
@@ -9283,7 +9427,7 @@
               <a:buChar char="●"/>
               <a:defRPr sz="1600"/>
             </a:lvl7pPr>
-            <a:lvl8pPr indent="-330200" lvl="7" marL="3657600" rtl="0">
+            <a:lvl8pPr marL="3657600" lvl="7" indent="-330200" rtl="0">
               <a:spcBef>
                 <a:spcPts val="0"/>
               </a:spcBef>
@@ -9294,7 +9438,7 @@
               <a:buChar char="○"/>
               <a:defRPr sz="1600"/>
             </a:lvl8pPr>
-            <a:lvl9pPr indent="-330200" lvl="8" marL="4114800" rtl="0">
+            <a:lvl9pPr marL="4114800" lvl="8" indent="-330200" rtl="0">
               <a:spcBef>
                 <a:spcPts val="0"/>
               </a:spcBef>
@@ -9306,15 +9450,19 @@
               <a:defRPr sz="1600"/>
             </a:lvl9pPr>
           </a:lstStyle>
-          <a:p/>
+          <a:p>
+            <a:endParaRPr/>
+          </a:p>
         </p:txBody>
       </p:sp>
       <p:sp>
         <p:nvSpPr>
           <p:cNvPr id="44" name="Google Shape;44;p8"/>
-          <p:cNvSpPr txBox="1"/>
+          <p:cNvSpPr txBox="1">
+            <a:spLocks noGrp="1"/>
+          </p:cNvSpPr>
           <p:nvPr>
-            <p:ph idx="12" type="sldNum"/>
+            <p:ph type="sldNum" idx="12"/>
           </p:nvPr>
         </p:nvSpPr>
         <p:spPr>
@@ -9327,7 +9475,7 @@
           </a:prstGeom>
         </p:spPr>
         <p:txBody>
-          <a:bodyPr anchorCtr="0" anchor="ctr" bIns="0" lIns="0" spcFirstLastPara="1" rIns="0" wrap="square" tIns="0">
+          <a:bodyPr spcFirstLastPara="1" wrap="square" lIns="0" tIns="0" rIns="0" bIns="0" anchor="ctr" anchorCtr="0">
             <a:noAutofit/>
           </a:bodyPr>
           <a:lstStyle>
@@ -9369,7 +9517,7 @@
             </a:lvl9pPr>
           </a:lstStyle>
           <a:p>
-            <a:pPr indent="0" lvl="0" marL="0" rtl="0" algn="r">
+            <a:pPr marL="0" lvl="0" indent="0" algn="r" rtl="0">
               <a:spcBef>
                 <a:spcPts val="0"/>
               </a:spcBef>
@@ -9395,11 +9543,11 @@
 </file>
 
 <file path=ppt/slideLayouts/slideLayout8.xml><?xml version="1.0" encoding="utf-8"?>
-<p:sldLayout xmlns:a="http://schemas.openxmlformats.org/drawingml/2006/main" xmlns:r="http://schemas.openxmlformats.org/officeDocument/2006/relationships" xmlns:mc="http://schemas.openxmlformats.org/markup-compatibility/2006" xmlns:mv="urn:schemas-microsoft-com:mac:vml" xmlns:p="http://schemas.openxmlformats.org/presentationml/2006/main" xmlns:c="http://schemas.openxmlformats.org/drawingml/2006/chart" xmlns:dgm="http://schemas.openxmlformats.org/drawingml/2006/diagram" xmlns:o="urn:schemas-microsoft-com:office:office" xmlns:v="urn:schemas-microsoft-com:vml" xmlns:pvml="urn:schemas-microsoft-com:office:powerpoint" xmlns:com="http://schemas.openxmlformats.org/drawingml/2006/compatibility" xmlns:p14="http://schemas.microsoft.com/office/powerpoint/2010/main" xmlns:p15="http://schemas.microsoft.com/office/powerpoint/2012/main" matchingName="Title only" type="titleOnly">
+<p:sldLayout xmlns:a="http://schemas.openxmlformats.org/drawingml/2006/main" xmlns:r="http://schemas.openxmlformats.org/officeDocument/2006/relationships" xmlns:p="http://schemas.openxmlformats.org/presentationml/2006/main" matchingName="Title only" type="titleOnly">
   <p:cSld name="TITLE_ONLY">
     <p:spTree>
       <p:nvGrpSpPr>
-        <p:cNvPr id="45" name="Shape 45"/>
+        <p:cNvPr id="1" name="Shape 45"/>
         <p:cNvGrpSpPr/>
         <p:nvPr/>
       </p:nvGrpSpPr>
@@ -9442,7 +9590,9 @@
       <p:sp>
         <p:nvSpPr>
           <p:cNvPr id="47" name="Google Shape;47;p9"/>
-          <p:cNvSpPr txBox="1"/>
+          <p:cNvSpPr txBox="1">
+            <a:spLocks noGrp="1"/>
+          </p:cNvSpPr>
           <p:nvPr>
             <p:ph type="title"/>
           </p:nvPr>
@@ -9457,7 +9607,7 @@
           </a:prstGeom>
         </p:spPr>
         <p:txBody>
-          <a:bodyPr anchorCtr="0" anchor="b" bIns="0" lIns="0" spcFirstLastPara="1" rIns="0" wrap="square" tIns="0"/>
+          <a:bodyPr spcFirstLastPara="1" wrap="square" lIns="0" tIns="0" rIns="0" bIns="0" anchor="b" anchorCtr="0"/>
           <a:lstStyle>
             <a:lvl1pPr lvl="0">
               <a:spcBef>
@@ -9559,15 +9709,19 @@
               <a:defRPr/>
             </a:lvl9pPr>
           </a:lstStyle>
-          <a:p/>
+          <a:p>
+            <a:endParaRPr/>
+          </a:p>
         </p:txBody>
       </p:sp>
       <p:sp>
         <p:nvSpPr>
           <p:cNvPr id="48" name="Google Shape;48;p9"/>
-          <p:cNvSpPr txBox="1"/>
+          <p:cNvSpPr txBox="1">
+            <a:spLocks noGrp="1"/>
+          </p:cNvSpPr>
           <p:nvPr>
-            <p:ph idx="12" type="sldNum"/>
+            <p:ph type="sldNum" idx="12"/>
           </p:nvPr>
         </p:nvSpPr>
         <p:spPr>
@@ -9580,7 +9734,7 @@
           </a:prstGeom>
         </p:spPr>
         <p:txBody>
-          <a:bodyPr anchorCtr="0" anchor="ctr" bIns="0" lIns="0" spcFirstLastPara="1" rIns="0" wrap="square" tIns="0">
+          <a:bodyPr spcFirstLastPara="1" wrap="square" lIns="0" tIns="0" rIns="0" bIns="0" anchor="ctr" anchorCtr="0">
             <a:noAutofit/>
           </a:bodyPr>
           <a:lstStyle>
@@ -9622,7 +9776,7 @@
             </a:lvl9pPr>
           </a:lstStyle>
           <a:p>
-            <a:pPr indent="0" lvl="0" marL="0" rtl="0" algn="r">
+            <a:pPr marL="0" lvl="0" indent="0" algn="r" rtl="0">
               <a:spcBef>
                 <a:spcPts val="0"/>
               </a:spcBef>
@@ -9648,11 +9802,11 @@
 </file>
 
 <file path=ppt/slideLayouts/slideLayout9.xml><?xml version="1.0" encoding="utf-8"?>
-<p:sldLayout xmlns:a="http://schemas.openxmlformats.org/drawingml/2006/main" xmlns:r="http://schemas.openxmlformats.org/officeDocument/2006/relationships" xmlns:mc="http://schemas.openxmlformats.org/markup-compatibility/2006" xmlns:mv="urn:schemas-microsoft-com:mac:vml" xmlns:p="http://schemas.openxmlformats.org/presentationml/2006/main" xmlns:c="http://schemas.openxmlformats.org/drawingml/2006/chart" xmlns:dgm="http://schemas.openxmlformats.org/drawingml/2006/diagram" xmlns:o="urn:schemas-microsoft-com:office:office" xmlns:v="urn:schemas-microsoft-com:vml" xmlns:pvml="urn:schemas-microsoft-com:office:powerpoint" xmlns:com="http://schemas.openxmlformats.org/drawingml/2006/compatibility" xmlns:p14="http://schemas.microsoft.com/office/powerpoint/2010/main" xmlns:p15="http://schemas.microsoft.com/office/powerpoint/2012/main" matchingName="Title only no illustration">
+<p:sldLayout xmlns:a="http://schemas.openxmlformats.org/drawingml/2006/main" xmlns:r="http://schemas.openxmlformats.org/officeDocument/2006/relationships" xmlns:p="http://schemas.openxmlformats.org/presentationml/2006/main" matchingName="Title only no illustration">
   <p:cSld name="TITLE_ONLY_1">
     <p:spTree>
       <p:nvGrpSpPr>
-        <p:cNvPr id="49" name="Shape 49"/>
+        <p:cNvPr id="1" name="Shape 49"/>
         <p:cNvGrpSpPr/>
         <p:nvPr/>
       </p:nvGrpSpPr>
@@ -9667,7 +9821,9 @@
       <p:sp>
         <p:nvSpPr>
           <p:cNvPr id="50" name="Google Shape;50;p10"/>
-          <p:cNvSpPr txBox="1"/>
+          <p:cNvSpPr txBox="1">
+            <a:spLocks noGrp="1"/>
+          </p:cNvSpPr>
           <p:nvPr>
             <p:ph type="title"/>
           </p:nvPr>
@@ -9682,7 +9838,7 @@
           </a:prstGeom>
         </p:spPr>
         <p:txBody>
-          <a:bodyPr anchorCtr="0" anchor="b" bIns="0" lIns="0" spcFirstLastPara="1" rIns="0" wrap="square" tIns="0"/>
+          <a:bodyPr spcFirstLastPara="1" wrap="square" lIns="0" tIns="0" rIns="0" bIns="0" anchor="b" anchorCtr="0"/>
           <a:lstStyle>
             <a:lvl1pPr lvl="0" rtl="0">
               <a:spcBef>
@@ -9784,15 +9940,19 @@
               <a:defRPr/>
             </a:lvl9pPr>
           </a:lstStyle>
-          <a:p/>
+          <a:p>
+            <a:endParaRPr/>
+          </a:p>
         </p:txBody>
       </p:sp>
       <p:sp>
         <p:nvSpPr>
           <p:cNvPr id="51" name="Google Shape;51;p10"/>
-          <p:cNvSpPr txBox="1"/>
+          <p:cNvSpPr txBox="1">
+            <a:spLocks noGrp="1"/>
+          </p:cNvSpPr>
           <p:nvPr>
-            <p:ph idx="12" type="sldNum"/>
+            <p:ph type="sldNum" idx="12"/>
           </p:nvPr>
         </p:nvSpPr>
         <p:spPr>
@@ -9805,7 +9965,7 @@
           </a:prstGeom>
         </p:spPr>
         <p:txBody>
-          <a:bodyPr anchorCtr="0" anchor="ctr" bIns="0" lIns="0" spcFirstLastPara="1" rIns="0" wrap="square" tIns="0">
+          <a:bodyPr spcFirstLastPara="1" wrap="square" lIns="0" tIns="0" rIns="0" bIns="0" anchor="ctr" anchorCtr="0">
             <a:noAutofit/>
           </a:bodyPr>
           <a:lstStyle>
@@ -9847,7 +10007,7 @@
             </a:lvl9pPr>
           </a:lstStyle>
           <a:p>
-            <a:pPr indent="0" lvl="0" marL="0" rtl="0" algn="r">
+            <a:pPr marL="0" lvl="0" indent="0" algn="r" rtl="0">
               <a:spcBef>
                 <a:spcPts val="0"/>
               </a:spcBef>
@@ -9873,18 +10033,19 @@
 </file>
 
 <file path=ppt/slideMasters/slideMaster1.xml><?xml version="1.0" encoding="utf-8"?>
-<p:sldMaster xmlns:a="http://schemas.openxmlformats.org/drawingml/2006/main" xmlns:r="http://schemas.openxmlformats.org/officeDocument/2006/relationships" xmlns:mc="http://schemas.openxmlformats.org/markup-compatibility/2006" xmlns:mv="urn:schemas-microsoft-com:mac:vml" xmlns:p="http://schemas.openxmlformats.org/presentationml/2006/main" xmlns:c="http://schemas.openxmlformats.org/drawingml/2006/chart" xmlns:dgm="http://schemas.openxmlformats.org/drawingml/2006/diagram" xmlns:o="urn:schemas-microsoft-com:office:office" xmlns:v="urn:schemas-microsoft-com:vml" xmlns:pvml="urn:schemas-microsoft-com:office:powerpoint" xmlns:com="http://schemas.openxmlformats.org/drawingml/2006/compatibility" xmlns:p14="http://schemas.microsoft.com/office/powerpoint/2010/main" xmlns:p15="http://schemas.microsoft.com/office/powerpoint/2012/main">
+<p:sldMaster xmlns:a="http://schemas.openxmlformats.org/drawingml/2006/main" xmlns:r="http://schemas.openxmlformats.org/officeDocument/2006/relationships" xmlns:p="http://schemas.openxmlformats.org/presentationml/2006/main">
   <p:cSld name="simple-light">
     <p:bg>
       <p:bgPr>
         <a:solidFill>
           <a:srgbClr val="FFFFFF"/>
         </a:solidFill>
+        <a:effectLst/>
       </p:bgPr>
     </p:bg>
     <p:spTree>
       <p:nvGrpSpPr>
-        <p:cNvPr id="5" name="Shape 5"/>
+        <p:cNvPr id="1" name="Shape 5"/>
         <p:cNvGrpSpPr/>
         <p:nvPr/>
       </p:nvGrpSpPr>
@@ -9899,7 +10060,9 @@
       <p:sp>
         <p:nvSpPr>
           <p:cNvPr id="6" name="Google Shape;6;p1"/>
-          <p:cNvSpPr txBox="1"/>
+          <p:cNvSpPr txBox="1">
+            <a:spLocks noGrp="1"/>
+          </p:cNvSpPr>
           <p:nvPr>
             <p:ph type="title"/>
           </p:nvPr>
@@ -9918,7 +10081,7 @@
           </a:ln>
         </p:spPr>
         <p:txBody>
-          <a:bodyPr anchorCtr="0" anchor="b" bIns="0" lIns="0" spcFirstLastPara="1" rIns="0" wrap="square" tIns="0"/>
+          <a:bodyPr spcFirstLastPara="1" wrap="square" lIns="0" tIns="0" rIns="0" bIns="0" anchor="b" anchorCtr="0"/>
           <a:lstStyle>
             <a:lvl1pPr lvl="0">
               <a:spcBef>
@@ -9933,7 +10096,7 @@
               <a:buSzPts val="4800"/>
               <a:buFont typeface="Poppins"/>
               <a:buNone/>
-              <a:defRPr b="1" sz="4800">
+              <a:defRPr sz="4800" b="1">
                 <a:solidFill>
                   <a:srgbClr val="A7D86D"/>
                 </a:solidFill>
@@ -9956,7 +10119,7 @@
               <a:buSzPts val="4800"/>
               <a:buFont typeface="Poppins"/>
               <a:buNone/>
-              <a:defRPr b="1" sz="4800">
+              <a:defRPr sz="4800" b="1">
                 <a:solidFill>
                   <a:srgbClr val="A7D86D"/>
                 </a:solidFill>
@@ -9979,7 +10142,7 @@
               <a:buSzPts val="4800"/>
               <a:buFont typeface="Poppins"/>
               <a:buNone/>
-              <a:defRPr b="1" sz="4800">
+              <a:defRPr sz="4800" b="1">
                 <a:solidFill>
                   <a:srgbClr val="A7D86D"/>
                 </a:solidFill>
@@ -10002,7 +10165,7 @@
               <a:buSzPts val="4800"/>
               <a:buFont typeface="Poppins"/>
               <a:buNone/>
-              <a:defRPr b="1" sz="4800">
+              <a:defRPr sz="4800" b="1">
                 <a:solidFill>
                   <a:srgbClr val="A7D86D"/>
                 </a:solidFill>
@@ -10025,7 +10188,7 @@
               <a:buSzPts val="4800"/>
               <a:buFont typeface="Poppins"/>
               <a:buNone/>
-              <a:defRPr b="1" sz="4800">
+              <a:defRPr sz="4800" b="1">
                 <a:solidFill>
                   <a:srgbClr val="A7D86D"/>
                 </a:solidFill>
@@ -10048,7 +10211,7 @@
               <a:buSzPts val="4800"/>
               <a:buFont typeface="Poppins"/>
               <a:buNone/>
-              <a:defRPr b="1" sz="4800">
+              <a:defRPr sz="4800" b="1">
                 <a:solidFill>
                   <a:srgbClr val="A7D86D"/>
                 </a:solidFill>
@@ -10071,7 +10234,7 @@
               <a:buSzPts val="4800"/>
               <a:buFont typeface="Poppins"/>
               <a:buNone/>
-              <a:defRPr b="1" sz="4800">
+              <a:defRPr sz="4800" b="1">
                 <a:solidFill>
                   <a:srgbClr val="A7D86D"/>
                 </a:solidFill>
@@ -10094,7 +10257,7 @@
               <a:buSzPts val="4800"/>
               <a:buFont typeface="Poppins"/>
               <a:buNone/>
-              <a:defRPr b="1" sz="4800">
+              <a:defRPr sz="4800" b="1">
                 <a:solidFill>
                   <a:srgbClr val="A7D86D"/>
                 </a:solidFill>
@@ -10117,7 +10280,7 @@
               <a:buSzPts val="4800"/>
               <a:buFont typeface="Poppins"/>
               <a:buNone/>
-              <a:defRPr b="1" sz="4800">
+              <a:defRPr sz="4800" b="1">
                 <a:solidFill>
                   <a:srgbClr val="A7D86D"/>
                 </a:solidFill>
@@ -10128,15 +10291,19 @@
               </a:defRPr>
             </a:lvl9pPr>
           </a:lstStyle>
-          <a:p/>
+          <a:p>
+            <a:endParaRPr/>
+          </a:p>
         </p:txBody>
       </p:sp>
       <p:sp>
         <p:nvSpPr>
           <p:cNvPr id="7" name="Google Shape;7;p1"/>
-          <p:cNvSpPr txBox="1"/>
+          <p:cNvSpPr txBox="1">
+            <a:spLocks noGrp="1"/>
+          </p:cNvSpPr>
           <p:nvPr>
-            <p:ph idx="1" type="body"/>
+            <p:ph type="body" idx="1"/>
           </p:nvPr>
         </p:nvSpPr>
         <p:spPr>
@@ -10153,9 +10320,9 @@
           </a:ln>
         </p:spPr>
         <p:txBody>
-          <a:bodyPr anchorCtr="0" anchor="t" bIns="0" lIns="0" spcFirstLastPara="1" rIns="0" wrap="square" tIns="0"/>
+          <a:bodyPr spcFirstLastPara="1" wrap="square" lIns="0" tIns="0" rIns="0" bIns="0" anchor="t" anchorCtr="0"/>
           <a:lstStyle>
-            <a:lvl1pPr indent="-368300" lvl="0" marL="457200">
+            <a:lvl1pPr marL="457200" lvl="0" indent="-368300">
               <a:lnSpc>
                 <a:spcPct val="115000"/>
               </a:lnSpc>
@@ -10181,7 +10348,7 @@
                 <a:sym typeface="Muli Light"/>
               </a:defRPr>
             </a:lvl1pPr>
-            <a:lvl2pPr indent="-368300" lvl="1" marL="914400">
+            <a:lvl2pPr marL="914400" lvl="1" indent="-368300">
               <a:lnSpc>
                 <a:spcPct val="115000"/>
               </a:lnSpc>
@@ -10207,7 +10374,7 @@
                 <a:sym typeface="Muli Light"/>
               </a:defRPr>
             </a:lvl2pPr>
-            <a:lvl3pPr indent="-368300" lvl="2" marL="1371600">
+            <a:lvl3pPr marL="1371600" lvl="2" indent="-368300">
               <a:lnSpc>
                 <a:spcPct val="115000"/>
               </a:lnSpc>
@@ -10233,7 +10400,7 @@
                 <a:sym typeface="Muli Light"/>
               </a:defRPr>
             </a:lvl3pPr>
-            <a:lvl4pPr indent="-368300" lvl="3" marL="1828800">
+            <a:lvl4pPr marL="1828800" lvl="3" indent="-368300">
               <a:lnSpc>
                 <a:spcPct val="115000"/>
               </a:lnSpc>
@@ -10259,7 +10426,7 @@
                 <a:sym typeface="Muli Light"/>
               </a:defRPr>
             </a:lvl4pPr>
-            <a:lvl5pPr indent="-368300" lvl="4" marL="2286000">
+            <a:lvl5pPr marL="2286000" lvl="4" indent="-368300">
               <a:lnSpc>
                 <a:spcPct val="115000"/>
               </a:lnSpc>
@@ -10285,7 +10452,7 @@
                 <a:sym typeface="Muli Light"/>
               </a:defRPr>
             </a:lvl5pPr>
-            <a:lvl6pPr indent="-368300" lvl="5" marL="2743200">
+            <a:lvl6pPr marL="2743200" lvl="5" indent="-368300">
               <a:lnSpc>
                 <a:spcPct val="115000"/>
               </a:lnSpc>
@@ -10311,7 +10478,7 @@
                 <a:sym typeface="Muli Light"/>
               </a:defRPr>
             </a:lvl6pPr>
-            <a:lvl7pPr indent="-368300" lvl="6" marL="3200400">
+            <a:lvl7pPr marL="3200400" lvl="6" indent="-368300">
               <a:lnSpc>
                 <a:spcPct val="115000"/>
               </a:lnSpc>
@@ -10337,7 +10504,7 @@
                 <a:sym typeface="Muli Light"/>
               </a:defRPr>
             </a:lvl7pPr>
-            <a:lvl8pPr indent="-368300" lvl="7" marL="3657600">
+            <a:lvl8pPr marL="3657600" lvl="7" indent="-368300">
               <a:lnSpc>
                 <a:spcPct val="115000"/>
               </a:lnSpc>
@@ -10363,7 +10530,7 @@
                 <a:sym typeface="Muli Light"/>
               </a:defRPr>
             </a:lvl8pPr>
-            <a:lvl9pPr indent="-368300" lvl="8" marL="4114800">
+            <a:lvl9pPr marL="4114800" lvl="8" indent="-368300">
               <a:lnSpc>
                 <a:spcPct val="115000"/>
               </a:lnSpc>
@@ -10390,15 +10557,19 @@
               </a:defRPr>
             </a:lvl9pPr>
           </a:lstStyle>
-          <a:p/>
+          <a:p>
+            <a:endParaRPr/>
+          </a:p>
         </p:txBody>
       </p:sp>
       <p:sp>
         <p:nvSpPr>
           <p:cNvPr id="8" name="Google Shape;8;p1"/>
-          <p:cNvSpPr txBox="1"/>
+          <p:cNvSpPr txBox="1">
+            <a:spLocks noGrp="1"/>
+          </p:cNvSpPr>
           <p:nvPr>
-            <p:ph idx="12" type="sldNum"/>
+            <p:ph type="sldNum" idx="12"/>
           </p:nvPr>
         </p:nvSpPr>
         <p:spPr>
@@ -10415,7 +10586,7 @@
           </a:ln>
         </p:spPr>
         <p:txBody>
-          <a:bodyPr anchorCtr="0" anchor="ctr" bIns="0" lIns="0" spcFirstLastPara="1" rIns="0" wrap="square" tIns="0">
+          <a:bodyPr spcFirstLastPara="1" wrap="square" lIns="0" tIns="0" rIns="0" bIns="0" anchor="ctr" anchorCtr="0">
             <a:noAutofit/>
           </a:bodyPr>
           <a:lstStyle>
@@ -10529,7 +10700,7 @@
             </a:lvl9pPr>
           </a:lstStyle>
           <a:p>
-            <a:pPr indent="0" lvl="0" marL="0" rtl="0" algn="r">
+            <a:pPr marL="0" lvl="0" indent="0" algn="r" rtl="0">
               <a:spcBef>
                 <a:spcPts val="0"/>
               </a:spcBef>
@@ -10548,7 +10719,7 @@
       </p:sp>
     </p:spTree>
   </p:cSld>
-  <p:clrMap accent1="accent1" accent2="accent2" accent3="accent3" accent4="accent4" accent5="accent5" accent6="accent6" bg1="lt1" bg2="dk2" tx1="dk1" tx2="lt2" folHlink="folHlink" hlink="hlink"/>
+  <p:clrMap bg1="lt1" tx1="dk1" bg2="dk2" tx2="lt2" accent1="accent1" accent2="accent2" accent3="accent3" accent4="accent4" accent5="accent5" accent6="accent6" hlink="hlink" folHlink="folHlink"/>
   <p:sldLayoutIdLst>
     <p:sldLayoutId id="2147483648" r:id="rId1"/>
     <p:sldLayoutId id="2147483649" r:id="rId2"/>
@@ -10568,10 +10739,10 @@
   <p:transition>
     <p:fade thruBlk="1"/>
   </p:transition>
-  <p:hf dt="0" ftr="0" hdr="0" sldNum="0"/>
+  <p:hf sldNum="0" hdr="0" ftr="0" dt="0"/>
   <p:txStyles>
     <p:titleStyle>
-      <a:defPPr lvl="0" marR="0" rtl="0" algn="l">
+      <a:defPPr marR="0" lvl="0" algn="l" rtl="0">
         <a:lnSpc>
           <a:spcPct val="100000"/>
         </a:lnSpc>
@@ -10582,7 +10753,7 @@
           <a:spcPts val="0"/>
         </a:spcAft>
       </a:defPPr>
-      <a:lvl1pPr lvl="0" marR="0" rtl="0" algn="l">
+      <a:lvl1pPr marR="0" lvl="0" algn="l" rtl="0">
         <a:lnSpc>
           <a:spcPct val="100000"/>
         </a:lnSpc>
@@ -10596,7 +10767,7 @@
           <a:srgbClr val="000000"/>
         </a:buClr>
         <a:buFont typeface="Arial"/>
-        <a:defRPr b="0" i="0" sz="1400" u="none" cap="none" strike="noStrike">
+        <a:defRPr sz="1400" b="0" i="0" u="none" strike="noStrike" cap="none">
           <a:solidFill>
             <a:srgbClr val="000000"/>
           </a:solidFill>
@@ -10606,7 +10777,7 @@
           <a:sym typeface="Arial"/>
         </a:defRPr>
       </a:lvl1pPr>
-      <a:lvl2pPr lvl="1" marR="0" rtl="0" algn="l">
+      <a:lvl2pPr marR="0" lvl="1" algn="l" rtl="0">
         <a:lnSpc>
           <a:spcPct val="100000"/>
         </a:lnSpc>
@@ -10620,7 +10791,7 @@
           <a:srgbClr val="000000"/>
         </a:buClr>
         <a:buFont typeface="Arial"/>
-        <a:defRPr b="0" i="0" sz="1400" u="none" cap="none" strike="noStrike">
+        <a:defRPr sz="1400" b="0" i="0" u="none" strike="noStrike" cap="none">
           <a:solidFill>
             <a:srgbClr val="000000"/>
           </a:solidFill>
@@ -10630,7 +10801,7 @@
           <a:sym typeface="Arial"/>
         </a:defRPr>
       </a:lvl2pPr>
-      <a:lvl3pPr lvl="2" marR="0" rtl="0" algn="l">
+      <a:lvl3pPr marR="0" lvl="2" algn="l" rtl="0">
         <a:lnSpc>
           <a:spcPct val="100000"/>
         </a:lnSpc>
@@ -10644,7 +10815,7 @@
           <a:srgbClr val="000000"/>
         </a:buClr>
         <a:buFont typeface="Arial"/>
-        <a:defRPr b="0" i="0" sz="1400" u="none" cap="none" strike="noStrike">
+        <a:defRPr sz="1400" b="0" i="0" u="none" strike="noStrike" cap="none">
           <a:solidFill>
             <a:srgbClr val="000000"/>
           </a:solidFill>
@@ -10654,7 +10825,7 @@
           <a:sym typeface="Arial"/>
         </a:defRPr>
       </a:lvl3pPr>
-      <a:lvl4pPr lvl="3" marR="0" rtl="0" algn="l">
+      <a:lvl4pPr marR="0" lvl="3" algn="l" rtl="0">
         <a:lnSpc>
           <a:spcPct val="100000"/>
         </a:lnSpc>
@@ -10668,7 +10839,7 @@
           <a:srgbClr val="000000"/>
         </a:buClr>
         <a:buFont typeface="Arial"/>
-        <a:defRPr b="0" i="0" sz="1400" u="none" cap="none" strike="noStrike">
+        <a:defRPr sz="1400" b="0" i="0" u="none" strike="noStrike" cap="none">
           <a:solidFill>
             <a:srgbClr val="000000"/>
           </a:solidFill>
@@ -10678,7 +10849,7 @@
           <a:sym typeface="Arial"/>
         </a:defRPr>
       </a:lvl4pPr>
-      <a:lvl5pPr lvl="4" marR="0" rtl="0" algn="l">
+      <a:lvl5pPr marR="0" lvl="4" algn="l" rtl="0">
         <a:lnSpc>
           <a:spcPct val="100000"/>
         </a:lnSpc>
@@ -10692,7 +10863,7 @@
           <a:srgbClr val="000000"/>
         </a:buClr>
         <a:buFont typeface="Arial"/>
-        <a:defRPr b="0" i="0" sz="1400" u="none" cap="none" strike="noStrike">
+        <a:defRPr sz="1400" b="0" i="0" u="none" strike="noStrike" cap="none">
           <a:solidFill>
             <a:srgbClr val="000000"/>
           </a:solidFill>
@@ -10702,7 +10873,7 @@
           <a:sym typeface="Arial"/>
         </a:defRPr>
       </a:lvl5pPr>
-      <a:lvl6pPr lvl="5" marR="0" rtl="0" algn="l">
+      <a:lvl6pPr marR="0" lvl="5" algn="l" rtl="0">
         <a:lnSpc>
           <a:spcPct val="100000"/>
         </a:lnSpc>
@@ -10716,7 +10887,7 @@
           <a:srgbClr val="000000"/>
         </a:buClr>
         <a:buFont typeface="Arial"/>
-        <a:defRPr b="0" i="0" sz="1400" u="none" cap="none" strike="noStrike">
+        <a:defRPr sz="1400" b="0" i="0" u="none" strike="noStrike" cap="none">
           <a:solidFill>
             <a:srgbClr val="000000"/>
           </a:solidFill>
@@ -10726,7 +10897,7 @@
           <a:sym typeface="Arial"/>
         </a:defRPr>
       </a:lvl6pPr>
-      <a:lvl7pPr lvl="6" marR="0" rtl="0" algn="l">
+      <a:lvl7pPr marR="0" lvl="6" algn="l" rtl="0">
         <a:lnSpc>
           <a:spcPct val="100000"/>
         </a:lnSpc>
@@ -10740,7 +10911,7 @@
           <a:srgbClr val="000000"/>
         </a:buClr>
         <a:buFont typeface="Arial"/>
-        <a:defRPr b="0" i="0" sz="1400" u="none" cap="none" strike="noStrike">
+        <a:defRPr sz="1400" b="0" i="0" u="none" strike="noStrike" cap="none">
           <a:solidFill>
             <a:srgbClr val="000000"/>
           </a:solidFill>
@@ -10750,7 +10921,7 @@
           <a:sym typeface="Arial"/>
         </a:defRPr>
       </a:lvl7pPr>
-      <a:lvl8pPr lvl="7" marR="0" rtl="0" algn="l">
+      <a:lvl8pPr marR="0" lvl="7" algn="l" rtl="0">
         <a:lnSpc>
           <a:spcPct val="100000"/>
         </a:lnSpc>
@@ -10764,7 +10935,7 @@
           <a:srgbClr val="000000"/>
         </a:buClr>
         <a:buFont typeface="Arial"/>
-        <a:defRPr b="0" i="0" sz="1400" u="none" cap="none" strike="noStrike">
+        <a:defRPr sz="1400" b="0" i="0" u="none" strike="noStrike" cap="none">
           <a:solidFill>
             <a:srgbClr val="000000"/>
           </a:solidFill>
@@ -10774,7 +10945,7 @@
           <a:sym typeface="Arial"/>
         </a:defRPr>
       </a:lvl8pPr>
-      <a:lvl9pPr lvl="8" marR="0" rtl="0" algn="l">
+      <a:lvl9pPr marR="0" lvl="8" algn="l" rtl="0">
         <a:lnSpc>
           <a:spcPct val="100000"/>
         </a:lnSpc>
@@ -10788,7 +10959,7 @@
           <a:srgbClr val="000000"/>
         </a:buClr>
         <a:buFont typeface="Arial"/>
-        <a:defRPr b="0" i="0" sz="1400" u="none" cap="none" strike="noStrike">
+        <a:defRPr sz="1400" b="0" i="0" u="none" strike="noStrike" cap="none">
           <a:solidFill>
             <a:srgbClr val="000000"/>
           </a:solidFill>
@@ -10800,7 +10971,7 @@
       </a:lvl9pPr>
     </p:titleStyle>
     <p:bodyStyle>
-      <a:defPPr lvl="0" marR="0" rtl="0" algn="l">
+      <a:defPPr marR="0" lvl="0" algn="l" rtl="0">
         <a:lnSpc>
           <a:spcPct val="100000"/>
         </a:lnSpc>
@@ -10811,7 +10982,7 @@
           <a:spcPts val="0"/>
         </a:spcAft>
       </a:defPPr>
-      <a:lvl1pPr lvl="0" marR="0" rtl="0" algn="l">
+      <a:lvl1pPr marR="0" lvl="0" algn="l" rtl="0">
         <a:lnSpc>
           <a:spcPct val="100000"/>
         </a:lnSpc>
@@ -10825,7 +10996,7 @@
           <a:srgbClr val="000000"/>
         </a:buClr>
         <a:buFont typeface="Arial"/>
-        <a:defRPr b="0" i="0" sz="1400" u="none" cap="none" strike="noStrike">
+        <a:defRPr sz="1400" b="0" i="0" u="none" strike="noStrike" cap="none">
           <a:solidFill>
             <a:srgbClr val="000000"/>
           </a:solidFill>
@@ -10835,7 +11006,7 @@
           <a:sym typeface="Arial"/>
         </a:defRPr>
       </a:lvl1pPr>
-      <a:lvl2pPr lvl="1" marR="0" rtl="0" algn="l">
+      <a:lvl2pPr marR="0" lvl="1" algn="l" rtl="0">
         <a:lnSpc>
           <a:spcPct val="100000"/>
         </a:lnSpc>
@@ -10849,7 +11020,7 @@
           <a:srgbClr val="000000"/>
         </a:buClr>
         <a:buFont typeface="Arial"/>
-        <a:defRPr b="0" i="0" sz="1400" u="none" cap="none" strike="noStrike">
+        <a:defRPr sz="1400" b="0" i="0" u="none" strike="noStrike" cap="none">
           <a:solidFill>
             <a:srgbClr val="000000"/>
           </a:solidFill>
@@ -10859,7 +11030,7 @@
           <a:sym typeface="Arial"/>
         </a:defRPr>
       </a:lvl2pPr>
-      <a:lvl3pPr lvl="2" marR="0" rtl="0" algn="l">
+      <a:lvl3pPr marR="0" lvl="2" algn="l" rtl="0">
         <a:lnSpc>
           <a:spcPct val="100000"/>
         </a:lnSpc>
@@ -10873,7 +11044,7 @@
           <a:srgbClr val="000000"/>
         </a:buClr>
         <a:buFont typeface="Arial"/>
-        <a:defRPr b="0" i="0" sz="1400" u="none" cap="none" strike="noStrike">
+        <a:defRPr sz="1400" b="0" i="0" u="none" strike="noStrike" cap="none">
           <a:solidFill>
             <a:srgbClr val="000000"/>
           </a:solidFill>
@@ -10883,7 +11054,7 @@
           <a:sym typeface="Arial"/>
         </a:defRPr>
       </a:lvl3pPr>
-      <a:lvl4pPr lvl="3" marR="0" rtl="0" algn="l">
+      <a:lvl4pPr marR="0" lvl="3" algn="l" rtl="0">
         <a:lnSpc>
           <a:spcPct val="100000"/>
         </a:lnSpc>
@@ -10897,7 +11068,7 @@
           <a:srgbClr val="000000"/>
         </a:buClr>
         <a:buFont typeface="Arial"/>
-        <a:defRPr b="0" i="0" sz="1400" u="none" cap="none" strike="noStrike">
+        <a:defRPr sz="1400" b="0" i="0" u="none" strike="noStrike" cap="none">
           <a:solidFill>
             <a:srgbClr val="000000"/>
           </a:solidFill>
@@ -10907,7 +11078,7 @@
           <a:sym typeface="Arial"/>
         </a:defRPr>
       </a:lvl4pPr>
-      <a:lvl5pPr lvl="4" marR="0" rtl="0" algn="l">
+      <a:lvl5pPr marR="0" lvl="4" algn="l" rtl="0">
         <a:lnSpc>
           <a:spcPct val="100000"/>
         </a:lnSpc>
@@ -10921,7 +11092,7 @@
           <a:srgbClr val="000000"/>
         </a:buClr>
         <a:buFont typeface="Arial"/>
-        <a:defRPr b="0" i="0" sz="1400" u="none" cap="none" strike="noStrike">
+        <a:defRPr sz="1400" b="0" i="0" u="none" strike="noStrike" cap="none">
           <a:solidFill>
             <a:srgbClr val="000000"/>
           </a:solidFill>
@@ -10931,7 +11102,7 @@
           <a:sym typeface="Arial"/>
         </a:defRPr>
       </a:lvl5pPr>
-      <a:lvl6pPr lvl="5" marR="0" rtl="0" algn="l">
+      <a:lvl6pPr marR="0" lvl="5" algn="l" rtl="0">
         <a:lnSpc>
           <a:spcPct val="100000"/>
         </a:lnSpc>
@@ -10945,7 +11116,7 @@
           <a:srgbClr val="000000"/>
         </a:buClr>
         <a:buFont typeface="Arial"/>
-        <a:defRPr b="0" i="0" sz="1400" u="none" cap="none" strike="noStrike">
+        <a:defRPr sz="1400" b="0" i="0" u="none" strike="noStrike" cap="none">
           <a:solidFill>
             <a:srgbClr val="000000"/>
           </a:solidFill>
@@ -10955,7 +11126,7 @@
           <a:sym typeface="Arial"/>
         </a:defRPr>
       </a:lvl6pPr>
-      <a:lvl7pPr lvl="6" marR="0" rtl="0" algn="l">
+      <a:lvl7pPr marR="0" lvl="6" algn="l" rtl="0">
         <a:lnSpc>
           <a:spcPct val="100000"/>
         </a:lnSpc>
@@ -10969,7 +11140,7 @@
           <a:srgbClr val="000000"/>
         </a:buClr>
         <a:buFont typeface="Arial"/>
-        <a:defRPr b="0" i="0" sz="1400" u="none" cap="none" strike="noStrike">
+        <a:defRPr sz="1400" b="0" i="0" u="none" strike="noStrike" cap="none">
           <a:solidFill>
             <a:srgbClr val="000000"/>
           </a:solidFill>
@@ -10979,7 +11150,7 @@
           <a:sym typeface="Arial"/>
         </a:defRPr>
       </a:lvl7pPr>
-      <a:lvl8pPr lvl="7" marR="0" rtl="0" algn="l">
+      <a:lvl8pPr marR="0" lvl="7" algn="l" rtl="0">
         <a:lnSpc>
           <a:spcPct val="100000"/>
         </a:lnSpc>
@@ -10993,7 +11164,7 @@
           <a:srgbClr val="000000"/>
         </a:buClr>
         <a:buFont typeface="Arial"/>
-        <a:defRPr b="0" i="0" sz="1400" u="none" cap="none" strike="noStrike">
+        <a:defRPr sz="1400" b="0" i="0" u="none" strike="noStrike" cap="none">
           <a:solidFill>
             <a:srgbClr val="000000"/>
           </a:solidFill>
@@ -11003,7 +11174,7 @@
           <a:sym typeface="Arial"/>
         </a:defRPr>
       </a:lvl8pPr>
-      <a:lvl9pPr lvl="8" marR="0" rtl="0" algn="l">
+      <a:lvl9pPr marR="0" lvl="8" algn="l" rtl="0">
         <a:lnSpc>
           <a:spcPct val="100000"/>
         </a:lnSpc>
@@ -11017,7 +11188,7 @@
           <a:srgbClr val="000000"/>
         </a:buClr>
         <a:buFont typeface="Arial"/>
-        <a:defRPr b="0" i="0" sz="1400" u="none" cap="none" strike="noStrike">
+        <a:defRPr sz="1400" b="0" i="0" u="none" strike="noStrike" cap="none">
           <a:solidFill>
             <a:srgbClr val="000000"/>
           </a:solidFill>
@@ -11029,7 +11200,7 @@
       </a:lvl9pPr>
     </p:bodyStyle>
     <p:otherStyle>
-      <a:defPPr lvl="0" marR="0" rtl="0" algn="l">
+      <a:defPPr marR="0" lvl="0" algn="l" rtl="0">
         <a:lnSpc>
           <a:spcPct val="100000"/>
         </a:lnSpc>
@@ -11040,7 +11211,7 @@
           <a:spcPts val="0"/>
         </a:spcAft>
       </a:defPPr>
-      <a:lvl1pPr lvl="0" marR="0" rtl="0" algn="l">
+      <a:lvl1pPr marR="0" lvl="0" algn="l" rtl="0">
         <a:lnSpc>
           <a:spcPct val="100000"/>
         </a:lnSpc>
@@ -11054,7 +11225,7 @@
           <a:srgbClr val="000000"/>
         </a:buClr>
         <a:buFont typeface="Arial"/>
-        <a:defRPr b="0" i="0" sz="1400" u="none" cap="none" strike="noStrike">
+        <a:defRPr sz="1400" b="0" i="0" u="none" strike="noStrike" cap="none">
           <a:solidFill>
             <a:srgbClr val="000000"/>
           </a:solidFill>
@@ -11064,7 +11235,7 @@
           <a:sym typeface="Arial"/>
         </a:defRPr>
       </a:lvl1pPr>
-      <a:lvl2pPr lvl="1" marR="0" rtl="0" algn="l">
+      <a:lvl2pPr marR="0" lvl="1" algn="l" rtl="0">
         <a:lnSpc>
           <a:spcPct val="100000"/>
         </a:lnSpc>
@@ -11078,7 +11249,7 @@
           <a:srgbClr val="000000"/>
         </a:buClr>
         <a:buFont typeface="Arial"/>
-        <a:defRPr b="0" i="0" sz="1400" u="none" cap="none" strike="noStrike">
+        <a:defRPr sz="1400" b="0" i="0" u="none" strike="noStrike" cap="none">
           <a:solidFill>
             <a:srgbClr val="000000"/>
           </a:solidFill>
@@ -11088,7 +11259,7 @@
           <a:sym typeface="Arial"/>
         </a:defRPr>
       </a:lvl2pPr>
-      <a:lvl3pPr lvl="2" marR="0" rtl="0" algn="l">
+      <a:lvl3pPr marR="0" lvl="2" algn="l" rtl="0">
         <a:lnSpc>
           <a:spcPct val="100000"/>
         </a:lnSpc>
@@ -11102,7 +11273,7 @@
           <a:srgbClr val="000000"/>
         </a:buClr>
         <a:buFont typeface="Arial"/>
-        <a:defRPr b="0" i="0" sz="1400" u="none" cap="none" strike="noStrike">
+        <a:defRPr sz="1400" b="0" i="0" u="none" strike="noStrike" cap="none">
           <a:solidFill>
             <a:srgbClr val="000000"/>
           </a:solidFill>
@@ -11112,7 +11283,7 @@
           <a:sym typeface="Arial"/>
         </a:defRPr>
       </a:lvl3pPr>
-      <a:lvl4pPr lvl="3" marR="0" rtl="0" algn="l">
+      <a:lvl4pPr marR="0" lvl="3" algn="l" rtl="0">
         <a:lnSpc>
           <a:spcPct val="100000"/>
         </a:lnSpc>
@@ -11126,7 +11297,7 @@
           <a:srgbClr val="000000"/>
         </a:buClr>
         <a:buFont typeface="Arial"/>
-        <a:defRPr b="0" i="0" sz="1400" u="none" cap="none" strike="noStrike">
+        <a:defRPr sz="1400" b="0" i="0" u="none" strike="noStrike" cap="none">
           <a:solidFill>
             <a:srgbClr val="000000"/>
           </a:solidFill>
@@ -11136,7 +11307,7 @@
           <a:sym typeface="Arial"/>
         </a:defRPr>
       </a:lvl4pPr>
-      <a:lvl5pPr lvl="4" marR="0" rtl="0" algn="l">
+      <a:lvl5pPr marR="0" lvl="4" algn="l" rtl="0">
         <a:lnSpc>
           <a:spcPct val="100000"/>
         </a:lnSpc>
@@ -11150,7 +11321,7 @@
           <a:srgbClr val="000000"/>
         </a:buClr>
         <a:buFont typeface="Arial"/>
-        <a:defRPr b="0" i="0" sz="1400" u="none" cap="none" strike="noStrike">
+        <a:defRPr sz="1400" b="0" i="0" u="none" strike="noStrike" cap="none">
           <a:solidFill>
             <a:srgbClr val="000000"/>
           </a:solidFill>
@@ -11160,7 +11331,7 @@
           <a:sym typeface="Arial"/>
         </a:defRPr>
       </a:lvl5pPr>
-      <a:lvl6pPr lvl="5" marR="0" rtl="0" algn="l">
+      <a:lvl6pPr marR="0" lvl="5" algn="l" rtl="0">
         <a:lnSpc>
           <a:spcPct val="100000"/>
         </a:lnSpc>
@@ -11174,7 +11345,7 @@
           <a:srgbClr val="000000"/>
         </a:buClr>
         <a:buFont typeface="Arial"/>
-        <a:defRPr b="0" i="0" sz="1400" u="none" cap="none" strike="noStrike">
+        <a:defRPr sz="1400" b="0" i="0" u="none" strike="noStrike" cap="none">
           <a:solidFill>
             <a:srgbClr val="000000"/>
           </a:solidFill>
@@ -11184,7 +11355,7 @@
           <a:sym typeface="Arial"/>
         </a:defRPr>
       </a:lvl6pPr>
-      <a:lvl7pPr lvl="6" marR="0" rtl="0" algn="l">
+      <a:lvl7pPr marR="0" lvl="6" algn="l" rtl="0">
         <a:lnSpc>
           <a:spcPct val="100000"/>
         </a:lnSpc>
@@ -11198,7 +11369,7 @@
           <a:srgbClr val="000000"/>
         </a:buClr>
         <a:buFont typeface="Arial"/>
-        <a:defRPr b="0" i="0" sz="1400" u="none" cap="none" strike="noStrike">
+        <a:defRPr sz="1400" b="0" i="0" u="none" strike="noStrike" cap="none">
           <a:solidFill>
             <a:srgbClr val="000000"/>
           </a:solidFill>
@@ -11208,7 +11379,7 @@
           <a:sym typeface="Arial"/>
         </a:defRPr>
       </a:lvl7pPr>
-      <a:lvl8pPr lvl="7" marR="0" rtl="0" algn="l">
+      <a:lvl8pPr marR="0" lvl="7" algn="l" rtl="0">
         <a:lnSpc>
           <a:spcPct val="100000"/>
         </a:lnSpc>
@@ -11222,7 +11393,7 @@
           <a:srgbClr val="000000"/>
         </a:buClr>
         <a:buFont typeface="Arial"/>
-        <a:defRPr b="0" i="0" sz="1400" u="none" cap="none" strike="noStrike">
+        <a:defRPr sz="1400" b="0" i="0" u="none" strike="noStrike" cap="none">
           <a:solidFill>
             <a:srgbClr val="000000"/>
           </a:solidFill>
@@ -11232,7 +11403,7 @@
           <a:sym typeface="Arial"/>
         </a:defRPr>
       </a:lvl8pPr>
-      <a:lvl9pPr lvl="8" marR="0" rtl="0" algn="l">
+      <a:lvl9pPr marR="0" lvl="8" algn="l" rtl="0">
         <a:lnSpc>
           <a:spcPct val="100000"/>
         </a:lnSpc>
@@ -11246,7 +11417,7 @@
           <a:srgbClr val="000000"/>
         </a:buClr>
         <a:buFont typeface="Arial"/>
-        <a:defRPr b="0" i="0" sz="1400" u="none" cap="none" strike="noStrike">
+        <a:defRPr sz="1400" b="0" i="0" u="none" strike="noStrike" cap="none">
           <a:solidFill>
             <a:srgbClr val="000000"/>
           </a:solidFill>
@@ -11262,11 +11433,11 @@
 </file>
 
 <file path=ppt/slides/slide1.xml><?xml version="1.0" encoding="utf-8"?>
-<p:sld xmlns:a="http://schemas.openxmlformats.org/drawingml/2006/main" xmlns:r="http://schemas.openxmlformats.org/officeDocument/2006/relationships" xmlns:mc="http://schemas.openxmlformats.org/markup-compatibility/2006" xmlns:mv="urn:schemas-microsoft-com:mac:vml" xmlns:p="http://schemas.openxmlformats.org/presentationml/2006/main" xmlns:c="http://schemas.openxmlformats.org/drawingml/2006/chart" xmlns:dgm="http://schemas.openxmlformats.org/drawingml/2006/diagram" xmlns:o="urn:schemas-microsoft-com:office:office" xmlns:v="urn:schemas-microsoft-com:vml" xmlns:pvml="urn:schemas-microsoft-com:office:powerpoint" xmlns:com="http://schemas.openxmlformats.org/drawingml/2006/compatibility" xmlns:p14="http://schemas.microsoft.com/office/powerpoint/2010/main" xmlns:p15="http://schemas.microsoft.com/office/powerpoint/2012/main">
+<p:sld xmlns:a="http://schemas.openxmlformats.org/drawingml/2006/main" xmlns:r="http://schemas.openxmlformats.org/officeDocument/2006/relationships" xmlns:p="http://schemas.openxmlformats.org/presentationml/2006/main">
   <p:cSld>
     <p:spTree>
       <p:nvGrpSpPr>
-        <p:cNvPr id="78" name="Shape 78"/>
+        <p:cNvPr id="1" name="Shape 78"/>
         <p:cNvGrpSpPr/>
         <p:nvPr/>
       </p:nvGrpSpPr>
@@ -11281,7 +11452,9 @@
       <p:sp>
         <p:nvSpPr>
           <p:cNvPr id="79" name="Google Shape;79;p16"/>
-          <p:cNvSpPr txBox="1"/>
+          <p:cNvSpPr txBox="1">
+            <a:spLocks noGrp="1"/>
+          </p:cNvSpPr>
           <p:nvPr>
             <p:ph type="ctrTitle"/>
           </p:nvPr>
@@ -11296,12 +11469,12 @@
           </a:prstGeom>
         </p:spPr>
         <p:txBody>
-          <a:bodyPr anchorCtr="0" anchor="b" bIns="0" lIns="0" spcFirstLastPara="1" rIns="0" wrap="square" tIns="0">
+          <a:bodyPr spcFirstLastPara="1" wrap="square" lIns="0" tIns="0" rIns="0" bIns="0" anchor="b" anchorCtr="0">
             <a:noAutofit/>
           </a:bodyPr>
           <a:lstStyle/>
           <a:p>
-            <a:pPr indent="0" lvl="0" marL="0" rtl="0" algn="ctr">
+            <a:pPr marL="0" lvl="0" indent="0" algn="ctr" rtl="0">
               <a:spcBef>
                 <a:spcPts val="0"/>
               </a:spcBef>
@@ -11327,11 +11500,11 @@
 </file>
 
 <file path=ppt/slides/slide2.xml><?xml version="1.0" encoding="utf-8"?>
-<p:sld xmlns:a="http://schemas.openxmlformats.org/drawingml/2006/main" xmlns:r="http://schemas.openxmlformats.org/officeDocument/2006/relationships" xmlns:mc="http://schemas.openxmlformats.org/markup-compatibility/2006" xmlns:mv="urn:schemas-microsoft-com:mac:vml" xmlns:p="http://schemas.openxmlformats.org/presentationml/2006/main" xmlns:c="http://schemas.openxmlformats.org/drawingml/2006/chart" xmlns:dgm="http://schemas.openxmlformats.org/drawingml/2006/diagram" xmlns:o="urn:schemas-microsoft-com:office:office" xmlns:v="urn:schemas-microsoft-com:vml" xmlns:pvml="urn:schemas-microsoft-com:office:powerpoint" xmlns:com="http://schemas.openxmlformats.org/drawingml/2006/compatibility" xmlns:p14="http://schemas.microsoft.com/office/powerpoint/2010/main" xmlns:p15="http://schemas.microsoft.com/office/powerpoint/2012/main">
+<p:sld xmlns:a="http://schemas.openxmlformats.org/drawingml/2006/main" xmlns:r="http://schemas.openxmlformats.org/officeDocument/2006/relationships" xmlns:p="http://schemas.openxmlformats.org/presentationml/2006/main">
   <p:cSld>
     <p:spTree>
       <p:nvGrpSpPr>
-        <p:cNvPr id="83" name="Shape 83"/>
+        <p:cNvPr id="1" name="Shape 83"/>
         <p:cNvGrpSpPr/>
         <p:nvPr/>
       </p:nvGrpSpPr>
@@ -11346,7 +11519,9 @@
       <p:sp>
         <p:nvSpPr>
           <p:cNvPr id="84" name="Google Shape;84;p17"/>
-          <p:cNvSpPr txBox="1"/>
+          <p:cNvSpPr txBox="1">
+            <a:spLocks noGrp="1"/>
+          </p:cNvSpPr>
           <p:nvPr>
             <p:ph type="title"/>
           </p:nvPr>
@@ -11361,12 +11536,12 @@
           </a:prstGeom>
         </p:spPr>
         <p:txBody>
-          <a:bodyPr anchorCtr="0" anchor="b" bIns="0" lIns="0" spcFirstLastPara="1" rIns="0" wrap="square" tIns="0">
+          <a:bodyPr spcFirstLastPara="1" wrap="square" lIns="0" tIns="0" rIns="0" bIns="0" anchor="b" anchorCtr="0">
             <a:noAutofit/>
           </a:bodyPr>
           <a:lstStyle/>
           <a:p>
-            <a:pPr indent="0" lvl="0" marL="0" rtl="0" algn="l">
+            <a:pPr marL="0" lvl="0" indent="0" algn="l" rtl="0">
               <a:spcBef>
                 <a:spcPts val="0"/>
               </a:spcBef>
@@ -11376,19 +11551,21 @@
               <a:buNone/>
             </a:pPr>
             <a:r>
-              <a:rPr lang="en"/>
-              <a:t>Booking (WK)</a:t>
+              <a:rPr lang="en" dirty="0"/>
+              <a:t>Booking </a:t>
             </a:r>
-            <a:endParaRPr/>
+            <a:endParaRPr dirty="0"/>
           </a:p>
         </p:txBody>
       </p:sp>
       <p:sp>
         <p:nvSpPr>
           <p:cNvPr id="85" name="Google Shape;85;p17"/>
-          <p:cNvSpPr txBox="1"/>
+          <p:cNvSpPr txBox="1">
+            <a:spLocks noGrp="1"/>
+          </p:cNvSpPr>
           <p:nvPr>
-            <p:ph idx="1" type="body"/>
+            <p:ph type="body" idx="1"/>
           </p:nvPr>
         </p:nvSpPr>
         <p:spPr>
@@ -11401,12 +11578,12 @@
           </a:prstGeom>
         </p:spPr>
         <p:txBody>
-          <a:bodyPr anchorCtr="0" anchor="t" bIns="0" lIns="0" spcFirstLastPara="1" rIns="0" wrap="square" tIns="0">
+          <a:bodyPr spcFirstLastPara="1" wrap="square" lIns="0" tIns="0" rIns="0" bIns="0" anchor="t" anchorCtr="0">
             <a:noAutofit/>
           </a:bodyPr>
           <a:lstStyle/>
           <a:p>
-            <a:pPr indent="-342900" lvl="0" marL="457200" rtl="0" algn="l">
+            <a:pPr marL="457200" lvl="0" indent="-342900" algn="l" rtl="0">
               <a:spcBef>
                 <a:spcPts val="600"/>
               </a:spcBef>
@@ -11423,7 +11600,7 @@
             <a:endParaRPr sz="1800"/>
           </a:p>
           <a:p>
-            <a:pPr indent="-342900" lvl="0" marL="457200" rtl="0" algn="l">
+            <a:pPr marL="457200" lvl="0" indent="-342900" algn="l" rtl="0">
               <a:spcBef>
                 <a:spcPts val="0"/>
               </a:spcBef>
@@ -11440,7 +11617,7 @@
             <a:endParaRPr sz="1800"/>
           </a:p>
           <a:p>
-            <a:pPr indent="-342900" lvl="0" marL="457200" rtl="0" algn="l">
+            <a:pPr marL="457200" lvl="0" indent="-342900" algn="l" rtl="0">
               <a:spcBef>
                 <a:spcPts val="0"/>
               </a:spcBef>
@@ -11461,7 +11638,9 @@
       <p:sp>
         <p:nvSpPr>
           <p:cNvPr id="86" name="Google Shape;86;p17"/>
-          <p:cNvSpPr txBox="1"/>
+          <p:cNvSpPr txBox="1">
+            <a:spLocks noGrp="1"/>
+          </p:cNvSpPr>
           <p:nvPr>
             <p:ph type="title"/>
           </p:nvPr>
@@ -11476,12 +11655,12 @@
           </a:prstGeom>
         </p:spPr>
         <p:txBody>
-          <a:bodyPr anchorCtr="0" anchor="b" bIns="0" lIns="0" spcFirstLastPara="1" rIns="0" wrap="square" tIns="0">
+          <a:bodyPr spcFirstLastPara="1" wrap="square" lIns="0" tIns="0" rIns="0" bIns="0" anchor="b" anchorCtr="0">
             <a:noAutofit/>
           </a:bodyPr>
           <a:lstStyle/>
           <a:p>
-            <a:pPr indent="0" lvl="0" marL="0" rtl="0" algn="l">
+            <a:pPr marL="0" lvl="0" indent="0" algn="l" rtl="0">
               <a:spcBef>
                 <a:spcPts val="0"/>
               </a:spcBef>
@@ -11501,7 +11680,9 @@
       <p:sp>
         <p:nvSpPr>
           <p:cNvPr id="87" name="Google Shape;87;p17"/>
-          <p:cNvSpPr txBox="1"/>
+          <p:cNvSpPr txBox="1">
+            <a:spLocks noGrp="1"/>
+          </p:cNvSpPr>
           <p:nvPr>
             <p:ph type="title"/>
           </p:nvPr>
@@ -11516,12 +11697,12 @@
           </a:prstGeom>
         </p:spPr>
         <p:txBody>
-          <a:bodyPr anchorCtr="0" anchor="b" bIns="0" lIns="0" spcFirstLastPara="1" rIns="0" wrap="square" tIns="0">
+          <a:bodyPr spcFirstLastPara="1" wrap="square" lIns="0" tIns="0" rIns="0" bIns="0" anchor="b" anchorCtr="0">
             <a:noAutofit/>
           </a:bodyPr>
           <a:lstStyle/>
           <a:p>
-            <a:pPr indent="0" lvl="0" marL="0" rtl="0" algn="l">
+            <a:pPr marL="0" lvl="0" indent="0" algn="l" rtl="0">
               <a:spcBef>
                 <a:spcPts val="0"/>
               </a:spcBef>
@@ -11541,9 +11722,11 @@
       <p:sp>
         <p:nvSpPr>
           <p:cNvPr id="88" name="Google Shape;88;p17"/>
-          <p:cNvSpPr txBox="1"/>
+          <p:cNvSpPr txBox="1">
+            <a:spLocks noGrp="1"/>
+          </p:cNvSpPr>
           <p:nvPr>
-            <p:ph idx="1" type="body"/>
+            <p:ph type="body" idx="1"/>
           </p:nvPr>
         </p:nvSpPr>
         <p:spPr>
@@ -11556,12 +11739,12 @@
           </a:prstGeom>
         </p:spPr>
         <p:txBody>
-          <a:bodyPr anchorCtr="0" anchor="t" bIns="0" lIns="0" spcFirstLastPara="1" rIns="0" wrap="square" tIns="0">
+          <a:bodyPr spcFirstLastPara="1" wrap="square" lIns="0" tIns="0" rIns="0" bIns="0" anchor="t" anchorCtr="0">
             <a:noAutofit/>
           </a:bodyPr>
           <a:lstStyle/>
           <a:p>
-            <a:pPr indent="-342900" lvl="0" marL="457200" rtl="0" algn="l">
+            <a:pPr marL="457200" lvl="0" indent="-342900" algn="l" rtl="0">
               <a:spcBef>
                 <a:spcPts val="600"/>
               </a:spcBef>
@@ -11578,7 +11761,7 @@
             <a:endParaRPr sz="1800"/>
           </a:p>
           <a:p>
-            <a:pPr indent="0" lvl="0" marL="457200" rtl="0" algn="l">
+            <a:pPr marL="457200" lvl="0" indent="0" algn="l" rtl="0">
               <a:spcBef>
                 <a:spcPts val="600"/>
               </a:spcBef>
@@ -11587,9 +11770,6 @@
               </a:spcAft>
               <a:buNone/>
             </a:pPr>
-            <a:r>
-              <a:t/>
-            </a:r>
             <a:endParaRPr sz="1800"/>
           </a:p>
         </p:txBody>
@@ -11603,11 +11783,11 @@
 </file>
 
 <file path=ppt/slides/slide3.xml><?xml version="1.0" encoding="utf-8"?>
-<p:sld xmlns:a="http://schemas.openxmlformats.org/drawingml/2006/main" xmlns:r="http://schemas.openxmlformats.org/officeDocument/2006/relationships" xmlns:mc="http://schemas.openxmlformats.org/markup-compatibility/2006" xmlns:mv="urn:schemas-microsoft-com:mac:vml" xmlns:p="http://schemas.openxmlformats.org/presentationml/2006/main" xmlns:c="http://schemas.openxmlformats.org/drawingml/2006/chart" xmlns:dgm="http://schemas.openxmlformats.org/drawingml/2006/diagram" xmlns:o="urn:schemas-microsoft-com:office:office" xmlns:v="urn:schemas-microsoft-com:vml" xmlns:pvml="urn:schemas-microsoft-com:office:powerpoint" xmlns:com="http://schemas.openxmlformats.org/drawingml/2006/compatibility" xmlns:p14="http://schemas.microsoft.com/office/powerpoint/2010/main" xmlns:p15="http://schemas.microsoft.com/office/powerpoint/2012/main">
+<p:sld xmlns:a="http://schemas.openxmlformats.org/drawingml/2006/main" xmlns:r="http://schemas.openxmlformats.org/officeDocument/2006/relationships" xmlns:p="http://schemas.openxmlformats.org/presentationml/2006/main">
   <p:cSld>
     <p:spTree>
       <p:nvGrpSpPr>
-        <p:cNvPr id="92" name="Shape 92"/>
+        <p:cNvPr id="1" name="Shape 92"/>
         <p:cNvGrpSpPr/>
         <p:nvPr/>
       </p:nvGrpSpPr>
@@ -11622,7 +11802,9 @@
       <p:sp>
         <p:nvSpPr>
           <p:cNvPr id="93" name="Google Shape;93;p18"/>
-          <p:cNvSpPr txBox="1"/>
+          <p:cNvSpPr txBox="1">
+            <a:spLocks noGrp="1"/>
+          </p:cNvSpPr>
           <p:nvPr>
             <p:ph type="title"/>
           </p:nvPr>
@@ -11637,12 +11819,12 @@
           </a:prstGeom>
         </p:spPr>
         <p:txBody>
-          <a:bodyPr anchorCtr="0" anchor="b" bIns="0" lIns="0" spcFirstLastPara="1" rIns="0" wrap="square" tIns="0">
+          <a:bodyPr spcFirstLastPara="1" wrap="square" lIns="0" tIns="0" rIns="0" bIns="0" anchor="b" anchorCtr="0">
             <a:noAutofit/>
           </a:bodyPr>
           <a:lstStyle/>
           <a:p>
-            <a:pPr indent="0" lvl="0" marL="0" rtl="0" algn="l">
+            <a:pPr marL="0" lvl="0" indent="0" algn="l" rtl="0">
               <a:spcBef>
                 <a:spcPts val="0"/>
               </a:spcBef>
@@ -11652,17 +11834,19 @@
               <a:buNone/>
             </a:pPr>
             <a:r>
-              <a:rPr lang="en"/>
-              <a:t>Housekeeping (WK)</a:t>
+              <a:rPr lang="en" dirty="0"/>
+              <a:t>Housekeeping</a:t>
             </a:r>
-            <a:endParaRPr/>
+            <a:endParaRPr dirty="0"/>
           </a:p>
         </p:txBody>
       </p:sp>
       <p:sp>
         <p:nvSpPr>
           <p:cNvPr id="94" name="Google Shape;94;p18"/>
-          <p:cNvSpPr txBox="1"/>
+          <p:cNvSpPr txBox="1">
+            <a:spLocks noGrp="1"/>
+          </p:cNvSpPr>
           <p:nvPr>
             <p:ph type="title"/>
           </p:nvPr>
@@ -11677,12 +11861,12 @@
           </a:prstGeom>
         </p:spPr>
         <p:txBody>
-          <a:bodyPr anchorCtr="0" anchor="b" bIns="0" lIns="0" spcFirstLastPara="1" rIns="0" wrap="square" tIns="0">
+          <a:bodyPr spcFirstLastPara="1" wrap="square" lIns="0" tIns="0" rIns="0" bIns="0" anchor="b" anchorCtr="0">
             <a:noAutofit/>
           </a:bodyPr>
           <a:lstStyle/>
           <a:p>
-            <a:pPr indent="0" lvl="0" marL="0" rtl="0" algn="l">
+            <a:pPr marL="0" lvl="0" indent="0" algn="l" rtl="0">
               <a:spcBef>
                 <a:spcPts val="0"/>
               </a:spcBef>
@@ -11702,7 +11886,9 @@
       <p:sp>
         <p:nvSpPr>
           <p:cNvPr id="95" name="Google Shape;95;p18"/>
-          <p:cNvSpPr txBox="1"/>
+          <p:cNvSpPr txBox="1">
+            <a:spLocks noGrp="1"/>
+          </p:cNvSpPr>
           <p:nvPr>
             <p:ph type="title"/>
           </p:nvPr>
@@ -11717,12 +11903,12 @@
           </a:prstGeom>
         </p:spPr>
         <p:txBody>
-          <a:bodyPr anchorCtr="0" anchor="b" bIns="0" lIns="0" spcFirstLastPara="1" rIns="0" wrap="square" tIns="0">
+          <a:bodyPr spcFirstLastPara="1" wrap="square" lIns="0" tIns="0" rIns="0" bIns="0" anchor="b" anchorCtr="0">
             <a:noAutofit/>
           </a:bodyPr>
           <a:lstStyle/>
           <a:p>
-            <a:pPr indent="0" lvl="0" marL="0" rtl="0" algn="l">
+            <a:pPr marL="0" lvl="0" indent="0" algn="l" rtl="0">
               <a:spcBef>
                 <a:spcPts val="0"/>
               </a:spcBef>
@@ -11742,9 +11928,11 @@
       <p:sp>
         <p:nvSpPr>
           <p:cNvPr id="96" name="Google Shape;96;p18"/>
-          <p:cNvSpPr txBox="1"/>
+          <p:cNvSpPr txBox="1">
+            <a:spLocks noGrp="1"/>
+          </p:cNvSpPr>
           <p:nvPr>
-            <p:ph idx="1" type="body"/>
+            <p:ph type="body" idx="1"/>
           </p:nvPr>
         </p:nvSpPr>
         <p:spPr>
@@ -11757,12 +11945,12 @@
           </a:prstGeom>
         </p:spPr>
         <p:txBody>
-          <a:bodyPr anchorCtr="0" anchor="t" bIns="0" lIns="0" spcFirstLastPara="1" rIns="0" wrap="square" tIns="0">
+          <a:bodyPr spcFirstLastPara="1" wrap="square" lIns="0" tIns="0" rIns="0" bIns="0" anchor="t" anchorCtr="0">
             <a:noAutofit/>
           </a:bodyPr>
           <a:lstStyle/>
           <a:p>
-            <a:pPr indent="-342900" lvl="0" marL="457200" rtl="0" algn="l">
+            <a:pPr marL="457200" lvl="0" indent="-342900" algn="l" rtl="0">
               <a:spcBef>
                 <a:spcPts val="600"/>
               </a:spcBef>
@@ -11779,7 +11967,7 @@
             <a:endParaRPr sz="1800"/>
           </a:p>
           <a:p>
-            <a:pPr indent="-342900" lvl="0" marL="457200" rtl="0" algn="l">
+            <a:pPr marL="457200" lvl="0" indent="-342900" algn="l" rtl="0">
               <a:spcBef>
                 <a:spcPts val="0"/>
               </a:spcBef>
@@ -11796,7 +11984,7 @@
             <a:endParaRPr sz="1800"/>
           </a:p>
           <a:p>
-            <a:pPr indent="-342900" lvl="0" marL="457200" rtl="0" algn="l">
+            <a:pPr marL="457200" lvl="0" indent="-342900" algn="l" rtl="0">
               <a:spcBef>
                 <a:spcPts val="0"/>
               </a:spcBef>
@@ -11813,7 +12001,7 @@
             <a:endParaRPr sz="1800"/>
           </a:p>
           <a:p>
-            <a:pPr indent="-342900" lvl="0" marL="457200" rtl="0" algn="l">
+            <a:pPr marL="457200" lvl="0" indent="-342900" algn="l" rtl="0">
               <a:spcBef>
                 <a:spcPts val="0"/>
               </a:spcBef>
@@ -11834,9 +12022,11 @@
       <p:sp>
         <p:nvSpPr>
           <p:cNvPr id="97" name="Google Shape;97;p18"/>
-          <p:cNvSpPr txBox="1"/>
+          <p:cNvSpPr txBox="1">
+            <a:spLocks noGrp="1"/>
+          </p:cNvSpPr>
           <p:nvPr>
-            <p:ph idx="1" type="body"/>
+            <p:ph type="body" idx="1"/>
           </p:nvPr>
         </p:nvSpPr>
         <p:spPr>
@@ -11849,12 +12039,12 @@
           </a:prstGeom>
         </p:spPr>
         <p:txBody>
-          <a:bodyPr anchorCtr="0" anchor="t" bIns="0" lIns="0" spcFirstLastPara="1" rIns="0" wrap="square" tIns="0">
+          <a:bodyPr spcFirstLastPara="1" wrap="square" lIns="0" tIns="0" rIns="0" bIns="0" anchor="t" anchorCtr="0">
             <a:noAutofit/>
           </a:bodyPr>
           <a:lstStyle/>
           <a:p>
-            <a:pPr indent="-342900" lvl="0" marL="457200" rtl="0" algn="l">
+            <a:pPr marL="457200" lvl="0" indent="-342900" algn="l" rtl="0">
               <a:spcBef>
                 <a:spcPts val="600"/>
               </a:spcBef>
@@ -11881,11 +12071,11 @@
 </file>
 
 <file path=ppt/slides/slide4.xml><?xml version="1.0" encoding="utf-8"?>
-<p:sld xmlns:a="http://schemas.openxmlformats.org/drawingml/2006/main" xmlns:r="http://schemas.openxmlformats.org/officeDocument/2006/relationships" xmlns:mc="http://schemas.openxmlformats.org/markup-compatibility/2006" xmlns:mv="urn:schemas-microsoft-com:mac:vml" xmlns:p="http://schemas.openxmlformats.org/presentationml/2006/main" xmlns:c="http://schemas.openxmlformats.org/drawingml/2006/chart" xmlns:dgm="http://schemas.openxmlformats.org/drawingml/2006/diagram" xmlns:o="urn:schemas-microsoft-com:office:office" xmlns:v="urn:schemas-microsoft-com:vml" xmlns:pvml="urn:schemas-microsoft-com:office:powerpoint" xmlns:com="http://schemas.openxmlformats.org/drawingml/2006/compatibility" xmlns:p14="http://schemas.microsoft.com/office/powerpoint/2010/main" xmlns:p15="http://schemas.microsoft.com/office/powerpoint/2012/main">
+<p:sld xmlns:a="http://schemas.openxmlformats.org/drawingml/2006/main" xmlns:r="http://schemas.openxmlformats.org/officeDocument/2006/relationships" xmlns:p="http://schemas.openxmlformats.org/presentationml/2006/main">
   <p:cSld>
     <p:spTree>
       <p:nvGrpSpPr>
-        <p:cNvPr id="101" name="Shape 101"/>
+        <p:cNvPr id="1" name="Shape 101"/>
         <p:cNvGrpSpPr/>
         <p:nvPr/>
       </p:nvGrpSpPr>
@@ -11900,7 +12090,9 @@
       <p:sp>
         <p:nvSpPr>
           <p:cNvPr id="102" name="Google Shape;102;p19"/>
-          <p:cNvSpPr txBox="1"/>
+          <p:cNvSpPr txBox="1">
+            <a:spLocks noGrp="1"/>
+          </p:cNvSpPr>
           <p:nvPr>
             <p:ph type="title"/>
           </p:nvPr>
@@ -11915,12 +12107,12 @@
           </a:prstGeom>
         </p:spPr>
         <p:txBody>
-          <a:bodyPr anchorCtr="0" anchor="b" bIns="0" lIns="0" spcFirstLastPara="1" rIns="0" wrap="square" tIns="0">
+          <a:bodyPr spcFirstLastPara="1" wrap="square" lIns="0" tIns="0" rIns="0" bIns="0" anchor="b" anchorCtr="0">
             <a:noAutofit/>
           </a:bodyPr>
           <a:lstStyle/>
           <a:p>
-            <a:pPr indent="0" lvl="0" marL="0" rtl="0" algn="l">
+            <a:pPr marL="0" lvl="0" indent="0" algn="l" rtl="0">
               <a:spcBef>
                 <a:spcPts val="0"/>
               </a:spcBef>
@@ -11930,17 +12122,19 @@
               <a:buNone/>
             </a:pPr>
             <a:r>
-              <a:rPr lang="en"/>
-              <a:t>Reporting Module (Jeryl)</a:t>
+              <a:rPr lang="en" dirty="0"/>
+              <a:t>Reporting Module </a:t>
             </a:r>
-            <a:endParaRPr/>
+            <a:endParaRPr dirty="0"/>
           </a:p>
         </p:txBody>
       </p:sp>
       <p:sp>
         <p:nvSpPr>
           <p:cNvPr id="103" name="Google Shape;103;p19"/>
-          <p:cNvSpPr txBox="1"/>
+          <p:cNvSpPr txBox="1">
+            <a:spLocks noGrp="1"/>
+          </p:cNvSpPr>
           <p:nvPr>
             <p:ph type="title"/>
           </p:nvPr>
@@ -11955,12 +12149,12 @@
           </a:prstGeom>
         </p:spPr>
         <p:txBody>
-          <a:bodyPr anchorCtr="0" anchor="b" bIns="0" lIns="0" spcFirstLastPara="1" rIns="0" wrap="square" tIns="0">
+          <a:bodyPr spcFirstLastPara="1" wrap="square" lIns="0" tIns="0" rIns="0" bIns="0" anchor="b" anchorCtr="0">
             <a:noAutofit/>
           </a:bodyPr>
           <a:lstStyle/>
           <a:p>
-            <a:pPr indent="0" lvl="0" marL="0" rtl="0" algn="ctr">
+            <a:pPr marL="0" lvl="0" indent="0" algn="ctr" rtl="0">
               <a:spcBef>
                 <a:spcPts val="0"/>
               </a:spcBef>
@@ -11980,7 +12174,9 @@
       <p:sp>
         <p:nvSpPr>
           <p:cNvPr id="104" name="Google Shape;104;p19"/>
-          <p:cNvSpPr txBox="1"/>
+          <p:cNvSpPr txBox="1">
+            <a:spLocks noGrp="1"/>
+          </p:cNvSpPr>
           <p:nvPr>
             <p:ph type="title"/>
           </p:nvPr>
@@ -11995,12 +12191,12 @@
           </a:prstGeom>
         </p:spPr>
         <p:txBody>
-          <a:bodyPr anchorCtr="0" anchor="b" bIns="0" lIns="0" spcFirstLastPara="1" rIns="0" wrap="square" tIns="0">
+          <a:bodyPr spcFirstLastPara="1" wrap="square" lIns="0" tIns="0" rIns="0" bIns="0" anchor="b" anchorCtr="0">
             <a:noAutofit/>
           </a:bodyPr>
           <a:lstStyle/>
           <a:p>
-            <a:pPr indent="0" lvl="0" marL="0" rtl="0" algn="ctr">
+            <a:pPr marL="0" lvl="0" indent="0" algn="ctr" rtl="0">
               <a:spcBef>
                 <a:spcPts val="0"/>
               </a:spcBef>
@@ -12020,9 +12216,11 @@
       <p:sp>
         <p:nvSpPr>
           <p:cNvPr id="105" name="Google Shape;105;p19"/>
-          <p:cNvSpPr txBox="1"/>
+          <p:cNvSpPr txBox="1">
+            <a:spLocks noGrp="1"/>
+          </p:cNvSpPr>
           <p:nvPr>
-            <p:ph idx="4294967295" type="body"/>
+            <p:ph type="body" idx="4294967295"/>
           </p:nvPr>
         </p:nvSpPr>
         <p:spPr>
@@ -12041,12 +12239,12 @@
           </a:ln>
         </p:spPr>
         <p:txBody>
-          <a:bodyPr anchorCtr="0" anchor="t" bIns="0" lIns="0" spcFirstLastPara="1" rIns="0" wrap="square" tIns="0">
+          <a:bodyPr spcFirstLastPara="1" wrap="square" lIns="0" tIns="0" rIns="0" bIns="0" anchor="t" anchorCtr="0">
             <a:noAutofit/>
           </a:bodyPr>
           <a:lstStyle/>
           <a:p>
-            <a:pPr indent="-368300" lvl="0" marL="914400" rtl="0" algn="l">
+            <a:pPr marL="914400" lvl="0" indent="-368300" algn="l" rtl="0">
               <a:spcBef>
                 <a:spcPts val="600"/>
               </a:spcBef>
@@ -12074,7 +12272,7 @@
             </a:endParaRPr>
           </a:p>
           <a:p>
-            <a:pPr indent="-368300" lvl="0" marL="914400" rtl="0" algn="l">
+            <a:pPr marL="914400" lvl="0" indent="-368300" algn="l" rtl="0">
               <a:spcBef>
                 <a:spcPts val="0"/>
               </a:spcBef>
@@ -12102,7 +12300,7 @@
             </a:endParaRPr>
           </a:p>
           <a:p>
-            <a:pPr indent="-368300" lvl="0" marL="914400" rtl="0" algn="l">
+            <a:pPr marL="914400" lvl="0" indent="-368300" algn="l" rtl="0">
               <a:spcBef>
                 <a:spcPts val="0"/>
               </a:spcBef>
@@ -12134,9 +12332,11 @@
       <p:sp>
         <p:nvSpPr>
           <p:cNvPr id="106" name="Google Shape;106;p19"/>
-          <p:cNvSpPr txBox="1"/>
+          <p:cNvSpPr txBox="1">
+            <a:spLocks noGrp="1"/>
+          </p:cNvSpPr>
           <p:nvPr>
-            <p:ph idx="4294967295" type="body"/>
+            <p:ph type="body" idx="4294967295"/>
           </p:nvPr>
         </p:nvSpPr>
         <p:spPr>
@@ -12155,12 +12355,12 @@
           </a:ln>
         </p:spPr>
         <p:txBody>
-          <a:bodyPr anchorCtr="0" anchor="t" bIns="0" lIns="0" spcFirstLastPara="1" rIns="0" wrap="square" tIns="0">
+          <a:bodyPr spcFirstLastPara="1" wrap="square" lIns="0" tIns="0" rIns="0" bIns="0" anchor="t" anchorCtr="0">
             <a:noAutofit/>
           </a:bodyPr>
           <a:lstStyle/>
           <a:p>
-            <a:pPr indent="-368300" lvl="0" marL="914400" rtl="0" algn="l">
+            <a:pPr marL="914400" lvl="0" indent="-368300" algn="l" rtl="0">
               <a:spcBef>
                 <a:spcPts val="600"/>
               </a:spcBef>
@@ -12188,7 +12388,7 @@
             </a:endParaRPr>
           </a:p>
           <a:p>
-            <a:pPr indent="-368300" lvl="0" marL="914400" rtl="0" algn="l">
+            <a:pPr marL="914400" lvl="0" indent="-368300" algn="l" rtl="0">
               <a:spcBef>
                 <a:spcPts val="0"/>
               </a:spcBef>
@@ -12226,11 +12426,11 @@
 </file>
 
 <file path=ppt/slides/slide5.xml><?xml version="1.0" encoding="utf-8"?>
-<p:sld xmlns:a="http://schemas.openxmlformats.org/drawingml/2006/main" xmlns:r="http://schemas.openxmlformats.org/officeDocument/2006/relationships" xmlns:mc="http://schemas.openxmlformats.org/markup-compatibility/2006" xmlns:mv="urn:schemas-microsoft-com:mac:vml" xmlns:p="http://schemas.openxmlformats.org/presentationml/2006/main" xmlns:c="http://schemas.openxmlformats.org/drawingml/2006/chart" xmlns:dgm="http://schemas.openxmlformats.org/drawingml/2006/diagram" xmlns:o="urn:schemas-microsoft-com:office:office" xmlns:v="urn:schemas-microsoft-com:vml" xmlns:pvml="urn:schemas-microsoft-com:office:powerpoint" xmlns:com="http://schemas.openxmlformats.org/drawingml/2006/compatibility" xmlns:p14="http://schemas.microsoft.com/office/powerpoint/2010/main" xmlns:p15="http://schemas.microsoft.com/office/powerpoint/2012/main">
+<p:sld xmlns:a="http://schemas.openxmlformats.org/drawingml/2006/main" xmlns:r="http://schemas.openxmlformats.org/officeDocument/2006/relationships" xmlns:p="http://schemas.openxmlformats.org/presentationml/2006/main">
   <p:cSld>
     <p:spTree>
       <p:nvGrpSpPr>
-        <p:cNvPr id="110" name="Shape 110"/>
+        <p:cNvPr id="1" name="Shape 110"/>
         <p:cNvGrpSpPr/>
         <p:nvPr/>
       </p:nvGrpSpPr>
@@ -12245,7 +12445,9 @@
       <p:sp>
         <p:nvSpPr>
           <p:cNvPr id="111" name="Google Shape;111;p20"/>
-          <p:cNvSpPr txBox="1"/>
+          <p:cNvSpPr txBox="1">
+            <a:spLocks noGrp="1"/>
+          </p:cNvSpPr>
           <p:nvPr>
             <p:ph type="title"/>
           </p:nvPr>
@@ -12260,12 +12462,12 @@
           </a:prstGeom>
         </p:spPr>
         <p:txBody>
-          <a:bodyPr anchorCtr="0" anchor="b" bIns="0" lIns="0" spcFirstLastPara="1" rIns="0" wrap="square" tIns="0">
+          <a:bodyPr spcFirstLastPara="1" wrap="square" lIns="0" tIns="0" rIns="0" bIns="0" anchor="b" anchorCtr="0">
             <a:noAutofit/>
           </a:bodyPr>
           <a:lstStyle/>
           <a:p>
-            <a:pPr indent="0" lvl="0" marL="0" rtl="0" algn="l">
+            <a:pPr marL="0" lvl="0" indent="0" algn="l" rtl="0">
               <a:spcBef>
                 <a:spcPts val="0"/>
               </a:spcBef>
@@ -12275,13 +12477,13 @@
               <a:buNone/>
             </a:pPr>
             <a:r>
-              <a:rPr lang="en"/>
+              <a:rPr lang="en" dirty="0"/>
               <a:t>Loyalty </a:t>
             </a:r>
-            <a:endParaRPr/>
+            <a:endParaRPr dirty="0"/>
           </a:p>
           <a:p>
-            <a:pPr indent="0" lvl="0" marL="0" rtl="0" algn="l">
+            <a:pPr marL="0" lvl="0" indent="0" algn="l" rtl="0">
               <a:spcBef>
                 <a:spcPts val="0"/>
               </a:spcBef>
@@ -12291,13 +12493,13 @@
               <a:buNone/>
             </a:pPr>
             <a:r>
-              <a:rPr lang="en"/>
+              <a:rPr lang="en" dirty="0"/>
               <a:t>Program </a:t>
             </a:r>
-            <a:endParaRPr/>
+            <a:endParaRPr dirty="0"/>
           </a:p>
           <a:p>
-            <a:pPr indent="0" lvl="0" marL="0" rtl="0" algn="l">
+            <a:pPr marL="0" lvl="0" indent="0" algn="l" rtl="0">
               <a:spcBef>
                 <a:spcPts val="0"/>
               </a:spcBef>
@@ -12307,13 +12509,13 @@
               <a:buNone/>
             </a:pPr>
             <a:r>
-              <a:rPr lang="en"/>
+              <a:rPr lang="en" dirty="0"/>
               <a:t>Module </a:t>
             </a:r>
-            <a:endParaRPr/>
+            <a:endParaRPr dirty="0"/>
           </a:p>
           <a:p>
-            <a:pPr indent="0" lvl="0" marL="0" rtl="0" algn="l">
+            <a:pPr marL="0" lvl="0" indent="0" algn="l" rtl="0">
               <a:spcBef>
                 <a:spcPts val="0"/>
               </a:spcBef>
@@ -12322,11 +12524,7 @@
               </a:spcAft>
               <a:buNone/>
             </a:pPr>
-            <a:r>
-              <a:rPr lang="en"/>
-              <a:t>(Wb)</a:t>
-            </a:r>
-            <a:endParaRPr/>
+            <a:endParaRPr dirty="0"/>
           </a:p>
         </p:txBody>
       </p:sp>
@@ -12339,11 +12537,11 @@
 </file>
 
 <file path=ppt/slides/slide6.xml><?xml version="1.0" encoding="utf-8"?>
-<p:sld xmlns:a="http://schemas.openxmlformats.org/drawingml/2006/main" xmlns:r="http://schemas.openxmlformats.org/officeDocument/2006/relationships" xmlns:mc="http://schemas.openxmlformats.org/markup-compatibility/2006" xmlns:mv="urn:schemas-microsoft-com:mac:vml" xmlns:p="http://schemas.openxmlformats.org/presentationml/2006/main" xmlns:c="http://schemas.openxmlformats.org/drawingml/2006/chart" xmlns:dgm="http://schemas.openxmlformats.org/drawingml/2006/diagram" xmlns:o="urn:schemas-microsoft-com:office:office" xmlns:v="urn:schemas-microsoft-com:vml" xmlns:pvml="urn:schemas-microsoft-com:office:powerpoint" xmlns:com="http://schemas.openxmlformats.org/drawingml/2006/compatibility" xmlns:p14="http://schemas.microsoft.com/office/powerpoint/2010/main" xmlns:p15="http://schemas.microsoft.com/office/powerpoint/2012/main">
+<p:sld xmlns:a="http://schemas.openxmlformats.org/drawingml/2006/main" xmlns:r="http://schemas.openxmlformats.org/officeDocument/2006/relationships" xmlns:p="http://schemas.openxmlformats.org/presentationml/2006/main">
   <p:cSld>
     <p:spTree>
       <p:nvGrpSpPr>
-        <p:cNvPr id="115" name="Shape 115"/>
+        <p:cNvPr id="1" name="Shape 115"/>
         <p:cNvGrpSpPr/>
         <p:nvPr/>
       </p:nvGrpSpPr>
@@ -12358,7 +12556,9 @@
       <p:sp>
         <p:nvSpPr>
           <p:cNvPr id="116" name="Google Shape;116;p21"/>
-          <p:cNvSpPr txBox="1"/>
+          <p:cNvSpPr txBox="1">
+            <a:spLocks noGrp="1"/>
+          </p:cNvSpPr>
           <p:nvPr>
             <p:ph type="title"/>
           </p:nvPr>
@@ -12373,12 +12573,12 @@
           </a:prstGeom>
         </p:spPr>
         <p:txBody>
-          <a:bodyPr anchorCtr="0" anchor="b" bIns="0" lIns="0" spcFirstLastPara="1" rIns="0" wrap="square" tIns="0">
+          <a:bodyPr spcFirstLastPara="1" wrap="square" lIns="0" tIns="0" rIns="0" bIns="0" anchor="b" anchorCtr="0">
             <a:noAutofit/>
           </a:bodyPr>
           <a:lstStyle/>
           <a:p>
-            <a:pPr indent="0" lvl="0" marL="0" rtl="0" algn="l">
+            <a:pPr marL="0" lvl="0" indent="0" algn="l" rtl="0">
               <a:spcBef>
                 <a:spcPts val="0"/>
               </a:spcBef>
@@ -12392,13 +12592,10 @@
               <a:buFont typeface="Arial"/>
               <a:buNone/>
             </a:pPr>
-            <a:r>
-              <a:t/>
-            </a:r>
-            <a:endParaRPr/>
+            <a:endParaRPr dirty="0"/>
           </a:p>
           <a:p>
-            <a:pPr indent="0" lvl="0" marL="0" rtl="0" algn="ctr">
+            <a:pPr marL="0" lvl="0" indent="0" algn="ctr" rtl="0">
               <a:spcBef>
                 <a:spcPts val="0"/>
               </a:spcBef>
@@ -12413,19 +12610,21 @@
               <a:buNone/>
             </a:pPr>
             <a:r>
-              <a:rPr lang="en" sz="4400"/>
-              <a:t>Loyalty Program Module (Wb)</a:t>
+              <a:rPr lang="en" sz="4400" dirty="0"/>
+              <a:t>Loyalty Program Module </a:t>
             </a:r>
-            <a:endParaRPr sz="4400"/>
+            <a:endParaRPr sz="4400" dirty="0"/>
           </a:p>
         </p:txBody>
       </p:sp>
       <p:sp>
         <p:nvSpPr>
           <p:cNvPr id="117" name="Google Shape;117;p21"/>
-          <p:cNvSpPr txBox="1"/>
+          <p:cNvSpPr txBox="1">
+            <a:spLocks noGrp="1"/>
+          </p:cNvSpPr>
           <p:nvPr>
-            <p:ph idx="1" type="body"/>
+            <p:ph type="body" idx="1"/>
           </p:nvPr>
         </p:nvSpPr>
         <p:spPr>
@@ -12444,12 +12643,12 @@
           </a:ln>
         </p:spPr>
         <p:txBody>
-          <a:bodyPr anchorCtr="0" anchor="t" bIns="0" lIns="0" spcFirstLastPara="1" rIns="0" wrap="square" tIns="0">
+          <a:bodyPr spcFirstLastPara="1" wrap="square" lIns="0" tIns="0" rIns="0" bIns="0" anchor="t" anchorCtr="0">
             <a:noAutofit/>
           </a:bodyPr>
           <a:lstStyle/>
           <a:p>
-            <a:pPr indent="-368300" lvl="0" marL="914400" rtl="0" algn="l">
+            <a:pPr marL="914400" lvl="0" indent="-368300" algn="l" rtl="0">
               <a:spcBef>
                 <a:spcPts val="600"/>
               </a:spcBef>
@@ -12477,7 +12676,7 @@
             </a:endParaRPr>
           </a:p>
           <a:p>
-            <a:pPr indent="-368300" lvl="0" marL="914400" rtl="0" algn="l">
+            <a:pPr marL="914400" lvl="0" indent="-368300" algn="l" rtl="0">
               <a:spcBef>
                 <a:spcPts val="0"/>
               </a:spcBef>
@@ -12505,7 +12704,7 @@
             </a:endParaRPr>
           </a:p>
           <a:p>
-            <a:pPr indent="-368300" lvl="0" marL="914400" rtl="0" algn="l">
+            <a:pPr marL="914400" lvl="0" indent="-368300" algn="l" rtl="0">
               <a:spcBef>
                 <a:spcPts val="0"/>
               </a:spcBef>
@@ -12533,7 +12732,7 @@
             </a:endParaRPr>
           </a:p>
           <a:p>
-            <a:pPr indent="-368300" lvl="0" marL="914400" rtl="0" algn="l">
+            <a:pPr marL="914400" lvl="0" indent="-368300" algn="l" rtl="0">
               <a:spcBef>
                 <a:spcPts val="0"/>
               </a:spcBef>
@@ -12565,7 +12764,9 @@
       <p:sp>
         <p:nvSpPr>
           <p:cNvPr id="118" name="Google Shape;118;p21"/>
-          <p:cNvSpPr txBox="1"/>
+          <p:cNvSpPr txBox="1">
+            <a:spLocks noGrp="1"/>
+          </p:cNvSpPr>
           <p:nvPr>
             <p:ph type="title"/>
           </p:nvPr>
@@ -12580,12 +12781,12 @@
           </a:prstGeom>
         </p:spPr>
         <p:txBody>
-          <a:bodyPr anchorCtr="0" anchor="b" bIns="0" lIns="0" spcFirstLastPara="1" rIns="0" wrap="square" tIns="0">
+          <a:bodyPr spcFirstLastPara="1" wrap="square" lIns="0" tIns="0" rIns="0" bIns="0" anchor="b" anchorCtr="0">
             <a:noAutofit/>
           </a:bodyPr>
           <a:lstStyle/>
           <a:p>
-            <a:pPr indent="0" lvl="0" marL="0" rtl="0" algn="ctr">
+            <a:pPr marL="0" lvl="0" indent="0" algn="ctr" rtl="0">
               <a:spcBef>
                 <a:spcPts val="0"/>
               </a:spcBef>
@@ -12605,9 +12806,11 @@
       <p:sp>
         <p:nvSpPr>
           <p:cNvPr id="119" name="Google Shape;119;p21"/>
-          <p:cNvSpPr txBox="1"/>
+          <p:cNvSpPr txBox="1">
+            <a:spLocks noGrp="1"/>
+          </p:cNvSpPr>
           <p:nvPr>
-            <p:ph idx="1" type="body"/>
+            <p:ph type="body" idx="1"/>
           </p:nvPr>
         </p:nvSpPr>
         <p:spPr>
@@ -12626,12 +12829,12 @@
           </a:ln>
         </p:spPr>
         <p:txBody>
-          <a:bodyPr anchorCtr="0" anchor="t" bIns="0" lIns="0" spcFirstLastPara="1" rIns="0" wrap="square" tIns="0">
+          <a:bodyPr spcFirstLastPara="1" wrap="square" lIns="0" tIns="0" rIns="0" bIns="0" anchor="t" anchorCtr="0">
             <a:noAutofit/>
           </a:bodyPr>
           <a:lstStyle/>
           <a:p>
-            <a:pPr indent="-368300" lvl="0" marL="914400" rtl="0" algn="l">
+            <a:pPr marL="914400" lvl="0" indent="-368300" algn="l" rtl="0">
               <a:spcBef>
                 <a:spcPts val="600"/>
               </a:spcBef>
@@ -12659,7 +12862,7 @@
             </a:endParaRPr>
           </a:p>
           <a:p>
-            <a:pPr indent="-368300" lvl="0" marL="914400" rtl="0" algn="l">
+            <a:pPr marL="914400" lvl="0" indent="-368300" algn="l" rtl="0">
               <a:spcBef>
                 <a:spcPts val="0"/>
               </a:spcBef>
@@ -12687,7 +12890,7 @@
             </a:endParaRPr>
           </a:p>
           <a:p>
-            <a:pPr indent="-368300" lvl="0" marL="914400" rtl="0" algn="l">
+            <a:pPr marL="914400" lvl="0" indent="-368300" algn="l" rtl="0">
               <a:spcBef>
                 <a:spcPts val="0"/>
               </a:spcBef>
@@ -12725,11 +12928,11 @@
 </file>
 
 <file path=ppt/slides/slide7.xml><?xml version="1.0" encoding="utf-8"?>
-<p:sld xmlns:a="http://schemas.openxmlformats.org/drawingml/2006/main" xmlns:r="http://schemas.openxmlformats.org/officeDocument/2006/relationships" xmlns:mc="http://schemas.openxmlformats.org/markup-compatibility/2006" xmlns:mv="urn:schemas-microsoft-com:mac:vml" xmlns:p="http://schemas.openxmlformats.org/presentationml/2006/main" xmlns:c="http://schemas.openxmlformats.org/drawingml/2006/chart" xmlns:dgm="http://schemas.openxmlformats.org/drawingml/2006/diagram" xmlns:o="urn:schemas-microsoft-com:office:office" xmlns:v="urn:schemas-microsoft-com:vml" xmlns:pvml="urn:schemas-microsoft-com:office:powerpoint" xmlns:com="http://schemas.openxmlformats.org/drawingml/2006/compatibility" xmlns:p14="http://schemas.microsoft.com/office/powerpoint/2010/main" xmlns:p15="http://schemas.microsoft.com/office/powerpoint/2012/main">
+<p:sld xmlns:a="http://schemas.openxmlformats.org/drawingml/2006/main" xmlns:r="http://schemas.openxmlformats.org/officeDocument/2006/relationships" xmlns:p="http://schemas.openxmlformats.org/presentationml/2006/main">
   <p:cSld>
     <p:spTree>
       <p:nvGrpSpPr>
-        <p:cNvPr id="123" name="Shape 123"/>
+        <p:cNvPr id="1" name="Shape 123"/>
         <p:cNvGrpSpPr/>
         <p:nvPr/>
       </p:nvGrpSpPr>
@@ -12744,7 +12947,9 @@
       <p:sp>
         <p:nvSpPr>
           <p:cNvPr id="124" name="Google Shape;124;p22"/>
-          <p:cNvSpPr txBox="1"/>
+          <p:cNvSpPr txBox="1">
+            <a:spLocks noGrp="1"/>
+          </p:cNvSpPr>
           <p:nvPr>
             <p:ph type="title"/>
           </p:nvPr>
@@ -12759,12 +12964,12 @@
           </a:prstGeom>
         </p:spPr>
         <p:txBody>
-          <a:bodyPr anchorCtr="0" anchor="b" bIns="0" lIns="0" spcFirstLastPara="1" rIns="0" wrap="square" tIns="0">
+          <a:bodyPr spcFirstLastPara="1" wrap="square" lIns="0" tIns="0" rIns="0" bIns="0" anchor="b" anchorCtr="0">
             <a:noAutofit/>
           </a:bodyPr>
           <a:lstStyle/>
           <a:p>
-            <a:pPr indent="0" lvl="0" marL="0" rtl="0" algn="l">
+            <a:pPr marL="0" lvl="0" indent="0" algn="l" rtl="0">
               <a:spcBef>
                 <a:spcPts val="0"/>
               </a:spcBef>
@@ -12774,21 +12979,19 @@
               <a:buNone/>
             </a:pPr>
             <a:r>
-              <a:rPr lang="en"/>
-              <a:t>User</a:t>
+              <a:rPr lang="en" dirty="0"/>
+              <a:t>User Module </a:t>
             </a:r>
-            <a:r>
-              <a:rPr lang="en"/>
-              <a:t> Module (Jeryl)</a:t>
-            </a:r>
-            <a:endParaRPr/>
+            <a:endParaRPr dirty="0"/>
           </a:p>
         </p:txBody>
       </p:sp>
       <p:sp>
         <p:nvSpPr>
           <p:cNvPr id="125" name="Google Shape;125;p22"/>
-          <p:cNvSpPr txBox="1"/>
+          <p:cNvSpPr txBox="1">
+            <a:spLocks noGrp="1"/>
+          </p:cNvSpPr>
           <p:nvPr>
             <p:ph type="title"/>
           </p:nvPr>
@@ -12803,12 +13006,12 @@
           </a:prstGeom>
         </p:spPr>
         <p:txBody>
-          <a:bodyPr anchorCtr="0" anchor="b" bIns="0" lIns="0" spcFirstLastPara="1" rIns="0" wrap="square" tIns="0">
+          <a:bodyPr spcFirstLastPara="1" wrap="square" lIns="0" tIns="0" rIns="0" bIns="0" anchor="b" anchorCtr="0">
             <a:noAutofit/>
           </a:bodyPr>
           <a:lstStyle/>
           <a:p>
-            <a:pPr indent="0" lvl="0" marL="0" rtl="0" algn="ctr">
+            <a:pPr marL="0" lvl="0" indent="0" algn="ctr" rtl="0">
               <a:spcBef>
                 <a:spcPts val="0"/>
               </a:spcBef>
@@ -12828,7 +13031,9 @@
       <p:sp>
         <p:nvSpPr>
           <p:cNvPr id="126" name="Google Shape;126;p22"/>
-          <p:cNvSpPr txBox="1"/>
+          <p:cNvSpPr txBox="1">
+            <a:spLocks noGrp="1"/>
+          </p:cNvSpPr>
           <p:nvPr>
             <p:ph type="title"/>
           </p:nvPr>
@@ -12843,12 +13048,12 @@
           </a:prstGeom>
         </p:spPr>
         <p:txBody>
-          <a:bodyPr anchorCtr="0" anchor="b" bIns="0" lIns="0" spcFirstLastPara="1" rIns="0" wrap="square" tIns="0">
+          <a:bodyPr spcFirstLastPara="1" wrap="square" lIns="0" tIns="0" rIns="0" bIns="0" anchor="b" anchorCtr="0">
             <a:noAutofit/>
           </a:bodyPr>
           <a:lstStyle/>
           <a:p>
-            <a:pPr indent="0" lvl="0" marL="0" rtl="0" algn="ctr">
+            <a:pPr marL="0" lvl="0" indent="0" algn="ctr" rtl="0">
               <a:spcBef>
                 <a:spcPts val="0"/>
               </a:spcBef>
@@ -12868,9 +13073,11 @@
       <p:sp>
         <p:nvSpPr>
           <p:cNvPr id="127" name="Google Shape;127;p22"/>
-          <p:cNvSpPr txBox="1"/>
+          <p:cNvSpPr txBox="1">
+            <a:spLocks noGrp="1"/>
+          </p:cNvSpPr>
           <p:nvPr>
-            <p:ph idx="4294967295" type="body"/>
+            <p:ph type="body" idx="4294967295"/>
           </p:nvPr>
         </p:nvSpPr>
         <p:spPr>
@@ -12889,12 +13096,12 @@
           </a:ln>
         </p:spPr>
         <p:txBody>
-          <a:bodyPr anchorCtr="0" anchor="t" bIns="0" lIns="0" spcFirstLastPara="1" rIns="0" wrap="square" tIns="0">
+          <a:bodyPr spcFirstLastPara="1" wrap="square" lIns="0" tIns="0" rIns="0" bIns="0" anchor="t" anchorCtr="0">
             <a:noAutofit/>
           </a:bodyPr>
           <a:lstStyle/>
           <a:p>
-            <a:pPr indent="-368300" lvl="0" marL="914400" rtl="0" algn="l">
+            <a:pPr marL="914400" lvl="0" indent="-368300" algn="l" rtl="0">
               <a:spcBef>
                 <a:spcPts val="600"/>
               </a:spcBef>
@@ -12922,7 +13129,7 @@
             </a:endParaRPr>
           </a:p>
           <a:p>
-            <a:pPr indent="-368300" lvl="0" marL="914400" rtl="0" algn="l">
+            <a:pPr marL="914400" lvl="0" indent="-368300" algn="l" rtl="0">
               <a:spcBef>
                 <a:spcPts val="0"/>
               </a:spcBef>
@@ -12950,7 +13157,7 @@
             </a:endParaRPr>
           </a:p>
           <a:p>
-            <a:pPr indent="-368300" lvl="0" marL="914400" rtl="0" algn="l">
+            <a:pPr marL="914400" lvl="0" indent="-368300" algn="l" rtl="0">
               <a:spcBef>
                 <a:spcPts val="0"/>
               </a:spcBef>
@@ -12978,7 +13185,7 @@
             </a:endParaRPr>
           </a:p>
           <a:p>
-            <a:pPr indent="-368300" lvl="0" marL="914400" rtl="0" algn="l">
+            <a:pPr marL="914400" lvl="0" indent="-368300" algn="l" rtl="0">
               <a:spcBef>
                 <a:spcPts val="0"/>
               </a:spcBef>
@@ -13010,9 +13217,11 @@
       <p:sp>
         <p:nvSpPr>
           <p:cNvPr id="128" name="Google Shape;128;p22"/>
-          <p:cNvSpPr txBox="1"/>
+          <p:cNvSpPr txBox="1">
+            <a:spLocks noGrp="1"/>
+          </p:cNvSpPr>
           <p:nvPr>
-            <p:ph idx="4294967295" type="body"/>
+            <p:ph type="body" idx="4294967295"/>
           </p:nvPr>
         </p:nvSpPr>
         <p:spPr>
@@ -13031,12 +13240,12 @@
           </a:ln>
         </p:spPr>
         <p:txBody>
-          <a:bodyPr anchorCtr="0" anchor="t" bIns="0" lIns="0" spcFirstLastPara="1" rIns="0" wrap="square" tIns="0">
+          <a:bodyPr spcFirstLastPara="1" wrap="square" lIns="0" tIns="0" rIns="0" bIns="0" anchor="t" anchorCtr="0">
             <a:noAutofit/>
           </a:bodyPr>
           <a:lstStyle/>
           <a:p>
-            <a:pPr indent="-368300" lvl="0" marL="914400" rtl="0" algn="l">
+            <a:pPr marL="914400" lvl="0" indent="-368300" algn="l" rtl="0">
               <a:spcBef>
                 <a:spcPts val="600"/>
               </a:spcBef>
@@ -13064,7 +13273,7 @@
             </a:endParaRPr>
           </a:p>
           <a:p>
-            <a:pPr indent="-368300" lvl="0" marL="914400" rtl="0" algn="l">
+            <a:pPr marL="914400" lvl="0" indent="-368300" algn="l" rtl="0">
               <a:spcBef>
                 <a:spcPts val="0"/>
               </a:spcBef>
@@ -13102,11 +13311,11 @@
 </file>
 
 <file path=ppt/slides/slide8.xml><?xml version="1.0" encoding="utf-8"?>
-<p:sld xmlns:a="http://schemas.openxmlformats.org/drawingml/2006/main" xmlns:r="http://schemas.openxmlformats.org/officeDocument/2006/relationships" xmlns:mc="http://schemas.openxmlformats.org/markup-compatibility/2006" xmlns:mv="urn:schemas-microsoft-com:mac:vml" xmlns:p="http://schemas.openxmlformats.org/presentationml/2006/main" xmlns:c="http://schemas.openxmlformats.org/drawingml/2006/chart" xmlns:dgm="http://schemas.openxmlformats.org/drawingml/2006/diagram" xmlns:o="urn:schemas-microsoft-com:office:office" xmlns:v="urn:schemas-microsoft-com:vml" xmlns:pvml="urn:schemas-microsoft-com:office:powerpoint" xmlns:com="http://schemas.openxmlformats.org/drawingml/2006/compatibility" xmlns:p14="http://schemas.microsoft.com/office/powerpoint/2010/main" xmlns:p15="http://schemas.microsoft.com/office/powerpoint/2012/main">
+<p:sld xmlns:a="http://schemas.openxmlformats.org/drawingml/2006/main" xmlns:r="http://schemas.openxmlformats.org/officeDocument/2006/relationships" xmlns:p="http://schemas.openxmlformats.org/presentationml/2006/main">
   <p:cSld>
     <p:spTree>
       <p:nvGrpSpPr>
-        <p:cNvPr id="132" name="Shape 132"/>
+        <p:cNvPr id="1" name="Shape 132"/>
         <p:cNvGrpSpPr/>
         <p:nvPr/>
       </p:nvGrpSpPr>
@@ -13121,7 +13330,9 @@
       <p:sp>
         <p:nvSpPr>
           <p:cNvPr id="133" name="Google Shape;133;p23"/>
-          <p:cNvSpPr txBox="1"/>
+          <p:cNvSpPr txBox="1">
+            <a:spLocks noGrp="1"/>
+          </p:cNvSpPr>
           <p:nvPr>
             <p:ph type="title"/>
           </p:nvPr>
@@ -13136,12 +13347,12 @@
           </a:prstGeom>
         </p:spPr>
         <p:txBody>
-          <a:bodyPr anchorCtr="0" anchor="b" bIns="0" lIns="0" spcFirstLastPara="1" rIns="0" wrap="square" tIns="0">
+          <a:bodyPr spcFirstLastPara="1" wrap="square" lIns="0" tIns="0" rIns="0" bIns="0" anchor="b" anchorCtr="0">
             <a:noAutofit/>
           </a:bodyPr>
           <a:lstStyle/>
           <a:p>
-            <a:pPr indent="0" lvl="0" marL="0" rtl="0" algn="l">
+            <a:pPr marL="0" lvl="0" indent="0" algn="l" rtl="0">
               <a:spcBef>
                 <a:spcPts val="0"/>
               </a:spcBef>
@@ -13161,9 +13372,11 @@
       <p:sp>
         <p:nvSpPr>
           <p:cNvPr id="134" name="Google Shape;134;p23"/>
-          <p:cNvSpPr txBox="1"/>
+          <p:cNvSpPr txBox="1">
+            <a:spLocks noGrp="1"/>
+          </p:cNvSpPr>
           <p:nvPr>
-            <p:ph idx="1" type="body"/>
+            <p:ph type="body" idx="1"/>
           </p:nvPr>
         </p:nvSpPr>
         <p:spPr>
@@ -13176,12 +13389,12 @@
           </a:prstGeom>
         </p:spPr>
         <p:txBody>
-          <a:bodyPr anchorCtr="0" anchor="t" bIns="0" lIns="0" spcFirstLastPara="1" rIns="0" wrap="square" tIns="0">
+          <a:bodyPr spcFirstLastPara="1" wrap="square" lIns="0" tIns="0" rIns="0" bIns="0" anchor="t" anchorCtr="0">
             <a:noAutofit/>
           </a:bodyPr>
           <a:lstStyle/>
           <a:p>
-            <a:pPr indent="-368300" lvl="0" marL="457200" rtl="0" algn="l">
+            <a:pPr marL="457200" lvl="0" indent="-368300" algn="l" rtl="0">
               <a:spcBef>
                 <a:spcPts val="600"/>
               </a:spcBef>
@@ -13213,7 +13426,7 @@
             </a:endParaRPr>
           </a:p>
           <a:p>
-            <a:pPr indent="0" lvl="0" marL="0" rtl="0" algn="l">
+            <a:pPr marL="0" lvl="0" indent="0" algn="l" rtl="0">
               <a:spcBef>
                 <a:spcPts val="600"/>
               </a:spcBef>
@@ -13222,13 +13435,10 @@
               </a:spcAft>
               <a:buNone/>
             </a:pPr>
-            <a:r>
-              <a:t/>
-            </a:r>
             <a:endParaRPr/>
           </a:p>
           <a:p>
-            <a:pPr indent="0" lvl="0" marL="0" rtl="0" algn="l">
+            <a:pPr marL="0" lvl="0" indent="0" algn="l" rtl="0">
               <a:spcBef>
                 <a:spcPts val="600"/>
               </a:spcBef>
@@ -13237,9 +13447,6 @@
               </a:spcAft>
               <a:buNone/>
             </a:pPr>
-            <a:r>
-              <a:t/>
-            </a:r>
             <a:endParaRPr/>
           </a:p>
         </p:txBody>
@@ -13264,12 +13471,12 @@
           </a:ln>
         </p:spPr>
         <p:txBody>
-          <a:bodyPr anchorCtr="0" anchor="t" bIns="91425" lIns="91425" spcFirstLastPara="1" rIns="91425" wrap="square" tIns="91425">
+          <a:bodyPr spcFirstLastPara="1" wrap="square" lIns="91425" tIns="91425" rIns="91425" bIns="91425" anchor="t" anchorCtr="0">
             <a:noAutofit/>
           </a:bodyPr>
           <a:lstStyle/>
           <a:p>
-            <a:pPr indent="0" lvl="0" marL="0" rtl="0" algn="l">
+            <a:pPr marL="0" lvl="0" indent="0" algn="l" rtl="0">
               <a:lnSpc>
                 <a:spcPct val="115000"/>
               </a:lnSpc>
@@ -13290,15 +13497,7 @@
             </a:br>
             <a:r>
               <a:rPr lang="en" sz="1800"/>
-              <a:t>Xande, Wang Bin , </a:t>
-            </a:r>
-            <a:r>
-              <a:rPr lang="en" sz="1800"/>
-              <a:t>Wee </a:t>
-            </a:r>
-            <a:r>
-              <a:rPr lang="en" sz="1800"/>
-              <a:t>Kim, Jeryl</a:t>
+              <a:t>Xande, Wang Bin , Wee Kim, Jeryl</a:t>
             </a:r>
             <a:endParaRPr/>
           </a:p>
@@ -13324,12 +13523,12 @@
           </a:ln>
         </p:spPr>
         <p:txBody>
-          <a:bodyPr anchorCtr="0" anchor="t" bIns="91425" lIns="91425" spcFirstLastPara="1" rIns="91425" wrap="square" tIns="91425">
+          <a:bodyPr spcFirstLastPara="1" wrap="square" lIns="91425" tIns="91425" rIns="91425" bIns="91425" anchor="t" anchorCtr="0">
             <a:noAutofit/>
           </a:bodyPr>
           <a:lstStyle/>
           <a:p>
-            <a:pPr indent="-342900" lvl="0" marL="457200" rtl="0" algn="l">
+            <a:pPr marL="457200" lvl="0" indent="-342900" algn="l" rtl="0">
               <a:lnSpc>
                 <a:spcPct val="115000"/>
               </a:lnSpc>
@@ -13349,7 +13548,7 @@
             <a:endParaRPr sz="1800"/>
           </a:p>
           <a:p>
-            <a:pPr indent="0" lvl="0" marL="0" rtl="0" algn="l">
+            <a:pPr marL="0" lvl="0" indent="0" algn="l" rtl="0">
               <a:spcBef>
                 <a:spcPts val="1600"/>
               </a:spcBef>
@@ -13358,9 +13557,6 @@
               </a:spcAft>
               <a:buNone/>
             </a:pPr>
-            <a:r>
-              <a:t/>
-            </a:r>
             <a:endParaRPr/>
           </a:p>
         </p:txBody>
@@ -13385,12 +13581,12 @@
           </a:ln>
         </p:spPr>
         <p:txBody>
-          <a:bodyPr anchorCtr="0" anchor="t" bIns="91425" lIns="91425" spcFirstLastPara="1" rIns="91425" wrap="square" tIns="91425">
+          <a:bodyPr spcFirstLastPara="1" wrap="square" lIns="91425" tIns="91425" rIns="91425" bIns="91425" anchor="t" anchorCtr="0">
             <a:noAutofit/>
           </a:bodyPr>
           <a:lstStyle/>
           <a:p>
-            <a:pPr indent="-342900" lvl="0" marL="457200" rtl="0" algn="l">
+            <a:pPr marL="457200" lvl="0" indent="-342900" algn="l" rtl="0">
               <a:lnSpc>
                 <a:spcPct val="115000"/>
               </a:lnSpc>
@@ -13410,7 +13606,7 @@
             <a:endParaRPr sz="1800"/>
           </a:p>
           <a:p>
-            <a:pPr indent="0" lvl="0" marL="0" rtl="0" algn="l">
+            <a:pPr marL="0" lvl="0" indent="0" algn="l" rtl="0">
               <a:spcBef>
                 <a:spcPts val="1600"/>
               </a:spcBef>
@@ -13419,9 +13615,6 @@
               </a:spcAft>
               <a:buNone/>
             </a:pPr>
-            <a:r>
-              <a:t/>
-            </a:r>
             <a:endParaRPr/>
           </a:p>
         </p:txBody>
@@ -13441,23 +13634,23 @@
             <a:avLst/>
           </a:prstGeom>
           <a:noFill/>
-          <a:ln cap="flat" cmpd="sng" w="9525">
+          <a:ln w="9525" cap="flat" cmpd="sng">
             <a:solidFill>
               <a:srgbClr val="FFFFFF"/>
             </a:solidFill>
             <a:prstDash val="solid"/>
             <a:round/>
-            <a:headEnd len="sm" w="sm" type="none"/>
-            <a:tailEnd len="sm" w="sm" type="none"/>
+            <a:headEnd type="none" w="sm" len="sm"/>
+            <a:tailEnd type="none" w="sm" len="sm"/>
           </a:ln>
         </p:spPr>
         <p:txBody>
-          <a:bodyPr anchorCtr="0" anchor="t" bIns="91425" lIns="91425" spcFirstLastPara="1" rIns="91425" wrap="square" tIns="91425">
+          <a:bodyPr spcFirstLastPara="1" wrap="square" lIns="91425" tIns="91425" rIns="91425" bIns="91425" anchor="t" anchorCtr="0">
             <a:noAutofit/>
           </a:bodyPr>
           <a:lstStyle/>
           <a:p>
-            <a:pPr indent="0" lvl="0" marL="0" marR="0" rtl="0" algn="l">
+            <a:pPr marL="0" marR="0" lvl="0" indent="0" algn="l" rtl="0">
               <a:lnSpc>
                 <a:spcPct val="115000"/>
               </a:lnSpc>
@@ -13475,11 +13668,11 @@
               <a:buNone/>
             </a:pPr>
             <a:r>
-              <a:rPr b="1" lang="en" sz="1800"/>
+              <a:rPr lang="en" sz="1800" b="1"/>
               <a:t>Handling of merging application in Repository</a:t>
             </a:r>
             <a:r>
-              <a:rPr b="1" lang="en"/>
+              <a:rPr lang="en" b="1"/>
               <a:t>.</a:t>
             </a:r>
             <a:endParaRPr b="1"/>
@@ -13522,32 +13715,32 @@
   <p:timing>
     <p:tnLst>
       <p:par>
-        <p:cTn dur="indefinite" nodeType="tmRoot" restart="never">
+        <p:cTn id="1" dur="indefinite" restart="never" nodeType="tmRoot">
           <p:childTnLst>
             <p:seq concurrent="1" nextAc="seek">
-              <p:cTn dur="indefinite" id="2" nodeType="mainSeq">
+              <p:cTn id="2" dur="indefinite" nodeType="mainSeq">
                 <p:childTnLst>
                   <p:par>
-                    <p:cTn fill="hold">
+                    <p:cTn id="3" fill="hold">
                       <p:stCondLst>
                         <p:cond delay="indefinite"/>
                       </p:stCondLst>
                       <p:childTnLst>
                         <p:par>
-                          <p:cTn fill="hold">
+                          <p:cTn id="4" fill="hold">
                             <p:stCondLst>
                               <p:cond delay="0"/>
                             </p:stCondLst>
                             <p:childTnLst>
                               <p:par>
-                                <p:cTn fill="hold" nodeType="clickEffect" presetClass="entr" presetID="10" presetSubtype="0">
+                                <p:cTn id="5" presetID="10" presetClass="entr" presetSubtype="0" fill="hold" nodeType="clickEffect">
                                   <p:stCondLst>
                                     <p:cond delay="0"/>
                                   </p:stCondLst>
                                   <p:childTnLst>
                                     <p:set>
                                       <p:cBhvr>
-                                        <p:cTn dur="1" fill="hold">
+                                        <p:cTn id="6" dur="1" fill="hold">
                                           <p:stCondLst>
                                             <p:cond delay="0"/>
                                           </p:stCondLst>
@@ -13563,9 +13756,9 @@
                                         <p:strVal val="visible"/>
                                       </p:to>
                                     </p:set>
-                                    <p:animEffect filter="fade" transition="in">
+                                    <p:animEffect transition="in" filter="fade">
                                       <p:cBhvr>
-                                        <p:cTn dur="1000"/>
+                                        <p:cTn id="7" dur="1000"/>
                                         <p:tgtEl>
                                           <p:spTgt spid="134"/>
                                         </p:tgtEl>
@@ -13581,26 +13774,26 @@
                     </p:cTn>
                   </p:par>
                   <p:par>
-                    <p:cTn fill="hold">
+                    <p:cTn id="8" fill="hold">
                       <p:stCondLst>
                         <p:cond delay="indefinite"/>
                       </p:stCondLst>
                       <p:childTnLst>
                         <p:par>
-                          <p:cTn fill="hold">
+                          <p:cTn id="9" fill="hold">
                             <p:stCondLst>
                               <p:cond delay="0"/>
                             </p:stCondLst>
                             <p:childTnLst>
                               <p:par>
-                                <p:cTn fill="hold" nodeType="clickEffect" presetClass="entr" presetID="10" presetSubtype="0">
+                                <p:cTn id="10" presetID="10" presetClass="entr" presetSubtype="0" fill="hold" nodeType="clickEffect">
                                   <p:stCondLst>
                                     <p:cond delay="0"/>
                                   </p:stCondLst>
                                   <p:childTnLst>
                                     <p:set>
                                       <p:cBhvr>
-                                        <p:cTn dur="1" fill="hold">
+                                        <p:cTn id="11" dur="1" fill="hold">
                                           <p:stCondLst>
                                             <p:cond delay="0"/>
                                           </p:stCondLst>
@@ -13616,9 +13809,9 @@
                                         <p:strVal val="visible"/>
                                       </p:to>
                                     </p:set>
-                                    <p:animEffect filter="fade" transition="in">
+                                    <p:animEffect transition="in" filter="fade">
                                       <p:cBhvr>
-                                        <p:cTn dur="1000"/>
+                                        <p:cTn id="12" dur="1000"/>
                                         <p:tgtEl>
                                           <p:spTgt spid="135"/>
                                         </p:tgtEl>
@@ -13634,26 +13827,26 @@
                     </p:cTn>
                   </p:par>
                   <p:par>
-                    <p:cTn fill="hold">
+                    <p:cTn id="13" fill="hold">
                       <p:stCondLst>
                         <p:cond delay="indefinite"/>
                       </p:stCondLst>
                       <p:childTnLst>
                         <p:par>
-                          <p:cTn fill="hold">
+                          <p:cTn id="14" fill="hold">
                             <p:stCondLst>
                               <p:cond delay="0"/>
                             </p:stCondLst>
                             <p:childTnLst>
                               <p:par>
-                                <p:cTn fill="hold" nodeType="clickEffect" presetClass="entr" presetID="10" presetSubtype="0">
+                                <p:cTn id="15" presetID="10" presetClass="entr" presetSubtype="0" fill="hold" nodeType="clickEffect">
                                   <p:stCondLst>
                                     <p:cond delay="0"/>
                                   </p:stCondLst>
                                   <p:childTnLst>
                                     <p:set>
                                       <p:cBhvr>
-                                        <p:cTn dur="1" fill="hold">
+                                        <p:cTn id="16" dur="1" fill="hold">
                                           <p:stCondLst>
                                             <p:cond delay="0"/>
                                           </p:stCondLst>
@@ -13669,9 +13862,9 @@
                                         <p:strVal val="visible"/>
                                       </p:to>
                                     </p:set>
-                                    <p:animEffect filter="fade" transition="in">
+                                    <p:animEffect transition="in" filter="fade">
                                       <p:cBhvr>
-                                        <p:cTn dur="1000"/>
+                                        <p:cTn id="17" dur="1000"/>
                                         <p:tgtEl>
                                           <p:spTgt spid="138"/>
                                         </p:tgtEl>
@@ -13687,26 +13880,26 @@
                     </p:cTn>
                   </p:par>
                   <p:par>
-                    <p:cTn fill="hold">
+                    <p:cTn id="18" fill="hold">
                       <p:stCondLst>
                         <p:cond delay="indefinite"/>
                       </p:stCondLst>
                       <p:childTnLst>
                         <p:par>
-                          <p:cTn fill="hold">
+                          <p:cTn id="19" fill="hold">
                             <p:stCondLst>
                               <p:cond delay="0"/>
                             </p:stCondLst>
                             <p:childTnLst>
                               <p:par>
-                                <p:cTn fill="hold" nodeType="clickEffect" presetClass="entr" presetID="10" presetSubtype="0">
+                                <p:cTn id="20" presetID="10" presetClass="entr" presetSubtype="0" fill="hold" nodeType="clickEffect">
                                   <p:stCondLst>
                                     <p:cond delay="0"/>
                                   </p:stCondLst>
                                   <p:childTnLst>
                                     <p:set>
                                       <p:cBhvr>
-                                        <p:cTn dur="1" fill="hold">
+                                        <p:cTn id="21" dur="1" fill="hold">
                                           <p:stCondLst>
                                             <p:cond delay="0"/>
                                           </p:stCondLst>
@@ -13722,9 +13915,9 @@
                                         <p:strVal val="visible"/>
                                       </p:to>
                                     </p:set>
-                                    <p:animEffect filter="fade" transition="in">
+                                    <p:animEffect transition="in" filter="fade">
                                       <p:cBhvr>
-                                        <p:cTn dur="1000"/>
+                                        <p:cTn id="22" dur="1000"/>
                                         <p:tgtEl>
                                           <p:spTgt spid="136"/>
                                         </p:tgtEl>
@@ -13740,26 +13933,26 @@
                     </p:cTn>
                   </p:par>
                   <p:par>
-                    <p:cTn fill="hold">
+                    <p:cTn id="23" fill="hold">
                       <p:stCondLst>
                         <p:cond delay="indefinite"/>
                       </p:stCondLst>
                       <p:childTnLst>
                         <p:par>
-                          <p:cTn fill="hold">
+                          <p:cTn id="24" fill="hold">
                             <p:stCondLst>
                               <p:cond delay="0"/>
                             </p:stCondLst>
                             <p:childTnLst>
                               <p:par>
-                                <p:cTn fill="hold" nodeType="clickEffect" presetClass="entr" presetID="10" presetSubtype="0">
+                                <p:cTn id="25" presetID="10" presetClass="entr" presetSubtype="0" fill="hold" nodeType="clickEffect">
                                   <p:stCondLst>
                                     <p:cond delay="0"/>
                                   </p:stCondLst>
                                   <p:childTnLst>
                                     <p:set>
                                       <p:cBhvr>
-                                        <p:cTn dur="1" fill="hold">
+                                        <p:cTn id="26" dur="1" fill="hold">
                                           <p:stCondLst>
                                             <p:cond delay="0"/>
                                           </p:stCondLst>
@@ -13775,9 +13968,9 @@
                                         <p:strVal val="visible"/>
                                       </p:to>
                                     </p:set>
-                                    <p:animEffect filter="fade" transition="in">
+                                    <p:animEffect transition="in" filter="fade">
                                       <p:cBhvr>
-                                        <p:cTn dur="1000"/>
+                                        <p:cTn id="27" dur="1000"/>
                                         <p:tgtEl>
                                           <p:spTgt spid="137"/>
                                         </p:tgtEl>
@@ -13795,14 +13988,14 @@
                 </p:childTnLst>
               </p:cTn>
               <p:prevCondLst>
-                <p:cond evt="onPrev">
+                <p:cond evt="onPrev" delay="0">
                   <p:tgtEl>
                     <p:sldTgt/>
                   </p:tgtEl>
                 </p:cond>
               </p:prevCondLst>
               <p:nextCondLst>
-                <p:cond evt="onNext">
+                <p:cond evt="onNext" delay="0">
                   <p:tgtEl>
                     <p:sldTgt/>
                   </p:tgtEl>
@@ -13818,11 +14011,11 @@
 </file>
 
 <file path=ppt/slides/slide9.xml><?xml version="1.0" encoding="utf-8"?>
-<p:sld xmlns:a="http://schemas.openxmlformats.org/drawingml/2006/main" xmlns:r="http://schemas.openxmlformats.org/officeDocument/2006/relationships" xmlns:mc="http://schemas.openxmlformats.org/markup-compatibility/2006" xmlns:mv="urn:schemas-microsoft-com:mac:vml" xmlns:p="http://schemas.openxmlformats.org/presentationml/2006/main" xmlns:c="http://schemas.openxmlformats.org/drawingml/2006/chart" xmlns:dgm="http://schemas.openxmlformats.org/drawingml/2006/diagram" xmlns:o="urn:schemas-microsoft-com:office:office" xmlns:v="urn:schemas-microsoft-com:vml" xmlns:pvml="urn:schemas-microsoft-com:office:powerpoint" xmlns:com="http://schemas.openxmlformats.org/drawingml/2006/compatibility" xmlns:p14="http://schemas.microsoft.com/office/powerpoint/2010/main" xmlns:p15="http://schemas.microsoft.com/office/powerpoint/2012/main">
+<p:sld xmlns:a="http://schemas.openxmlformats.org/drawingml/2006/main" xmlns:r="http://schemas.openxmlformats.org/officeDocument/2006/relationships" xmlns:p="http://schemas.openxmlformats.org/presentationml/2006/main">
   <p:cSld>
     <p:spTree>
       <p:nvGrpSpPr>
-        <p:cNvPr id="143" name="Shape 143"/>
+        <p:cNvPr id="1" name="Shape 143"/>
         <p:cNvGrpSpPr/>
         <p:nvPr/>
       </p:nvGrpSpPr>
@@ -13837,7 +14030,9 @@
       <p:sp>
         <p:nvSpPr>
           <p:cNvPr id="144" name="Google Shape;144;p24"/>
-          <p:cNvSpPr txBox="1"/>
+          <p:cNvSpPr txBox="1">
+            <a:spLocks noGrp="1"/>
+          </p:cNvSpPr>
           <p:nvPr>
             <p:ph type="title"/>
           </p:nvPr>
@@ -13852,12 +14047,12 @@
           </a:prstGeom>
         </p:spPr>
         <p:txBody>
-          <a:bodyPr anchorCtr="0" anchor="b" bIns="0" lIns="0" spcFirstLastPara="1" rIns="0" wrap="square" tIns="0">
+          <a:bodyPr spcFirstLastPara="1" wrap="square" lIns="0" tIns="0" rIns="0" bIns="0" anchor="b" anchorCtr="0">
             <a:noAutofit/>
           </a:bodyPr>
           <a:lstStyle/>
           <a:p>
-            <a:pPr indent="0" lvl="0" marL="0" rtl="0" algn="l">
+            <a:pPr marL="0" lvl="0" indent="0" algn="l" rtl="0">
               <a:spcBef>
                 <a:spcPts val="0"/>
               </a:spcBef>
@@ -13867,19 +14062,21 @@
               <a:buNone/>
             </a:pPr>
             <a:r>
-              <a:rPr lang="en"/>
-              <a:t>Test Log(WK)</a:t>
+              <a:rPr lang="en" dirty="0"/>
+              <a:t>Test Log</a:t>
             </a:r>
-            <a:endParaRPr/>
+            <a:endParaRPr dirty="0"/>
           </a:p>
         </p:txBody>
       </p:sp>
       <p:sp>
         <p:nvSpPr>
           <p:cNvPr id="145" name="Google Shape;145;p24"/>
-          <p:cNvSpPr txBox="1"/>
+          <p:cNvSpPr txBox="1">
+            <a:spLocks noGrp="1"/>
+          </p:cNvSpPr>
           <p:nvPr>
-            <p:ph idx="1" type="body"/>
+            <p:ph type="body" idx="1"/>
           </p:nvPr>
         </p:nvSpPr>
         <p:spPr>
@@ -13892,12 +14089,12 @@
           </a:prstGeom>
         </p:spPr>
         <p:txBody>
-          <a:bodyPr anchorCtr="0" anchor="t" bIns="0" lIns="0" spcFirstLastPara="1" rIns="0" wrap="square" tIns="0">
+          <a:bodyPr spcFirstLastPara="1" wrap="square" lIns="0" tIns="0" rIns="0" bIns="0" anchor="t" anchorCtr="0">
             <a:noAutofit/>
           </a:bodyPr>
           <a:lstStyle/>
           <a:p>
-            <a:pPr indent="-368300" lvl="0" marL="457200" rtl="0" algn="l">
+            <a:pPr marL="457200" lvl="0" indent="-368300" algn="l" rtl="0">
               <a:spcBef>
                 <a:spcPts val="600"/>
               </a:spcBef>
@@ -13914,7 +14111,7 @@
             <a:endParaRPr/>
           </a:p>
           <a:p>
-            <a:pPr indent="-368300" lvl="0" marL="457200" rtl="0" algn="l">
+            <a:pPr marL="457200" lvl="0" indent="-368300" algn="l" rtl="0">
               <a:spcBef>
                 <a:spcPts val="0"/>
               </a:spcBef>
@@ -13931,7 +14128,7 @@
             <a:endParaRPr/>
           </a:p>
           <a:p>
-            <a:pPr indent="-368300" lvl="0" marL="457200" rtl="0" algn="l">
+            <a:pPr marL="457200" lvl="0" indent="-368300" algn="l" rtl="0">
               <a:spcBef>
                 <a:spcPts val="0"/>
               </a:spcBef>
@@ -13958,7 +14155,288 @@
 </file>
 
 <file path=ppt/theme/theme1.xml><?xml version="1.0" encoding="utf-8"?>
-<a:theme xmlns:a="http://schemas.openxmlformats.org/drawingml/2006/main" xmlns:r="http://schemas.openxmlformats.org/officeDocument/2006/relationships">
+<a:theme xmlns:a="http://schemas.openxmlformats.org/drawingml/2006/main" name="Gower template">
+  <a:themeElements>
+    <a:clrScheme name="Custom 347">
+      <a:dk1>
+        <a:srgbClr val="000000"/>
+      </a:dk1>
+      <a:lt1>
+        <a:srgbClr val="FFFFFF"/>
+      </a:lt1>
+      <a:dk2>
+        <a:srgbClr val="666666"/>
+      </a:dk2>
+      <a:lt2>
+        <a:srgbClr val="CCCCCC"/>
+      </a:lt2>
+      <a:accent1>
+        <a:srgbClr val="3A81BA"/>
+      </a:accent1>
+      <a:accent2>
+        <a:srgbClr val="D89F39"/>
+      </a:accent2>
+      <a:accent3>
+        <a:srgbClr val="8BAB42"/>
+      </a:accent3>
+      <a:accent4>
+        <a:srgbClr val="57A7B5"/>
+      </a:accent4>
+      <a:accent5>
+        <a:srgbClr val="8B81D2"/>
+      </a:accent5>
+      <a:accent6>
+        <a:srgbClr val="963334"/>
+      </a:accent6>
+      <a:hlink>
+        <a:srgbClr val="1155CC"/>
+      </a:hlink>
+      <a:folHlink>
+        <a:srgbClr val="6611CC"/>
+      </a:folHlink>
+    </a:clrScheme>
+    <a:fontScheme name="Office">
+      <a:majorFont>
+        <a:latin typeface="Arial"/>
+        <a:ea typeface=""/>
+        <a:cs typeface=""/>
+        <a:font script="Jpan" typeface="ＭＳ Ｐゴシック"/>
+        <a:font script="Hang" typeface="맑은 고딕"/>
+        <a:font script="Hans" typeface="宋体"/>
+        <a:font script="Hant" typeface="新細明體"/>
+        <a:font script="Arab" typeface="Times New Roman"/>
+        <a:font script="Hebr" typeface="Times New Roman"/>
+        <a:font script="Thai" typeface="Angsana New"/>
+        <a:font script="Ethi" typeface="Nyala"/>
+        <a:font script="Beng" typeface="Vrinda"/>
+        <a:font script="Gujr" typeface="Shruti"/>
+        <a:font script="Khmr" typeface="MoolBoran"/>
+        <a:font script="Knda" typeface="Tunga"/>
+        <a:font script="Guru" typeface="Raavi"/>
+        <a:font script="Cans" typeface="Euphemia"/>
+        <a:font script="Cher" typeface="Plantagenet Cherokee"/>
+        <a:font script="Yiii" typeface="Microsoft Yi Baiti"/>
+        <a:font script="Tibt" typeface="Microsoft Himalaya"/>
+        <a:font script="Thaa" typeface="MV Boli"/>
+        <a:font script="Deva" typeface="Mangal"/>
+        <a:font script="Telu" typeface="Gautami"/>
+        <a:font script="Taml" typeface="Latha"/>
+        <a:font script="Syrc" typeface="Estrangelo Edessa"/>
+        <a:font script="Orya" typeface="Kalinga"/>
+        <a:font script="Mlym" typeface="Kartika"/>
+        <a:font script="Laoo" typeface="DokChampa"/>
+        <a:font script="Sinh" typeface="Iskoola Pota"/>
+        <a:font script="Mong" typeface="Mongolian Baiti"/>
+        <a:font script="Viet" typeface="Times New Roman"/>
+        <a:font script="Uigh" typeface="Microsoft Uighur"/>
+        <a:font script="Geor" typeface="Sylfaen"/>
+      </a:majorFont>
+      <a:minorFont>
+        <a:latin typeface="Arial"/>
+        <a:ea typeface=""/>
+        <a:cs typeface=""/>
+        <a:font script="Jpan" typeface="ＭＳ Ｐゴシック"/>
+        <a:font script="Hang" typeface="맑은 고딕"/>
+        <a:font script="Hans" typeface="宋体"/>
+        <a:font script="Hant" typeface="新細明體"/>
+        <a:font script="Arab" typeface="Arial"/>
+        <a:font script="Hebr" typeface="Arial"/>
+        <a:font script="Thai" typeface="Cordia New"/>
+        <a:font script="Ethi" typeface="Nyala"/>
+        <a:font script="Beng" typeface="Vrinda"/>
+        <a:font script="Gujr" typeface="Shruti"/>
+        <a:font script="Khmr" typeface="DaunPenh"/>
+        <a:font script="Knda" typeface="Tunga"/>
+        <a:font script="Guru" typeface="Raavi"/>
+        <a:font script="Cans" typeface="Euphemia"/>
+        <a:font script="Cher" typeface="Plantagenet Cherokee"/>
+        <a:font script="Yiii" typeface="Microsoft Yi Baiti"/>
+        <a:font script="Tibt" typeface="Microsoft Himalaya"/>
+        <a:font script="Thaa" typeface="MV Boli"/>
+        <a:font script="Deva" typeface="Mangal"/>
+        <a:font script="Telu" typeface="Gautami"/>
+        <a:font script="Taml" typeface="Latha"/>
+        <a:font script="Syrc" typeface="Estrangelo Edessa"/>
+        <a:font script="Orya" typeface="Kalinga"/>
+        <a:font script="Mlym" typeface="Kartika"/>
+        <a:font script="Laoo" typeface="DokChampa"/>
+        <a:font script="Sinh" typeface="Iskoola Pota"/>
+        <a:font script="Mong" typeface="Mongolian Baiti"/>
+        <a:font script="Viet" typeface="Arial"/>
+        <a:font script="Uigh" typeface="Microsoft Uighur"/>
+        <a:font script="Geor" typeface="Sylfaen"/>
+      </a:minorFont>
+    </a:fontScheme>
+    <a:fmtScheme name="Office">
+      <a:fillStyleLst>
+        <a:solidFill>
+          <a:schemeClr val="phClr"/>
+        </a:solidFill>
+        <a:gradFill rotWithShape="1">
+          <a:gsLst>
+            <a:gs pos="0">
+              <a:schemeClr val="phClr">
+                <a:tint val="50000"/>
+                <a:satMod val="300000"/>
+              </a:schemeClr>
+            </a:gs>
+            <a:gs pos="35000">
+              <a:schemeClr val="phClr">
+                <a:tint val="37000"/>
+                <a:satMod val="300000"/>
+              </a:schemeClr>
+            </a:gs>
+            <a:gs pos="100000">
+              <a:schemeClr val="phClr">
+                <a:tint val="15000"/>
+                <a:satMod val="350000"/>
+              </a:schemeClr>
+            </a:gs>
+          </a:gsLst>
+          <a:lin ang="16200000" scaled="1"/>
+        </a:gradFill>
+        <a:gradFill rotWithShape="1">
+          <a:gsLst>
+            <a:gs pos="0">
+              <a:schemeClr val="phClr">
+                <a:tint val="100000"/>
+                <a:shade val="100000"/>
+                <a:satMod val="130000"/>
+              </a:schemeClr>
+            </a:gs>
+            <a:gs pos="100000">
+              <a:schemeClr val="phClr">
+                <a:tint val="50000"/>
+                <a:shade val="100000"/>
+                <a:satMod val="350000"/>
+              </a:schemeClr>
+            </a:gs>
+          </a:gsLst>
+          <a:lin ang="16200000" scaled="0"/>
+        </a:gradFill>
+      </a:fillStyleLst>
+      <a:lnStyleLst>
+        <a:ln w="9525" cap="flat" cmpd="sng" algn="ctr">
+          <a:solidFill>
+            <a:schemeClr val="phClr">
+              <a:shade val="95000"/>
+              <a:satMod val="105000"/>
+            </a:schemeClr>
+          </a:solidFill>
+          <a:prstDash val="solid"/>
+        </a:ln>
+        <a:ln w="25400" cap="flat" cmpd="sng" algn="ctr">
+          <a:solidFill>
+            <a:schemeClr val="phClr"/>
+          </a:solidFill>
+          <a:prstDash val="solid"/>
+        </a:ln>
+        <a:ln w="38100" cap="flat" cmpd="sng" algn="ctr">
+          <a:solidFill>
+            <a:schemeClr val="phClr"/>
+          </a:solidFill>
+          <a:prstDash val="solid"/>
+        </a:ln>
+      </a:lnStyleLst>
+      <a:effectStyleLst>
+        <a:effectStyle>
+          <a:effectLst>
+            <a:outerShdw blurRad="40000" dist="20000" dir="5400000" rotWithShape="0">
+              <a:srgbClr val="000000">
+                <a:alpha val="38000"/>
+              </a:srgbClr>
+            </a:outerShdw>
+          </a:effectLst>
+        </a:effectStyle>
+        <a:effectStyle>
+          <a:effectLst>
+            <a:outerShdw blurRad="40000" dist="23000" dir="5400000" rotWithShape="0">
+              <a:srgbClr val="000000">
+                <a:alpha val="35000"/>
+              </a:srgbClr>
+            </a:outerShdw>
+          </a:effectLst>
+        </a:effectStyle>
+        <a:effectStyle>
+          <a:effectLst>
+            <a:outerShdw blurRad="40000" dist="23000" dir="5400000" rotWithShape="0">
+              <a:srgbClr val="000000">
+                <a:alpha val="35000"/>
+              </a:srgbClr>
+            </a:outerShdw>
+          </a:effectLst>
+          <a:scene3d>
+            <a:camera prst="orthographicFront">
+              <a:rot lat="0" lon="0" rev="0"/>
+            </a:camera>
+            <a:lightRig rig="threePt" dir="t">
+              <a:rot lat="0" lon="0" rev="1200000"/>
+            </a:lightRig>
+          </a:scene3d>
+          <a:sp3d>
+            <a:bevelT w="63500" h="25400"/>
+          </a:sp3d>
+        </a:effectStyle>
+      </a:effectStyleLst>
+      <a:bgFillStyleLst>
+        <a:solidFill>
+          <a:schemeClr val="phClr"/>
+        </a:solidFill>
+        <a:gradFill rotWithShape="1">
+          <a:gsLst>
+            <a:gs pos="0">
+              <a:schemeClr val="phClr">
+                <a:tint val="40000"/>
+                <a:satMod val="350000"/>
+              </a:schemeClr>
+            </a:gs>
+            <a:gs pos="40000">
+              <a:schemeClr val="phClr">
+                <a:tint val="45000"/>
+                <a:shade val="99000"/>
+                <a:satMod val="350000"/>
+              </a:schemeClr>
+            </a:gs>
+            <a:gs pos="100000">
+              <a:schemeClr val="phClr">
+                <a:shade val="20000"/>
+                <a:satMod val="255000"/>
+              </a:schemeClr>
+            </a:gs>
+          </a:gsLst>
+          <a:path path="circle">
+            <a:fillToRect l="50000" t="-80000" r="50000" b="180000"/>
+          </a:path>
+        </a:gradFill>
+        <a:gradFill rotWithShape="1">
+          <a:gsLst>
+            <a:gs pos="0">
+              <a:schemeClr val="phClr">
+                <a:tint val="80000"/>
+                <a:satMod val="300000"/>
+              </a:schemeClr>
+            </a:gs>
+            <a:gs pos="100000">
+              <a:schemeClr val="phClr">
+                <a:shade val="30000"/>
+                <a:satMod val="200000"/>
+              </a:schemeClr>
+            </a:gs>
+          </a:gsLst>
+          <a:path path="circle">
+            <a:fillToRect l="50000" t="50000" r="50000" b="50000"/>
+          </a:path>
+        </a:gradFill>
+      </a:bgFillStyleLst>
+    </a:fmtScheme>
+  </a:themeElements>
+  <a:objectDefaults/>
+  <a:extraClrSchemeLst/>
+</a:theme>
+</file>
+
+<file path=ppt/theme/theme2.xml><?xml version="1.0" encoding="utf-8"?>
+<a:theme xmlns:a="http://schemas.openxmlformats.org/drawingml/2006/main">
   <a:themeElements>
     <a:clrScheme name="Default">
       <a:dk1>
@@ -14233,284 +14711,7 @@
       </a:bgFillStyleLst>
     </a:fmtScheme>
   </a:themeElements>
-</a:theme>
-</file>
-
-<file path=ppt/theme/theme2.xml><?xml version="1.0" encoding="utf-8"?>
-<a:theme xmlns:a="http://schemas.openxmlformats.org/drawingml/2006/main" xmlns:r="http://schemas.openxmlformats.org/officeDocument/2006/relationships" name="Gower template">
-  <a:themeElements>
-    <a:clrScheme name="Custom 347">
-      <a:dk1>
-        <a:srgbClr val="000000"/>
-      </a:dk1>
-      <a:lt1>
-        <a:srgbClr val="FFFFFF"/>
-      </a:lt1>
-      <a:dk2>
-        <a:srgbClr val="666666"/>
-      </a:dk2>
-      <a:lt2>
-        <a:srgbClr val="CCCCCC"/>
-      </a:lt2>
-      <a:accent1>
-        <a:srgbClr val="3A81BA"/>
-      </a:accent1>
-      <a:accent2>
-        <a:srgbClr val="D89F39"/>
-      </a:accent2>
-      <a:accent3>
-        <a:srgbClr val="8BAB42"/>
-      </a:accent3>
-      <a:accent4>
-        <a:srgbClr val="57A7B5"/>
-      </a:accent4>
-      <a:accent5>
-        <a:srgbClr val="8B81D2"/>
-      </a:accent5>
-      <a:accent6>
-        <a:srgbClr val="963334"/>
-      </a:accent6>
-      <a:hlink>
-        <a:srgbClr val="1155CC"/>
-      </a:hlink>
-      <a:folHlink>
-        <a:srgbClr val="6611CC"/>
-      </a:folHlink>
-    </a:clrScheme>
-    <a:fontScheme name="Office">
-      <a:majorFont>
-        <a:latin typeface="Arial"/>
-        <a:ea typeface=""/>
-        <a:cs typeface=""/>
-        <a:font script="Jpan" typeface="ＭＳ Ｐゴシック"/>
-        <a:font script="Hang" typeface="맑은 고딕"/>
-        <a:font script="Hans" typeface="宋体"/>
-        <a:font script="Hant" typeface="新細明體"/>
-        <a:font script="Arab" typeface="Times New Roman"/>
-        <a:font script="Hebr" typeface="Times New Roman"/>
-        <a:font script="Thai" typeface="Angsana New"/>
-        <a:font script="Ethi" typeface="Nyala"/>
-        <a:font script="Beng" typeface="Vrinda"/>
-        <a:font script="Gujr" typeface="Shruti"/>
-        <a:font script="Khmr" typeface="MoolBoran"/>
-        <a:font script="Knda" typeface="Tunga"/>
-        <a:font script="Guru" typeface="Raavi"/>
-        <a:font script="Cans" typeface="Euphemia"/>
-        <a:font script="Cher" typeface="Plantagenet Cherokee"/>
-        <a:font script="Yiii" typeface="Microsoft Yi Baiti"/>
-        <a:font script="Tibt" typeface="Microsoft Himalaya"/>
-        <a:font script="Thaa" typeface="MV Boli"/>
-        <a:font script="Deva" typeface="Mangal"/>
-        <a:font script="Telu" typeface="Gautami"/>
-        <a:font script="Taml" typeface="Latha"/>
-        <a:font script="Syrc" typeface="Estrangelo Edessa"/>
-        <a:font script="Orya" typeface="Kalinga"/>
-        <a:font script="Mlym" typeface="Kartika"/>
-        <a:font script="Laoo" typeface="DokChampa"/>
-        <a:font script="Sinh" typeface="Iskoola Pota"/>
-        <a:font script="Mong" typeface="Mongolian Baiti"/>
-        <a:font script="Viet" typeface="Times New Roman"/>
-        <a:font script="Uigh" typeface="Microsoft Uighur"/>
-        <a:font script="Geor" typeface="Sylfaen"/>
-      </a:majorFont>
-      <a:minorFont>
-        <a:latin typeface="Arial"/>
-        <a:ea typeface=""/>
-        <a:cs typeface=""/>
-        <a:font script="Jpan" typeface="ＭＳ Ｐゴシック"/>
-        <a:font script="Hang" typeface="맑은 고딕"/>
-        <a:font script="Hans" typeface="宋体"/>
-        <a:font script="Hant" typeface="新細明體"/>
-        <a:font script="Arab" typeface="Arial"/>
-        <a:font script="Hebr" typeface="Arial"/>
-        <a:font script="Thai" typeface="Cordia New"/>
-        <a:font script="Ethi" typeface="Nyala"/>
-        <a:font script="Beng" typeface="Vrinda"/>
-        <a:font script="Gujr" typeface="Shruti"/>
-        <a:font script="Khmr" typeface="DaunPenh"/>
-        <a:font script="Knda" typeface="Tunga"/>
-        <a:font script="Guru" typeface="Raavi"/>
-        <a:font script="Cans" typeface="Euphemia"/>
-        <a:font script="Cher" typeface="Plantagenet Cherokee"/>
-        <a:font script="Yiii" typeface="Microsoft Yi Baiti"/>
-        <a:font script="Tibt" typeface="Microsoft Himalaya"/>
-        <a:font script="Thaa" typeface="MV Boli"/>
-        <a:font script="Deva" typeface="Mangal"/>
-        <a:font script="Telu" typeface="Gautami"/>
-        <a:font script="Taml" typeface="Latha"/>
-        <a:font script="Syrc" typeface="Estrangelo Edessa"/>
-        <a:font script="Orya" typeface="Kalinga"/>
-        <a:font script="Mlym" typeface="Kartika"/>
-        <a:font script="Laoo" typeface="DokChampa"/>
-        <a:font script="Sinh" typeface="Iskoola Pota"/>
-        <a:font script="Mong" typeface="Mongolian Baiti"/>
-        <a:font script="Viet" typeface="Arial"/>
-        <a:font script="Uigh" typeface="Microsoft Uighur"/>
-        <a:font script="Geor" typeface="Sylfaen"/>
-      </a:minorFont>
-    </a:fontScheme>
-    <a:fmtScheme name="Office">
-      <a:fillStyleLst>
-        <a:solidFill>
-          <a:schemeClr val="phClr"/>
-        </a:solidFill>
-        <a:gradFill rotWithShape="1">
-          <a:gsLst>
-            <a:gs pos="0">
-              <a:schemeClr val="phClr">
-                <a:tint val="50000"/>
-                <a:satMod val="300000"/>
-              </a:schemeClr>
-            </a:gs>
-            <a:gs pos="35000">
-              <a:schemeClr val="phClr">
-                <a:tint val="37000"/>
-                <a:satMod val="300000"/>
-              </a:schemeClr>
-            </a:gs>
-            <a:gs pos="100000">
-              <a:schemeClr val="phClr">
-                <a:tint val="15000"/>
-                <a:satMod val="350000"/>
-              </a:schemeClr>
-            </a:gs>
-          </a:gsLst>
-          <a:lin ang="16200000" scaled="1"/>
-        </a:gradFill>
-        <a:gradFill rotWithShape="1">
-          <a:gsLst>
-            <a:gs pos="0">
-              <a:schemeClr val="phClr">
-                <a:tint val="100000"/>
-                <a:shade val="100000"/>
-                <a:satMod val="130000"/>
-              </a:schemeClr>
-            </a:gs>
-            <a:gs pos="100000">
-              <a:schemeClr val="phClr">
-                <a:tint val="50000"/>
-                <a:shade val="100000"/>
-                <a:satMod val="350000"/>
-              </a:schemeClr>
-            </a:gs>
-          </a:gsLst>
-          <a:lin ang="16200000" scaled="0"/>
-        </a:gradFill>
-      </a:fillStyleLst>
-      <a:lnStyleLst>
-        <a:ln w="9525" cap="flat" cmpd="sng" algn="ctr">
-          <a:solidFill>
-            <a:schemeClr val="phClr">
-              <a:shade val="95000"/>
-              <a:satMod val="105000"/>
-            </a:schemeClr>
-          </a:solidFill>
-          <a:prstDash val="solid"/>
-        </a:ln>
-        <a:ln w="25400" cap="flat" cmpd="sng" algn="ctr">
-          <a:solidFill>
-            <a:schemeClr val="phClr"/>
-          </a:solidFill>
-          <a:prstDash val="solid"/>
-        </a:ln>
-        <a:ln w="38100" cap="flat" cmpd="sng" algn="ctr">
-          <a:solidFill>
-            <a:schemeClr val="phClr"/>
-          </a:solidFill>
-          <a:prstDash val="solid"/>
-        </a:ln>
-      </a:lnStyleLst>
-      <a:effectStyleLst>
-        <a:effectStyle>
-          <a:effectLst>
-            <a:outerShdw blurRad="40000" dist="20000" dir="5400000" rotWithShape="0">
-              <a:srgbClr val="000000">
-                <a:alpha val="38000"/>
-              </a:srgbClr>
-            </a:outerShdw>
-          </a:effectLst>
-        </a:effectStyle>
-        <a:effectStyle>
-          <a:effectLst>
-            <a:outerShdw blurRad="40000" dist="23000" dir="5400000" rotWithShape="0">
-              <a:srgbClr val="000000">
-                <a:alpha val="35000"/>
-              </a:srgbClr>
-            </a:outerShdw>
-          </a:effectLst>
-        </a:effectStyle>
-        <a:effectStyle>
-          <a:effectLst>
-            <a:outerShdw blurRad="40000" dist="23000" dir="5400000" rotWithShape="0">
-              <a:srgbClr val="000000">
-                <a:alpha val="35000"/>
-              </a:srgbClr>
-            </a:outerShdw>
-          </a:effectLst>
-          <a:scene3d>
-            <a:camera prst="orthographicFront">
-              <a:rot lat="0" lon="0" rev="0"/>
-            </a:camera>
-            <a:lightRig rig="threePt" dir="t">
-              <a:rot lat="0" lon="0" rev="1200000"/>
-            </a:lightRig>
-          </a:scene3d>
-          <a:sp3d>
-            <a:bevelT w="63500" h="25400"/>
-          </a:sp3d>
-        </a:effectStyle>
-      </a:effectStyleLst>
-      <a:bgFillStyleLst>
-        <a:solidFill>
-          <a:schemeClr val="phClr"/>
-        </a:solidFill>
-        <a:gradFill rotWithShape="1">
-          <a:gsLst>
-            <a:gs pos="0">
-              <a:schemeClr val="phClr">
-                <a:tint val="40000"/>
-                <a:satMod val="350000"/>
-              </a:schemeClr>
-            </a:gs>
-            <a:gs pos="40000">
-              <a:schemeClr val="phClr">
-                <a:tint val="45000"/>
-                <a:shade val="99000"/>
-                <a:satMod val="350000"/>
-              </a:schemeClr>
-            </a:gs>
-            <a:gs pos="100000">
-              <a:schemeClr val="phClr">
-                <a:shade val="20000"/>
-                <a:satMod val="255000"/>
-              </a:schemeClr>
-            </a:gs>
-          </a:gsLst>
-          <a:path path="circle">
-            <a:fillToRect l="50000" t="-80000" r="50000" b="180000"/>
-          </a:path>
-        </a:gradFill>
-        <a:gradFill rotWithShape="1">
-          <a:gsLst>
-            <a:gs pos="0">
-              <a:schemeClr val="phClr">
-                <a:tint val="80000"/>
-                <a:satMod val="300000"/>
-              </a:schemeClr>
-            </a:gs>
-            <a:gs pos="100000">
-              <a:schemeClr val="phClr">
-                <a:shade val="30000"/>
-                <a:satMod val="200000"/>
-              </a:schemeClr>
-            </a:gs>
-          </a:gsLst>
-          <a:path path="circle">
-            <a:fillToRect l="50000" t="50000" r="50000" b="50000"/>
-          </a:path>
-        </a:gradFill>
-      </a:bgFillStyleLst>
-    </a:fmtScheme>
-  </a:themeElements>
+  <a:objectDefaults/>
+  <a:extraClrSchemeLst/>
 </a:theme>
 </file>
--- a/SWEN presentation 3.pptx
+++ b/SWEN presentation 3.pptx
@@ -279,6 +279,11 @@
       </a:defRPr>
     </a:lvl9pPr>
   </p:defaultTextStyle>
+  <p:extLst>
+    <p:ext uri="{EFAFB233-063F-42B5-8137-9DF3F51BA10A}">
+      <p15:sldGuideLst xmlns:p15="http://schemas.microsoft.com/office/powerpoint/2012/main"/>
+    </p:ext>
+  </p:extLst>
 </p:presentation>
 </file>
 
@@ -11756,9 +11761,9 @@
             </a:pPr>
             <a:r>
               <a:rPr lang="en" sz="1800"/>
-              <a:t>See the whole picture</a:t>
+              <a:t>See whole picture</a:t>
             </a:r>
-            <a:endParaRPr sz="1800"/>
+            <a:endParaRPr sz="1800" dirty="0"/>
           </a:p>
           <a:p>
             <a:pPr marL="457200" lvl="0" indent="0" algn="l" rtl="0">
@@ -11770,7 +11775,7 @@
               </a:spcAft>
               <a:buNone/>
             </a:pPr>
-            <a:endParaRPr sz="1800"/>
+            <a:endParaRPr sz="1800" dirty="0"/>
           </a:p>
         </p:txBody>
       </p:sp>

--- a/SWEN presentation 3.pptx
+++ b/SWEN presentation 3.pptx
@@ -11760,8 +11760,16 @@
               <a:buAutoNum type="arabicPeriod"/>
             </a:pPr>
             <a:r>
+              <a:rPr lang="en" sz="1800" dirty="0"/>
+              <a:t>See </a:t>
+            </a:r>
+            <a:r>
+              <a:rPr lang="en-SG" sz="1800"/>
+              <a:t>the </a:t>
+            </a:r>
+            <a:r>
               <a:rPr lang="en" sz="1800"/>
-              <a:t>See whole picture</a:t>
+              <a:t>whole picture</a:t>
             </a:r>
             <a:endParaRPr sz="1800" dirty="0"/>
           </a:p>

--- a/SWEN presentation 3.pptx
+++ b/SWEN presentation 3.pptx
@@ -14118,10 +14118,10 @@
               <a:buChar char="●"/>
             </a:pPr>
             <a:r>
-              <a:rPr lang="en"/>
+              <a:rPr lang="en" dirty="0"/>
               <a:t>Test all the functions</a:t>
             </a:r>
-            <a:endParaRPr/>
+            <a:endParaRPr dirty="0"/>
           </a:p>
           <a:p>
             <a:pPr marL="457200" lvl="0" indent="-368300" algn="l" rtl="0">
@@ -14135,10 +14135,10 @@
               <a:buChar char="●"/>
             </a:pPr>
             <a:r>
-              <a:rPr lang="en"/>
+              <a:rPr lang="en" dirty="0"/>
               <a:t>Testing of the api and html</a:t>
             </a:r>
-            <a:endParaRPr/>
+            <a:endParaRPr dirty="0"/>
           </a:p>
           <a:p>
             <a:pPr marL="457200" lvl="0" indent="-368300" algn="l" rtl="0">
@@ -14152,10 +14152,18 @@
               <a:buChar char="●"/>
             </a:pPr>
             <a:r>
+              <a:rPr lang="en" dirty="0"/>
+              <a:t>Test to see if </a:t>
+            </a:r>
+            <a:r>
+              <a:rPr lang="en-SG"/>
+              <a:t>the</a:t>
+            </a:r>
+            <a:r>
               <a:rPr lang="en"/>
-              <a:t>Test to see if function works or fail or goes into alternative flow.</a:t>
+              <a:t> function works or fail or goes into alternative flow.</a:t>
             </a:r>
-            <a:endParaRPr/>
+            <a:endParaRPr dirty="0"/>
           </a:p>
         </p:txBody>
       </p:sp>
